--- a/baralla-projecte/doc/analisi.pptx
+++ b/baralla-projecte/doc/analisi.pptx
@@ -306,7 +306,7 @@
           <a:p>
             <a:fld id="{745333F5-8ED8-436E-A4B4-7A92BD7176A1}" type="datetimeFigureOut">
               <a:rPr lang="es-ES" smtClean="0"/>
-              <a:t>30/11/2020</a:t>
+              <a:t>10/12/2020</a:t>
             </a:fld>
             <a:endParaRPr lang="es-ES"/>
           </a:p>
@@ -471,7 +471,7 @@
           <a:p>
             <a:fld id="{745333F5-8ED8-436E-A4B4-7A92BD7176A1}" type="datetimeFigureOut">
               <a:rPr lang="es-ES" smtClean="0"/>
-              <a:t>30/11/2020</a:t>
+              <a:t>10/12/2020</a:t>
             </a:fld>
             <a:endParaRPr lang="es-ES"/>
           </a:p>
@@ -646,7 +646,7 @@
           <a:p>
             <a:fld id="{745333F5-8ED8-436E-A4B4-7A92BD7176A1}" type="datetimeFigureOut">
               <a:rPr lang="es-ES" smtClean="0"/>
-              <a:t>30/11/2020</a:t>
+              <a:t>10/12/2020</a:t>
             </a:fld>
             <a:endParaRPr lang="es-ES"/>
           </a:p>
@@ -811,7 +811,7 @@
           <a:p>
             <a:fld id="{745333F5-8ED8-436E-A4B4-7A92BD7176A1}" type="datetimeFigureOut">
               <a:rPr lang="es-ES" smtClean="0"/>
-              <a:t>30/11/2020</a:t>
+              <a:t>10/12/2020</a:t>
             </a:fld>
             <a:endParaRPr lang="es-ES"/>
           </a:p>
@@ -1052,7 +1052,7 @@
           <a:p>
             <a:fld id="{745333F5-8ED8-436E-A4B4-7A92BD7176A1}" type="datetimeFigureOut">
               <a:rPr lang="es-ES" smtClean="0"/>
-              <a:t>30/11/2020</a:t>
+              <a:t>10/12/2020</a:t>
             </a:fld>
             <a:endParaRPr lang="es-ES"/>
           </a:p>
@@ -1335,7 +1335,7 @@
           <a:p>
             <a:fld id="{745333F5-8ED8-436E-A4B4-7A92BD7176A1}" type="datetimeFigureOut">
               <a:rPr lang="es-ES" smtClean="0"/>
-              <a:t>30/11/2020</a:t>
+              <a:t>10/12/2020</a:t>
             </a:fld>
             <a:endParaRPr lang="es-ES"/>
           </a:p>
@@ -1752,7 +1752,7 @@
           <a:p>
             <a:fld id="{745333F5-8ED8-436E-A4B4-7A92BD7176A1}" type="datetimeFigureOut">
               <a:rPr lang="es-ES" smtClean="0"/>
-              <a:t>30/11/2020</a:t>
+              <a:t>10/12/2020</a:t>
             </a:fld>
             <a:endParaRPr lang="es-ES"/>
           </a:p>
@@ -1865,7 +1865,7 @@
           <a:p>
             <a:fld id="{745333F5-8ED8-436E-A4B4-7A92BD7176A1}" type="datetimeFigureOut">
               <a:rPr lang="es-ES" smtClean="0"/>
-              <a:t>30/11/2020</a:t>
+              <a:t>10/12/2020</a:t>
             </a:fld>
             <a:endParaRPr lang="es-ES"/>
           </a:p>
@@ -1955,7 +1955,7 @@
           <a:p>
             <a:fld id="{745333F5-8ED8-436E-A4B4-7A92BD7176A1}" type="datetimeFigureOut">
               <a:rPr lang="es-ES" smtClean="0"/>
-              <a:t>30/11/2020</a:t>
+              <a:t>10/12/2020</a:t>
             </a:fld>
             <a:endParaRPr lang="es-ES"/>
           </a:p>
@@ -2227,7 +2227,7 @@
           <a:p>
             <a:fld id="{745333F5-8ED8-436E-A4B4-7A92BD7176A1}" type="datetimeFigureOut">
               <a:rPr lang="es-ES" smtClean="0"/>
-              <a:t>30/11/2020</a:t>
+              <a:t>10/12/2020</a:t>
             </a:fld>
             <a:endParaRPr lang="es-ES"/>
           </a:p>
@@ -2475,7 +2475,7 @@
           <a:p>
             <a:fld id="{745333F5-8ED8-436E-A4B4-7A92BD7176A1}" type="datetimeFigureOut">
               <a:rPr lang="es-ES" smtClean="0"/>
-              <a:t>30/11/2020</a:t>
+              <a:t>10/12/2020</a:t>
             </a:fld>
             <a:endParaRPr lang="es-ES"/>
           </a:p>
@@ -2683,7 +2683,7 @@
           <a:p>
             <a:fld id="{745333F5-8ED8-436E-A4B4-7A92BD7176A1}" type="datetimeFigureOut">
               <a:rPr lang="es-ES" smtClean="0"/>
-              <a:t>30/11/2020</a:t>
+              <a:t>10/12/2020</a:t>
             </a:fld>
             <a:endParaRPr lang="es-ES"/>
           </a:p>
@@ -4593,7 +4593,7 @@
                     <a:lstStyle/>
                     <a:p>
                       <a:pPr algn="ctr"/>
-                      <a:endParaRPr lang="es-ES">
+                      <a:endParaRPr lang="es-ES" dirty="0">
                         <a:solidFill>
                           <a:srgbClr val="FFFF00"/>
                         </a:solidFill>
@@ -5519,6 +5519,1902 @@
                     <a:p>
                       <a:pPr algn="ctr"/>
                       <a:endParaRPr lang="es-ES">
+                        <a:solidFill>
+                          <a:srgbClr val="FFFF00"/>
+                        </a:solidFill>
+                      </a:endParaRPr>
+                    </a:p>
+                  </a:txBody>
+                  <a:tcPr>
+                    <a:solidFill>
+                      <a:srgbClr val="000000">
+                        <a:alpha val="30196"/>
+                      </a:srgbClr>
+                    </a:solidFill>
+                  </a:tcPr>
+                </a:tc>
+                <a:tc>
+                  <a:txBody>
+                    <a:bodyPr/>
+                    <a:lstStyle/>
+                    <a:p>
+                      <a:pPr algn="ctr"/>
+                      <a:endParaRPr lang="es-ES">
+                        <a:solidFill>
+                          <a:srgbClr val="FFFF00"/>
+                        </a:solidFill>
+                      </a:endParaRPr>
+                    </a:p>
+                  </a:txBody>
+                  <a:tcPr>
+                    <a:solidFill>
+                      <a:srgbClr val="000000">
+                        <a:alpha val="30196"/>
+                      </a:srgbClr>
+                    </a:solidFill>
+                  </a:tcPr>
+                </a:tc>
+                <a:tc>
+                  <a:txBody>
+                    <a:bodyPr/>
+                    <a:lstStyle/>
+                    <a:p>
+                      <a:pPr algn="ctr"/>
+                      <a:endParaRPr lang="es-ES" dirty="0">
+                        <a:solidFill>
+                          <a:srgbClr val="FFFF00"/>
+                        </a:solidFill>
+                      </a:endParaRPr>
+                    </a:p>
+                  </a:txBody>
+                  <a:tcPr>
+                    <a:solidFill>
+                      <a:srgbClr val="000000">
+                        <a:alpha val="30196"/>
+                      </a:srgbClr>
+                    </a:solidFill>
+                  </a:tcPr>
+                </a:tc>
+                <a:extLst>
+                  <a:ext uri="{0D108BD9-81ED-4DB2-BD59-A6C34878D82A}">
+                    <a16:rowId xmlns:a16="http://schemas.microsoft.com/office/drawing/2014/main" val="10011"/>
+                  </a:ext>
+                </a:extLst>
+              </a:tr>
+            </a:tbl>
+          </a:graphicData>
+        </a:graphic>
+      </p:graphicFrame>
+      <p:graphicFrame>
+        <p:nvGraphicFramePr>
+          <p:cNvPr id="5" name="Taula 12">
+            <a:extLst>
+              <a:ext uri="{FF2B5EF4-FFF2-40B4-BE49-F238E27FC236}">
+                <a16:creationId xmlns:a16="http://schemas.microsoft.com/office/drawing/2014/main" id="{17ABC405-FCEC-4930-A806-E184A8347815}"/>
+              </a:ext>
+            </a:extLst>
+          </p:cNvPr>
+          <p:cNvGraphicFramePr>
+            <a:graphicFrameLocks noGrp="1"/>
+          </p:cNvGraphicFramePr>
+          <p:nvPr>
+            <p:extLst>
+              <p:ext uri="{D42A27DB-BD31-4B8C-83A1-F6EECF244321}">
+                <p14:modId xmlns:p14="http://schemas.microsoft.com/office/powerpoint/2010/main" val="3386149058"/>
+              </p:ext>
+            </p:extLst>
+          </p:nvPr>
+        </p:nvGraphicFramePr>
+        <p:xfrm>
+          <a:off x="13500992" y="1246448"/>
+          <a:ext cx="2952327" cy="5085180"/>
+        </p:xfrm>
+        <a:graphic>
+          <a:graphicData uri="http://schemas.openxmlformats.org/drawingml/2006/table">
+            <a:tbl>
+              <a:tblPr firstRow="1" bandRow="1">
+                <a:tableStyleId>{5C22544A-7EE6-4342-B048-85BDC9FD1C3A}</a:tableStyleId>
+              </a:tblPr>
+              <a:tblGrid>
+                <a:gridCol w="984109">
+                  <a:extLst>
+                    <a:ext uri="{9D8B030D-6E8A-4147-A177-3AD203B41FA5}">
+                      <a16:colId xmlns:a16="http://schemas.microsoft.com/office/drawing/2014/main" val="20000"/>
+                    </a:ext>
+                  </a:extLst>
+                </a:gridCol>
+                <a:gridCol w="984109">
+                  <a:extLst>
+                    <a:ext uri="{9D8B030D-6E8A-4147-A177-3AD203B41FA5}">
+                      <a16:colId xmlns:a16="http://schemas.microsoft.com/office/drawing/2014/main" val="20001"/>
+                    </a:ext>
+                  </a:extLst>
+                </a:gridCol>
+                <a:gridCol w="984109">
+                  <a:extLst>
+                    <a:ext uri="{9D8B030D-6E8A-4147-A177-3AD203B41FA5}">
+                      <a16:colId xmlns:a16="http://schemas.microsoft.com/office/drawing/2014/main" val="20002"/>
+                    </a:ext>
+                  </a:extLst>
+                </a:gridCol>
+              </a:tblGrid>
+              <a:tr h="423765">
+                <a:tc>
+                  <a:txBody>
+                    <a:bodyPr/>
+                    <a:lstStyle/>
+                    <a:p>
+                      <a:pPr algn="ctr"/>
+                      <a:r>
+                        <a:rPr lang="ca-ES" dirty="0">
+                          <a:solidFill>
+                            <a:srgbClr val="FFFF00"/>
+                          </a:solidFill>
+                        </a:rPr>
+                        <a:t>1</a:t>
+                      </a:r>
+                      <a:endParaRPr lang="es-ES" dirty="0">
+                        <a:solidFill>
+                          <a:srgbClr val="FFFF00"/>
+                        </a:solidFill>
+                      </a:endParaRPr>
+                    </a:p>
+                  </a:txBody>
+                  <a:tcPr>
+                    <a:solidFill>
+                      <a:srgbClr val="000000">
+                        <a:alpha val="30196"/>
+                      </a:srgbClr>
+                    </a:solidFill>
+                  </a:tcPr>
+                </a:tc>
+                <a:tc>
+                  <a:txBody>
+                    <a:bodyPr/>
+                    <a:lstStyle/>
+                    <a:p>
+                      <a:pPr algn="ctr"/>
+                      <a:endParaRPr lang="es-ES" dirty="0">
+                        <a:solidFill>
+                          <a:srgbClr val="FFFF00"/>
+                        </a:solidFill>
+                      </a:endParaRPr>
+                    </a:p>
+                  </a:txBody>
+                  <a:tcPr>
+                    <a:solidFill>
+                      <a:srgbClr val="000000">
+                        <a:alpha val="30196"/>
+                      </a:srgbClr>
+                    </a:solidFill>
+                  </a:tcPr>
+                </a:tc>
+                <a:tc>
+                  <a:txBody>
+                    <a:bodyPr/>
+                    <a:lstStyle/>
+                    <a:p>
+                      <a:pPr algn="ctr"/>
+                      <a:r>
+                        <a:rPr lang="ca-ES" dirty="0">
+                          <a:solidFill>
+                            <a:srgbClr val="FFFF00"/>
+                          </a:solidFill>
+                        </a:rPr>
+                        <a:t>1</a:t>
+                      </a:r>
+                      <a:endParaRPr lang="es-ES" dirty="0">
+                        <a:solidFill>
+                          <a:srgbClr val="FFFF00"/>
+                        </a:solidFill>
+                      </a:endParaRPr>
+                    </a:p>
+                  </a:txBody>
+                  <a:tcPr>
+                    <a:solidFill>
+                      <a:srgbClr val="000000">
+                        <a:alpha val="30196"/>
+                      </a:srgbClr>
+                    </a:solidFill>
+                  </a:tcPr>
+                </a:tc>
+                <a:extLst>
+                  <a:ext uri="{0D108BD9-81ED-4DB2-BD59-A6C34878D82A}">
+                    <a16:rowId xmlns:a16="http://schemas.microsoft.com/office/drawing/2014/main" val="10000"/>
+                  </a:ext>
+                </a:extLst>
+              </a:tr>
+              <a:tr h="423765">
+                <a:tc>
+                  <a:txBody>
+                    <a:bodyPr/>
+                    <a:lstStyle/>
+                    <a:p>
+                      <a:pPr algn="ctr"/>
+                      <a:endParaRPr lang="es-ES">
+                        <a:solidFill>
+                          <a:srgbClr val="FFFF00"/>
+                        </a:solidFill>
+                      </a:endParaRPr>
+                    </a:p>
+                  </a:txBody>
+                  <a:tcPr>
+                    <a:solidFill>
+                      <a:srgbClr val="000000">
+                        <a:alpha val="30196"/>
+                      </a:srgbClr>
+                    </a:solidFill>
+                  </a:tcPr>
+                </a:tc>
+                <a:tc>
+                  <a:txBody>
+                    <a:bodyPr/>
+                    <a:lstStyle/>
+                    <a:p>
+                      <a:pPr algn="ctr"/>
+                      <a:endParaRPr lang="es-ES">
+                        <a:solidFill>
+                          <a:srgbClr val="FFFF00"/>
+                        </a:solidFill>
+                      </a:endParaRPr>
+                    </a:p>
+                  </a:txBody>
+                  <a:tcPr>
+                    <a:solidFill>
+                      <a:srgbClr val="000000">
+                        <a:alpha val="30196"/>
+                      </a:srgbClr>
+                    </a:solidFill>
+                  </a:tcPr>
+                </a:tc>
+                <a:tc>
+                  <a:txBody>
+                    <a:bodyPr/>
+                    <a:lstStyle/>
+                    <a:p>
+                      <a:pPr algn="ctr"/>
+                      <a:endParaRPr lang="es-ES">
+                        <a:solidFill>
+                          <a:srgbClr val="FFFF00"/>
+                        </a:solidFill>
+                      </a:endParaRPr>
+                    </a:p>
+                  </a:txBody>
+                  <a:tcPr>
+                    <a:solidFill>
+                      <a:srgbClr val="000000">
+                        <a:alpha val="30196"/>
+                      </a:srgbClr>
+                    </a:solidFill>
+                  </a:tcPr>
+                </a:tc>
+                <a:extLst>
+                  <a:ext uri="{0D108BD9-81ED-4DB2-BD59-A6C34878D82A}">
+                    <a16:rowId xmlns:a16="http://schemas.microsoft.com/office/drawing/2014/main" val="10001"/>
+                  </a:ext>
+                </a:extLst>
+              </a:tr>
+              <a:tr h="423765">
+                <a:tc>
+                  <a:txBody>
+                    <a:bodyPr/>
+                    <a:lstStyle/>
+                    <a:p>
+                      <a:pPr algn="ctr"/>
+                      <a:endParaRPr lang="es-ES">
+                        <a:solidFill>
+                          <a:srgbClr val="FFFF00"/>
+                        </a:solidFill>
+                      </a:endParaRPr>
+                    </a:p>
+                  </a:txBody>
+                  <a:tcPr>
+                    <a:solidFill>
+                      <a:srgbClr val="000000">
+                        <a:alpha val="30196"/>
+                      </a:srgbClr>
+                    </a:solidFill>
+                  </a:tcPr>
+                </a:tc>
+                <a:tc>
+                  <a:txBody>
+                    <a:bodyPr/>
+                    <a:lstStyle/>
+                    <a:p>
+                      <a:pPr algn="ctr"/>
+                      <a:r>
+                        <a:rPr lang="ca-ES" dirty="0">
+                          <a:solidFill>
+                            <a:srgbClr val="FFFF00"/>
+                          </a:solidFill>
+                        </a:rPr>
+                        <a:t>1</a:t>
+                      </a:r>
+                      <a:endParaRPr lang="es-ES" dirty="0">
+                        <a:solidFill>
+                          <a:srgbClr val="FFFF00"/>
+                        </a:solidFill>
+                      </a:endParaRPr>
+                    </a:p>
+                  </a:txBody>
+                  <a:tcPr>
+                    <a:solidFill>
+                      <a:srgbClr val="000000">
+                        <a:alpha val="30196"/>
+                      </a:srgbClr>
+                    </a:solidFill>
+                  </a:tcPr>
+                </a:tc>
+                <a:tc>
+                  <a:txBody>
+                    <a:bodyPr/>
+                    <a:lstStyle/>
+                    <a:p>
+                      <a:pPr algn="ctr"/>
+                      <a:endParaRPr lang="es-ES">
+                        <a:solidFill>
+                          <a:srgbClr val="FFFF00"/>
+                        </a:solidFill>
+                      </a:endParaRPr>
+                    </a:p>
+                  </a:txBody>
+                  <a:tcPr>
+                    <a:solidFill>
+                      <a:srgbClr val="000000">
+                        <a:alpha val="30196"/>
+                      </a:srgbClr>
+                    </a:solidFill>
+                  </a:tcPr>
+                </a:tc>
+                <a:extLst>
+                  <a:ext uri="{0D108BD9-81ED-4DB2-BD59-A6C34878D82A}">
+                    <a16:rowId xmlns:a16="http://schemas.microsoft.com/office/drawing/2014/main" val="10002"/>
+                  </a:ext>
+                </a:extLst>
+              </a:tr>
+              <a:tr h="423765">
+                <a:tc>
+                  <a:txBody>
+                    <a:bodyPr/>
+                    <a:lstStyle/>
+                    <a:p>
+                      <a:pPr algn="ctr"/>
+                      <a:endParaRPr lang="es-ES">
+                        <a:solidFill>
+                          <a:srgbClr val="FFFF00"/>
+                        </a:solidFill>
+                      </a:endParaRPr>
+                    </a:p>
+                  </a:txBody>
+                  <a:tcPr>
+                    <a:solidFill>
+                      <a:srgbClr val="000000">
+                        <a:alpha val="30196"/>
+                      </a:srgbClr>
+                    </a:solidFill>
+                  </a:tcPr>
+                </a:tc>
+                <a:tc>
+                  <a:txBody>
+                    <a:bodyPr/>
+                    <a:lstStyle/>
+                    <a:p>
+                      <a:pPr algn="ctr"/>
+                      <a:endParaRPr lang="es-ES">
+                        <a:solidFill>
+                          <a:srgbClr val="FFFF00"/>
+                        </a:solidFill>
+                      </a:endParaRPr>
+                    </a:p>
+                  </a:txBody>
+                  <a:tcPr>
+                    <a:solidFill>
+                      <a:srgbClr val="000000">
+                        <a:alpha val="30196"/>
+                      </a:srgbClr>
+                    </a:solidFill>
+                  </a:tcPr>
+                </a:tc>
+                <a:tc>
+                  <a:txBody>
+                    <a:bodyPr/>
+                    <a:lstStyle/>
+                    <a:p>
+                      <a:pPr algn="ctr"/>
+                      <a:endParaRPr lang="es-ES">
+                        <a:solidFill>
+                          <a:srgbClr val="FFFF00"/>
+                        </a:solidFill>
+                      </a:endParaRPr>
+                    </a:p>
+                  </a:txBody>
+                  <a:tcPr>
+                    <a:solidFill>
+                      <a:srgbClr val="000000">
+                        <a:alpha val="30196"/>
+                      </a:srgbClr>
+                    </a:solidFill>
+                  </a:tcPr>
+                </a:tc>
+                <a:extLst>
+                  <a:ext uri="{0D108BD9-81ED-4DB2-BD59-A6C34878D82A}">
+                    <a16:rowId xmlns:a16="http://schemas.microsoft.com/office/drawing/2014/main" val="10003"/>
+                  </a:ext>
+                </a:extLst>
+              </a:tr>
+              <a:tr h="423765">
+                <a:tc>
+                  <a:txBody>
+                    <a:bodyPr/>
+                    <a:lstStyle/>
+                    <a:p>
+                      <a:pPr algn="ctr"/>
+                      <a:r>
+                        <a:rPr lang="es-ES" dirty="0">
+                          <a:solidFill>
+                            <a:srgbClr val="FFFF00"/>
+                          </a:solidFill>
+                        </a:rPr>
+                        <a:t>1</a:t>
+                      </a:r>
+                    </a:p>
+                  </a:txBody>
+                  <a:tcPr>
+                    <a:solidFill>
+                      <a:srgbClr val="000000">
+                        <a:alpha val="30196"/>
+                      </a:srgbClr>
+                    </a:solidFill>
+                  </a:tcPr>
+                </a:tc>
+                <a:tc>
+                  <a:txBody>
+                    <a:bodyPr/>
+                    <a:lstStyle/>
+                    <a:p>
+                      <a:pPr algn="ctr"/>
+                      <a:endParaRPr lang="es-ES">
+                        <a:solidFill>
+                          <a:srgbClr val="FFFF00"/>
+                        </a:solidFill>
+                      </a:endParaRPr>
+                    </a:p>
+                  </a:txBody>
+                  <a:tcPr>
+                    <a:solidFill>
+                      <a:srgbClr val="000000">
+                        <a:alpha val="30196"/>
+                      </a:srgbClr>
+                    </a:solidFill>
+                  </a:tcPr>
+                </a:tc>
+                <a:tc>
+                  <a:txBody>
+                    <a:bodyPr/>
+                    <a:lstStyle/>
+                    <a:p>
+                      <a:pPr algn="ctr"/>
+                      <a:r>
+                        <a:rPr lang="es-ES" dirty="0">
+                          <a:solidFill>
+                            <a:srgbClr val="FFFF00"/>
+                          </a:solidFill>
+                        </a:rPr>
+                        <a:t>1</a:t>
+                      </a:r>
+                    </a:p>
+                  </a:txBody>
+                  <a:tcPr>
+                    <a:solidFill>
+                      <a:srgbClr val="000000">
+                        <a:alpha val="30196"/>
+                      </a:srgbClr>
+                    </a:solidFill>
+                  </a:tcPr>
+                </a:tc>
+                <a:extLst>
+                  <a:ext uri="{0D108BD9-81ED-4DB2-BD59-A6C34878D82A}">
+                    <a16:rowId xmlns:a16="http://schemas.microsoft.com/office/drawing/2014/main" val="10004"/>
+                  </a:ext>
+                </a:extLst>
+              </a:tr>
+              <a:tr h="423765">
+                <a:tc>
+                  <a:txBody>
+                    <a:bodyPr/>
+                    <a:lstStyle/>
+                    <a:p>
+                      <a:pPr algn="ctr"/>
+                      <a:endParaRPr lang="es-ES" dirty="0">
+                        <a:solidFill>
+                          <a:srgbClr val="FFFF00"/>
+                        </a:solidFill>
+                      </a:endParaRPr>
+                    </a:p>
+                  </a:txBody>
+                  <a:tcPr>
+                    <a:solidFill>
+                      <a:srgbClr val="000000">
+                        <a:alpha val="30196"/>
+                      </a:srgbClr>
+                    </a:solidFill>
+                  </a:tcPr>
+                </a:tc>
+                <a:tc>
+                  <a:txBody>
+                    <a:bodyPr/>
+                    <a:lstStyle/>
+                    <a:p>
+                      <a:pPr algn="ctr"/>
+                      <a:endParaRPr lang="es-ES">
+                        <a:solidFill>
+                          <a:srgbClr val="FFFF00"/>
+                        </a:solidFill>
+                      </a:endParaRPr>
+                    </a:p>
+                  </a:txBody>
+                  <a:tcPr>
+                    <a:solidFill>
+                      <a:srgbClr val="000000">
+                        <a:alpha val="30196"/>
+                      </a:srgbClr>
+                    </a:solidFill>
+                  </a:tcPr>
+                </a:tc>
+                <a:tc>
+                  <a:txBody>
+                    <a:bodyPr/>
+                    <a:lstStyle/>
+                    <a:p>
+                      <a:pPr algn="ctr"/>
+                      <a:endParaRPr lang="es-ES" dirty="0">
+                        <a:solidFill>
+                          <a:srgbClr val="FFFF00"/>
+                        </a:solidFill>
+                      </a:endParaRPr>
+                    </a:p>
+                  </a:txBody>
+                  <a:tcPr>
+                    <a:solidFill>
+                      <a:srgbClr val="000000">
+                        <a:alpha val="30196"/>
+                      </a:srgbClr>
+                    </a:solidFill>
+                  </a:tcPr>
+                </a:tc>
+                <a:extLst>
+                  <a:ext uri="{0D108BD9-81ED-4DB2-BD59-A6C34878D82A}">
+                    <a16:rowId xmlns:a16="http://schemas.microsoft.com/office/drawing/2014/main" val="10005"/>
+                  </a:ext>
+                </a:extLst>
+              </a:tr>
+              <a:tr h="423765">
+                <a:tc>
+                  <a:txBody>
+                    <a:bodyPr/>
+                    <a:lstStyle/>
+                    <a:p>
+                      <a:pPr algn="ctr"/>
+                      <a:endParaRPr lang="es-ES">
+                        <a:solidFill>
+                          <a:srgbClr val="FFFF00"/>
+                        </a:solidFill>
+                      </a:endParaRPr>
+                    </a:p>
+                  </a:txBody>
+                  <a:tcPr>
+                    <a:solidFill>
+                      <a:srgbClr val="000000">
+                        <a:alpha val="30196"/>
+                      </a:srgbClr>
+                    </a:solidFill>
+                  </a:tcPr>
+                </a:tc>
+                <a:tc>
+                  <a:txBody>
+                    <a:bodyPr/>
+                    <a:lstStyle/>
+                    <a:p>
+                      <a:pPr algn="ctr"/>
+                      <a:endParaRPr lang="es-ES">
+                        <a:solidFill>
+                          <a:srgbClr val="FFFF00"/>
+                        </a:solidFill>
+                      </a:endParaRPr>
+                    </a:p>
+                  </a:txBody>
+                  <a:tcPr>
+                    <a:solidFill>
+                      <a:srgbClr val="000000">
+                        <a:alpha val="30196"/>
+                      </a:srgbClr>
+                    </a:solidFill>
+                  </a:tcPr>
+                </a:tc>
+                <a:tc>
+                  <a:txBody>
+                    <a:bodyPr/>
+                    <a:lstStyle/>
+                    <a:p>
+                      <a:pPr algn="ctr"/>
+                      <a:endParaRPr lang="es-ES">
+                        <a:solidFill>
+                          <a:srgbClr val="FFFF00"/>
+                        </a:solidFill>
+                      </a:endParaRPr>
+                    </a:p>
+                  </a:txBody>
+                  <a:tcPr>
+                    <a:solidFill>
+                      <a:srgbClr val="000000">
+                        <a:alpha val="30196"/>
+                      </a:srgbClr>
+                    </a:solidFill>
+                  </a:tcPr>
+                </a:tc>
+                <a:extLst>
+                  <a:ext uri="{0D108BD9-81ED-4DB2-BD59-A6C34878D82A}">
+                    <a16:rowId xmlns:a16="http://schemas.microsoft.com/office/drawing/2014/main" val="10006"/>
+                  </a:ext>
+                </a:extLst>
+              </a:tr>
+              <a:tr h="423765">
+                <a:tc>
+                  <a:txBody>
+                    <a:bodyPr/>
+                    <a:lstStyle/>
+                    <a:p>
+                      <a:pPr algn="ctr"/>
+                      <a:r>
+                        <a:rPr lang="es-ES" dirty="0">
+                          <a:solidFill>
+                            <a:srgbClr val="FFFF00"/>
+                          </a:solidFill>
+                        </a:rPr>
+                        <a:t>2</a:t>
+                      </a:r>
+                    </a:p>
+                  </a:txBody>
+                  <a:tcPr>
+                    <a:solidFill>
+                      <a:srgbClr val="000000">
+                        <a:alpha val="30196"/>
+                      </a:srgbClr>
+                    </a:solidFill>
+                  </a:tcPr>
+                </a:tc>
+                <a:tc>
+                  <a:txBody>
+                    <a:bodyPr/>
+                    <a:lstStyle/>
+                    <a:p>
+                      <a:pPr algn="ctr"/>
+                      <a:endParaRPr lang="es-ES" dirty="0">
+                        <a:solidFill>
+                          <a:srgbClr val="FFFF00"/>
+                        </a:solidFill>
+                      </a:endParaRPr>
+                    </a:p>
+                  </a:txBody>
+                  <a:tcPr>
+                    <a:solidFill>
+                      <a:srgbClr val="000000">
+                        <a:alpha val="30196"/>
+                      </a:srgbClr>
+                    </a:solidFill>
+                  </a:tcPr>
+                </a:tc>
+                <a:tc>
+                  <a:txBody>
+                    <a:bodyPr/>
+                    <a:lstStyle/>
+                    <a:p>
+                      <a:pPr algn="ctr"/>
+                      <a:r>
+                        <a:rPr lang="es-ES" dirty="0">
+                          <a:solidFill>
+                            <a:srgbClr val="FFFF00"/>
+                          </a:solidFill>
+                        </a:rPr>
+                        <a:t>2</a:t>
+                      </a:r>
+                    </a:p>
+                  </a:txBody>
+                  <a:tcPr>
+                    <a:solidFill>
+                      <a:srgbClr val="000000">
+                        <a:alpha val="30196"/>
+                      </a:srgbClr>
+                    </a:solidFill>
+                  </a:tcPr>
+                </a:tc>
+                <a:extLst>
+                  <a:ext uri="{0D108BD9-81ED-4DB2-BD59-A6C34878D82A}">
+                    <a16:rowId xmlns:a16="http://schemas.microsoft.com/office/drawing/2014/main" val="10007"/>
+                  </a:ext>
+                </a:extLst>
+              </a:tr>
+              <a:tr h="423765">
+                <a:tc>
+                  <a:txBody>
+                    <a:bodyPr/>
+                    <a:lstStyle/>
+                    <a:p>
+                      <a:pPr algn="ctr"/>
+                      <a:endParaRPr lang="es-ES">
+                        <a:solidFill>
+                          <a:srgbClr val="FFFF00"/>
+                        </a:solidFill>
+                      </a:endParaRPr>
+                    </a:p>
+                  </a:txBody>
+                  <a:tcPr>
+                    <a:solidFill>
+                      <a:srgbClr val="000000">
+                        <a:alpha val="30196"/>
+                      </a:srgbClr>
+                    </a:solidFill>
+                  </a:tcPr>
+                </a:tc>
+                <a:tc>
+                  <a:txBody>
+                    <a:bodyPr/>
+                    <a:lstStyle/>
+                    <a:p>
+                      <a:pPr algn="ctr"/>
+                      <a:r>
+                        <a:rPr lang="es-ES" dirty="0">
+                          <a:solidFill>
+                            <a:srgbClr val="FFFF00"/>
+                          </a:solidFill>
+                        </a:rPr>
+                        <a:t>2</a:t>
+                      </a:r>
+                    </a:p>
+                  </a:txBody>
+                  <a:tcPr>
+                    <a:solidFill>
+                      <a:srgbClr val="000000">
+                        <a:alpha val="30196"/>
+                      </a:srgbClr>
+                    </a:solidFill>
+                  </a:tcPr>
+                </a:tc>
+                <a:tc>
+                  <a:txBody>
+                    <a:bodyPr/>
+                    <a:lstStyle/>
+                    <a:p>
+                      <a:pPr algn="ctr"/>
+                      <a:endParaRPr lang="es-ES">
+                        <a:solidFill>
+                          <a:srgbClr val="FFFF00"/>
+                        </a:solidFill>
+                      </a:endParaRPr>
+                    </a:p>
+                  </a:txBody>
+                  <a:tcPr>
+                    <a:solidFill>
+                      <a:srgbClr val="000000">
+                        <a:alpha val="30196"/>
+                      </a:srgbClr>
+                    </a:solidFill>
+                  </a:tcPr>
+                </a:tc>
+                <a:extLst>
+                  <a:ext uri="{0D108BD9-81ED-4DB2-BD59-A6C34878D82A}">
+                    <a16:rowId xmlns:a16="http://schemas.microsoft.com/office/drawing/2014/main" val="10008"/>
+                  </a:ext>
+                </a:extLst>
+              </a:tr>
+              <a:tr h="423765">
+                <a:tc>
+                  <a:txBody>
+                    <a:bodyPr/>
+                    <a:lstStyle/>
+                    <a:p>
+                      <a:pPr algn="ctr"/>
+                      <a:endParaRPr lang="es-ES" dirty="0">
+                        <a:solidFill>
+                          <a:srgbClr val="FFFF00"/>
+                        </a:solidFill>
+                      </a:endParaRPr>
+                    </a:p>
+                  </a:txBody>
+                  <a:tcPr>
+                    <a:solidFill>
+                      <a:srgbClr val="000000">
+                        <a:alpha val="30196"/>
+                      </a:srgbClr>
+                    </a:solidFill>
+                  </a:tcPr>
+                </a:tc>
+                <a:tc>
+                  <a:txBody>
+                    <a:bodyPr/>
+                    <a:lstStyle/>
+                    <a:p>
+                      <a:pPr algn="ctr"/>
+                      <a:endParaRPr lang="es-ES" dirty="0">
+                        <a:solidFill>
+                          <a:srgbClr val="FFFF00"/>
+                        </a:solidFill>
+                      </a:endParaRPr>
+                    </a:p>
+                  </a:txBody>
+                  <a:tcPr>
+                    <a:solidFill>
+                      <a:srgbClr val="000000">
+                        <a:alpha val="30196"/>
+                      </a:srgbClr>
+                    </a:solidFill>
+                  </a:tcPr>
+                </a:tc>
+                <a:tc>
+                  <a:txBody>
+                    <a:bodyPr/>
+                    <a:lstStyle/>
+                    <a:p>
+                      <a:pPr algn="ctr"/>
+                      <a:endParaRPr lang="es-ES">
+                        <a:solidFill>
+                          <a:srgbClr val="FFFF00"/>
+                        </a:solidFill>
+                      </a:endParaRPr>
+                    </a:p>
+                  </a:txBody>
+                  <a:tcPr>
+                    <a:solidFill>
+                      <a:srgbClr val="000000">
+                        <a:alpha val="30196"/>
+                      </a:srgbClr>
+                    </a:solidFill>
+                  </a:tcPr>
+                </a:tc>
+                <a:extLst>
+                  <a:ext uri="{0D108BD9-81ED-4DB2-BD59-A6C34878D82A}">
+                    <a16:rowId xmlns:a16="http://schemas.microsoft.com/office/drawing/2014/main" val="10009"/>
+                  </a:ext>
+                </a:extLst>
+              </a:tr>
+              <a:tr h="423765">
+                <a:tc>
+                  <a:txBody>
+                    <a:bodyPr/>
+                    <a:lstStyle/>
+                    <a:p>
+                      <a:pPr algn="ctr"/>
+                      <a:r>
+                        <a:rPr lang="ca-ES" dirty="0">
+                          <a:solidFill>
+                            <a:srgbClr val="FFFF00"/>
+                          </a:solidFill>
+                        </a:rPr>
+                        <a:t>2</a:t>
+                      </a:r>
+                      <a:endParaRPr lang="es-ES" dirty="0">
+                        <a:solidFill>
+                          <a:srgbClr val="FFFF00"/>
+                        </a:solidFill>
+                      </a:endParaRPr>
+                    </a:p>
+                  </a:txBody>
+                  <a:tcPr>
+                    <a:solidFill>
+                      <a:srgbClr val="000000">
+                        <a:alpha val="30196"/>
+                      </a:srgbClr>
+                    </a:solidFill>
+                  </a:tcPr>
+                </a:tc>
+                <a:tc>
+                  <a:txBody>
+                    <a:bodyPr/>
+                    <a:lstStyle/>
+                    <a:p>
+                      <a:pPr algn="ctr"/>
+                      <a:endParaRPr lang="es-ES">
+                        <a:solidFill>
+                          <a:srgbClr val="FFFF00"/>
+                        </a:solidFill>
+                      </a:endParaRPr>
+                    </a:p>
+                  </a:txBody>
+                  <a:tcPr>
+                    <a:solidFill>
+                      <a:srgbClr val="000000">
+                        <a:alpha val="30196"/>
+                      </a:srgbClr>
+                    </a:solidFill>
+                  </a:tcPr>
+                </a:tc>
+                <a:tc>
+                  <a:txBody>
+                    <a:bodyPr/>
+                    <a:lstStyle/>
+                    <a:p>
+                      <a:pPr algn="ctr"/>
+                      <a:r>
+                        <a:rPr lang="ca-ES" dirty="0">
+                          <a:solidFill>
+                            <a:srgbClr val="FFFF00"/>
+                          </a:solidFill>
+                        </a:rPr>
+                        <a:t>2</a:t>
+                      </a:r>
+                      <a:endParaRPr lang="es-ES" dirty="0">
+                        <a:solidFill>
+                          <a:srgbClr val="FFFF00"/>
+                        </a:solidFill>
+                      </a:endParaRPr>
+                    </a:p>
+                  </a:txBody>
+                  <a:tcPr>
+                    <a:solidFill>
+                      <a:srgbClr val="000000">
+                        <a:alpha val="30196"/>
+                      </a:srgbClr>
+                    </a:solidFill>
+                  </a:tcPr>
+                </a:tc>
+                <a:extLst>
+                  <a:ext uri="{0D108BD9-81ED-4DB2-BD59-A6C34878D82A}">
+                    <a16:rowId xmlns:a16="http://schemas.microsoft.com/office/drawing/2014/main" val="10010"/>
+                  </a:ext>
+                </a:extLst>
+              </a:tr>
+              <a:tr h="423765">
+                <a:tc>
+                  <a:txBody>
+                    <a:bodyPr/>
+                    <a:lstStyle/>
+                    <a:p>
+                      <a:pPr algn="ctr"/>
+                      <a:endParaRPr lang="es-ES" dirty="0">
+                        <a:solidFill>
+                          <a:srgbClr val="FFFF00"/>
+                        </a:solidFill>
+                      </a:endParaRPr>
+                    </a:p>
+                  </a:txBody>
+                  <a:tcPr>
+                    <a:solidFill>
+                      <a:srgbClr val="000000">
+                        <a:alpha val="30196"/>
+                      </a:srgbClr>
+                    </a:solidFill>
+                  </a:tcPr>
+                </a:tc>
+                <a:tc>
+                  <a:txBody>
+                    <a:bodyPr/>
+                    <a:lstStyle/>
+                    <a:p>
+                      <a:pPr algn="ctr"/>
+                      <a:endParaRPr lang="es-ES">
+                        <a:solidFill>
+                          <a:srgbClr val="FFFF00"/>
+                        </a:solidFill>
+                      </a:endParaRPr>
+                    </a:p>
+                  </a:txBody>
+                  <a:tcPr>
+                    <a:solidFill>
+                      <a:srgbClr val="000000">
+                        <a:alpha val="30196"/>
+                      </a:srgbClr>
+                    </a:solidFill>
+                  </a:tcPr>
+                </a:tc>
+                <a:tc>
+                  <a:txBody>
+                    <a:bodyPr/>
+                    <a:lstStyle/>
+                    <a:p>
+                      <a:pPr algn="ctr"/>
+                      <a:endParaRPr lang="es-ES" dirty="0">
+                        <a:solidFill>
+                          <a:srgbClr val="FFFF00"/>
+                        </a:solidFill>
+                      </a:endParaRPr>
+                    </a:p>
+                  </a:txBody>
+                  <a:tcPr>
+                    <a:solidFill>
+                      <a:srgbClr val="000000">
+                        <a:alpha val="30196"/>
+                      </a:srgbClr>
+                    </a:solidFill>
+                  </a:tcPr>
+                </a:tc>
+                <a:extLst>
+                  <a:ext uri="{0D108BD9-81ED-4DB2-BD59-A6C34878D82A}">
+                    <a16:rowId xmlns:a16="http://schemas.microsoft.com/office/drawing/2014/main" val="10011"/>
+                  </a:ext>
+                </a:extLst>
+              </a:tr>
+            </a:tbl>
+          </a:graphicData>
+        </a:graphic>
+      </p:graphicFrame>
+      <p:graphicFrame>
+        <p:nvGraphicFramePr>
+          <p:cNvPr id="6" name="Taula 12">
+            <a:extLst>
+              <a:ext uri="{FF2B5EF4-FFF2-40B4-BE49-F238E27FC236}">
+                <a16:creationId xmlns:a16="http://schemas.microsoft.com/office/drawing/2014/main" id="{C4F25715-4656-4147-8897-FAC08156E7FB}"/>
+              </a:ext>
+            </a:extLst>
+          </p:cNvPr>
+          <p:cNvGraphicFramePr>
+            <a:graphicFrameLocks noGrp="1"/>
+          </p:cNvGraphicFramePr>
+          <p:nvPr>
+            <p:extLst>
+              <p:ext uri="{D42A27DB-BD31-4B8C-83A1-F6EECF244321}">
+                <p14:modId xmlns:p14="http://schemas.microsoft.com/office/powerpoint/2010/main" val="2977071585"/>
+              </p:ext>
+            </p:extLst>
+          </p:nvPr>
+        </p:nvGraphicFramePr>
+        <p:xfrm>
+          <a:off x="9396536" y="1224140"/>
+          <a:ext cx="2736304" cy="5085180"/>
+        </p:xfrm>
+        <a:graphic>
+          <a:graphicData uri="http://schemas.openxmlformats.org/drawingml/2006/table">
+            <a:tbl>
+              <a:tblPr firstRow="1" bandRow="1">
+                <a:tableStyleId>{5C22544A-7EE6-4342-B048-85BDC9FD1C3A}</a:tableStyleId>
+              </a:tblPr>
+              <a:tblGrid>
+                <a:gridCol w="936104">
+                  <a:extLst>
+                    <a:ext uri="{9D8B030D-6E8A-4147-A177-3AD203B41FA5}">
+                      <a16:colId xmlns:a16="http://schemas.microsoft.com/office/drawing/2014/main" val="20000"/>
+                    </a:ext>
+                  </a:extLst>
+                </a:gridCol>
+                <a:gridCol w="864096">
+                  <a:extLst>
+                    <a:ext uri="{9D8B030D-6E8A-4147-A177-3AD203B41FA5}">
+                      <a16:colId xmlns:a16="http://schemas.microsoft.com/office/drawing/2014/main" val="20001"/>
+                    </a:ext>
+                  </a:extLst>
+                </a:gridCol>
+                <a:gridCol w="936104">
+                  <a:extLst>
+                    <a:ext uri="{9D8B030D-6E8A-4147-A177-3AD203B41FA5}">
+                      <a16:colId xmlns:a16="http://schemas.microsoft.com/office/drawing/2014/main" val="20002"/>
+                    </a:ext>
+                  </a:extLst>
+                </a:gridCol>
+              </a:tblGrid>
+              <a:tr h="423765">
+                <a:tc>
+                  <a:txBody>
+                    <a:bodyPr/>
+                    <a:lstStyle/>
+                    <a:p>
+                      <a:pPr algn="ctr"/>
+                      <a:r>
+                        <a:rPr lang="ca-ES" dirty="0">
+                          <a:solidFill>
+                            <a:srgbClr val="FFFF00"/>
+                          </a:solidFill>
+                        </a:rPr>
+                        <a:t>1</a:t>
+                      </a:r>
+                      <a:endParaRPr lang="es-ES" dirty="0">
+                        <a:solidFill>
+                          <a:srgbClr val="FFFF00"/>
+                        </a:solidFill>
+                      </a:endParaRPr>
+                    </a:p>
+                  </a:txBody>
+                  <a:tcPr>
+                    <a:solidFill>
+                      <a:srgbClr val="000000">
+                        <a:alpha val="30196"/>
+                      </a:srgbClr>
+                    </a:solidFill>
+                  </a:tcPr>
+                </a:tc>
+                <a:tc>
+                  <a:txBody>
+                    <a:bodyPr/>
+                    <a:lstStyle/>
+                    <a:p>
+                      <a:pPr algn="ctr"/>
+                      <a:endParaRPr lang="es-ES" dirty="0">
+                        <a:solidFill>
+                          <a:srgbClr val="FFFF00"/>
+                        </a:solidFill>
+                      </a:endParaRPr>
+                    </a:p>
+                  </a:txBody>
+                  <a:tcPr>
+                    <a:solidFill>
+                      <a:srgbClr val="000000">
+                        <a:alpha val="30196"/>
+                      </a:srgbClr>
+                    </a:solidFill>
+                  </a:tcPr>
+                </a:tc>
+                <a:tc>
+                  <a:txBody>
+                    <a:bodyPr/>
+                    <a:lstStyle/>
+                    <a:p>
+                      <a:pPr algn="ctr"/>
+                      <a:r>
+                        <a:rPr lang="ca-ES" dirty="0">
+                          <a:solidFill>
+                            <a:srgbClr val="FFFF00"/>
+                          </a:solidFill>
+                        </a:rPr>
+                        <a:t>1</a:t>
+                      </a:r>
+                      <a:endParaRPr lang="es-ES" dirty="0">
+                        <a:solidFill>
+                          <a:srgbClr val="FFFF00"/>
+                        </a:solidFill>
+                      </a:endParaRPr>
+                    </a:p>
+                  </a:txBody>
+                  <a:tcPr>
+                    <a:solidFill>
+                      <a:srgbClr val="000000">
+                        <a:alpha val="30196"/>
+                      </a:srgbClr>
+                    </a:solidFill>
+                  </a:tcPr>
+                </a:tc>
+                <a:extLst>
+                  <a:ext uri="{0D108BD9-81ED-4DB2-BD59-A6C34878D82A}">
+                    <a16:rowId xmlns:a16="http://schemas.microsoft.com/office/drawing/2014/main" val="10000"/>
+                  </a:ext>
+                </a:extLst>
+              </a:tr>
+              <a:tr h="423765">
+                <a:tc>
+                  <a:txBody>
+                    <a:bodyPr/>
+                    <a:lstStyle/>
+                    <a:p>
+                      <a:pPr algn="ctr"/>
+                      <a:endParaRPr lang="es-ES">
+                        <a:solidFill>
+                          <a:srgbClr val="FFFF00"/>
+                        </a:solidFill>
+                      </a:endParaRPr>
+                    </a:p>
+                  </a:txBody>
+                  <a:tcPr>
+                    <a:solidFill>
+                      <a:srgbClr val="000000">
+                        <a:alpha val="30196"/>
+                      </a:srgbClr>
+                    </a:solidFill>
+                  </a:tcPr>
+                </a:tc>
+                <a:tc>
+                  <a:txBody>
+                    <a:bodyPr/>
+                    <a:lstStyle/>
+                    <a:p>
+                      <a:pPr algn="ctr"/>
+                      <a:endParaRPr lang="es-ES">
+                        <a:solidFill>
+                          <a:srgbClr val="FFFF00"/>
+                        </a:solidFill>
+                      </a:endParaRPr>
+                    </a:p>
+                  </a:txBody>
+                  <a:tcPr>
+                    <a:solidFill>
+                      <a:srgbClr val="000000">
+                        <a:alpha val="30196"/>
+                      </a:srgbClr>
+                    </a:solidFill>
+                  </a:tcPr>
+                </a:tc>
+                <a:tc>
+                  <a:txBody>
+                    <a:bodyPr/>
+                    <a:lstStyle/>
+                    <a:p>
+                      <a:pPr algn="ctr"/>
+                      <a:endParaRPr lang="es-ES">
+                        <a:solidFill>
+                          <a:srgbClr val="FFFF00"/>
+                        </a:solidFill>
+                      </a:endParaRPr>
+                    </a:p>
+                  </a:txBody>
+                  <a:tcPr>
+                    <a:solidFill>
+                      <a:srgbClr val="000000">
+                        <a:alpha val="30196"/>
+                      </a:srgbClr>
+                    </a:solidFill>
+                  </a:tcPr>
+                </a:tc>
+                <a:extLst>
+                  <a:ext uri="{0D108BD9-81ED-4DB2-BD59-A6C34878D82A}">
+                    <a16:rowId xmlns:a16="http://schemas.microsoft.com/office/drawing/2014/main" val="10001"/>
+                  </a:ext>
+                </a:extLst>
+              </a:tr>
+              <a:tr h="423765">
+                <a:tc>
+                  <a:txBody>
+                    <a:bodyPr/>
+                    <a:lstStyle/>
+                    <a:p>
+                      <a:pPr algn="ctr"/>
+                      <a:endParaRPr lang="es-ES">
+                        <a:solidFill>
+                          <a:srgbClr val="FFFF00"/>
+                        </a:solidFill>
+                      </a:endParaRPr>
+                    </a:p>
+                  </a:txBody>
+                  <a:tcPr>
+                    <a:solidFill>
+                      <a:srgbClr val="000000">
+                        <a:alpha val="30196"/>
+                      </a:srgbClr>
+                    </a:solidFill>
+                  </a:tcPr>
+                </a:tc>
+                <a:tc>
+                  <a:txBody>
+                    <a:bodyPr/>
+                    <a:lstStyle/>
+                    <a:p>
+                      <a:pPr algn="ctr"/>
+                      <a:endParaRPr lang="es-ES" dirty="0">
+                        <a:solidFill>
+                          <a:srgbClr val="FFFF00"/>
+                        </a:solidFill>
+                      </a:endParaRPr>
+                    </a:p>
+                  </a:txBody>
+                  <a:tcPr>
+                    <a:solidFill>
+                      <a:srgbClr val="000000">
+                        <a:alpha val="30196"/>
+                      </a:srgbClr>
+                    </a:solidFill>
+                  </a:tcPr>
+                </a:tc>
+                <a:tc>
+                  <a:txBody>
+                    <a:bodyPr/>
+                    <a:lstStyle/>
+                    <a:p>
+                      <a:pPr algn="ctr"/>
+                      <a:endParaRPr lang="es-ES">
+                        <a:solidFill>
+                          <a:srgbClr val="FFFF00"/>
+                        </a:solidFill>
+                      </a:endParaRPr>
+                    </a:p>
+                  </a:txBody>
+                  <a:tcPr>
+                    <a:solidFill>
+                      <a:srgbClr val="000000">
+                        <a:alpha val="30196"/>
+                      </a:srgbClr>
+                    </a:solidFill>
+                  </a:tcPr>
+                </a:tc>
+                <a:extLst>
+                  <a:ext uri="{0D108BD9-81ED-4DB2-BD59-A6C34878D82A}">
+                    <a16:rowId xmlns:a16="http://schemas.microsoft.com/office/drawing/2014/main" val="10002"/>
+                  </a:ext>
+                </a:extLst>
+              </a:tr>
+              <a:tr h="423765">
+                <a:tc>
+                  <a:txBody>
+                    <a:bodyPr/>
+                    <a:lstStyle/>
+                    <a:p>
+                      <a:pPr algn="ctr"/>
+                      <a:endParaRPr lang="es-ES">
+                        <a:solidFill>
+                          <a:srgbClr val="FFFF00"/>
+                        </a:solidFill>
+                      </a:endParaRPr>
+                    </a:p>
+                  </a:txBody>
+                  <a:tcPr>
+                    <a:solidFill>
+                      <a:srgbClr val="000000">
+                        <a:alpha val="30196"/>
+                      </a:srgbClr>
+                    </a:solidFill>
+                  </a:tcPr>
+                </a:tc>
+                <a:tc>
+                  <a:txBody>
+                    <a:bodyPr/>
+                    <a:lstStyle/>
+                    <a:p>
+                      <a:pPr algn="ctr"/>
+                      <a:endParaRPr lang="es-ES">
+                        <a:solidFill>
+                          <a:srgbClr val="FFFF00"/>
+                        </a:solidFill>
+                      </a:endParaRPr>
+                    </a:p>
+                  </a:txBody>
+                  <a:tcPr>
+                    <a:solidFill>
+                      <a:srgbClr val="000000">
+                        <a:alpha val="30196"/>
+                      </a:srgbClr>
+                    </a:solidFill>
+                  </a:tcPr>
+                </a:tc>
+                <a:tc>
+                  <a:txBody>
+                    <a:bodyPr/>
+                    <a:lstStyle/>
+                    <a:p>
+                      <a:pPr algn="ctr"/>
+                      <a:endParaRPr lang="es-ES">
+                        <a:solidFill>
+                          <a:srgbClr val="FFFF00"/>
+                        </a:solidFill>
+                      </a:endParaRPr>
+                    </a:p>
+                  </a:txBody>
+                  <a:tcPr>
+                    <a:solidFill>
+                      <a:srgbClr val="000000">
+                        <a:alpha val="30196"/>
+                      </a:srgbClr>
+                    </a:solidFill>
+                  </a:tcPr>
+                </a:tc>
+                <a:extLst>
+                  <a:ext uri="{0D108BD9-81ED-4DB2-BD59-A6C34878D82A}">
+                    <a16:rowId xmlns:a16="http://schemas.microsoft.com/office/drawing/2014/main" val="10003"/>
+                  </a:ext>
+                </a:extLst>
+              </a:tr>
+              <a:tr h="423765">
+                <a:tc>
+                  <a:txBody>
+                    <a:bodyPr/>
+                    <a:lstStyle/>
+                    <a:p>
+                      <a:pPr algn="ctr"/>
+                      <a:r>
+                        <a:rPr lang="es-ES" dirty="0">
+                          <a:solidFill>
+                            <a:srgbClr val="FFFF00"/>
+                          </a:solidFill>
+                        </a:rPr>
+                        <a:t>1</a:t>
+                      </a:r>
+                    </a:p>
+                  </a:txBody>
+                  <a:tcPr>
+                    <a:solidFill>
+                      <a:srgbClr val="000000">
+                        <a:alpha val="30196"/>
+                      </a:srgbClr>
+                    </a:solidFill>
+                  </a:tcPr>
+                </a:tc>
+                <a:tc>
+                  <a:txBody>
+                    <a:bodyPr/>
+                    <a:lstStyle/>
+                    <a:p>
+                      <a:pPr algn="ctr"/>
+                      <a:endParaRPr lang="es-ES">
+                        <a:solidFill>
+                          <a:srgbClr val="FFFF00"/>
+                        </a:solidFill>
+                      </a:endParaRPr>
+                    </a:p>
+                  </a:txBody>
+                  <a:tcPr>
+                    <a:solidFill>
+                      <a:srgbClr val="000000">
+                        <a:alpha val="30196"/>
+                      </a:srgbClr>
+                    </a:solidFill>
+                  </a:tcPr>
+                </a:tc>
+                <a:tc>
+                  <a:txBody>
+                    <a:bodyPr/>
+                    <a:lstStyle/>
+                    <a:p>
+                      <a:pPr algn="ctr"/>
+                      <a:r>
+                        <a:rPr lang="es-ES" dirty="0">
+                          <a:solidFill>
+                            <a:srgbClr val="FFFF00"/>
+                          </a:solidFill>
+                        </a:rPr>
+                        <a:t>1</a:t>
+                      </a:r>
+                    </a:p>
+                  </a:txBody>
+                  <a:tcPr>
+                    <a:solidFill>
+                      <a:srgbClr val="000000">
+                        <a:alpha val="30196"/>
+                      </a:srgbClr>
+                    </a:solidFill>
+                  </a:tcPr>
+                </a:tc>
+                <a:extLst>
+                  <a:ext uri="{0D108BD9-81ED-4DB2-BD59-A6C34878D82A}">
+                    <a16:rowId xmlns:a16="http://schemas.microsoft.com/office/drawing/2014/main" val="10004"/>
+                  </a:ext>
+                </a:extLst>
+              </a:tr>
+              <a:tr h="423765">
+                <a:tc>
+                  <a:txBody>
+                    <a:bodyPr/>
+                    <a:lstStyle/>
+                    <a:p>
+                      <a:pPr algn="ctr"/>
+                      <a:endParaRPr lang="es-ES" dirty="0">
+                        <a:solidFill>
+                          <a:srgbClr val="FFFF00"/>
+                        </a:solidFill>
+                      </a:endParaRPr>
+                    </a:p>
+                  </a:txBody>
+                  <a:tcPr>
+                    <a:solidFill>
+                      <a:srgbClr val="000000">
+                        <a:alpha val="30196"/>
+                      </a:srgbClr>
+                    </a:solidFill>
+                  </a:tcPr>
+                </a:tc>
+                <a:tc>
+                  <a:txBody>
+                    <a:bodyPr/>
+                    <a:lstStyle/>
+                    <a:p>
+                      <a:pPr algn="ctr"/>
+                      <a:r>
+                        <a:rPr lang="es-ES" dirty="0">
+                          <a:solidFill>
+                            <a:srgbClr val="FFFF00"/>
+                          </a:solidFill>
+                        </a:rPr>
+                        <a:t>1</a:t>
+                      </a:r>
+                    </a:p>
+                  </a:txBody>
+                  <a:tcPr>
+                    <a:solidFill>
+                      <a:srgbClr val="000000">
+                        <a:alpha val="30196"/>
+                      </a:srgbClr>
+                    </a:solidFill>
+                  </a:tcPr>
+                </a:tc>
+                <a:tc>
+                  <a:txBody>
+                    <a:bodyPr/>
+                    <a:lstStyle/>
+                    <a:p>
+                      <a:pPr algn="ctr"/>
+                      <a:endParaRPr lang="es-ES" dirty="0">
+                        <a:solidFill>
+                          <a:srgbClr val="FFFF00"/>
+                        </a:solidFill>
+                      </a:endParaRPr>
+                    </a:p>
+                  </a:txBody>
+                  <a:tcPr>
+                    <a:solidFill>
+                      <a:srgbClr val="000000">
+                        <a:alpha val="30196"/>
+                      </a:srgbClr>
+                    </a:solidFill>
+                  </a:tcPr>
+                </a:tc>
+                <a:extLst>
+                  <a:ext uri="{0D108BD9-81ED-4DB2-BD59-A6C34878D82A}">
+                    <a16:rowId xmlns:a16="http://schemas.microsoft.com/office/drawing/2014/main" val="10005"/>
+                  </a:ext>
+                </a:extLst>
+              </a:tr>
+              <a:tr h="423765">
+                <a:tc>
+                  <a:txBody>
+                    <a:bodyPr/>
+                    <a:lstStyle/>
+                    <a:p>
+                      <a:pPr algn="ctr"/>
+                      <a:endParaRPr lang="es-ES">
+                        <a:solidFill>
+                          <a:srgbClr val="FFFF00"/>
+                        </a:solidFill>
+                      </a:endParaRPr>
+                    </a:p>
+                  </a:txBody>
+                  <a:tcPr>
+                    <a:solidFill>
+                      <a:srgbClr val="000000">
+                        <a:alpha val="30196"/>
+                      </a:srgbClr>
+                    </a:solidFill>
+                  </a:tcPr>
+                </a:tc>
+                <a:tc>
+                  <a:txBody>
+                    <a:bodyPr/>
+                    <a:lstStyle/>
+                    <a:p>
+                      <a:pPr algn="ctr"/>
+                      <a:endParaRPr lang="es-ES">
+                        <a:solidFill>
+                          <a:srgbClr val="FFFF00"/>
+                        </a:solidFill>
+                      </a:endParaRPr>
+                    </a:p>
+                  </a:txBody>
+                  <a:tcPr>
+                    <a:solidFill>
+                      <a:srgbClr val="000000">
+                        <a:alpha val="30196"/>
+                      </a:srgbClr>
+                    </a:solidFill>
+                  </a:tcPr>
+                </a:tc>
+                <a:tc>
+                  <a:txBody>
+                    <a:bodyPr/>
+                    <a:lstStyle/>
+                    <a:p>
+                      <a:pPr algn="ctr"/>
+                      <a:endParaRPr lang="es-ES">
+                        <a:solidFill>
+                          <a:srgbClr val="FFFF00"/>
+                        </a:solidFill>
+                      </a:endParaRPr>
+                    </a:p>
+                  </a:txBody>
+                  <a:tcPr>
+                    <a:solidFill>
+                      <a:srgbClr val="000000">
+                        <a:alpha val="30196"/>
+                      </a:srgbClr>
+                    </a:solidFill>
+                  </a:tcPr>
+                </a:tc>
+                <a:extLst>
+                  <a:ext uri="{0D108BD9-81ED-4DB2-BD59-A6C34878D82A}">
+                    <a16:rowId xmlns:a16="http://schemas.microsoft.com/office/drawing/2014/main" val="10006"/>
+                  </a:ext>
+                </a:extLst>
+              </a:tr>
+              <a:tr h="423765">
+                <a:tc>
+                  <a:txBody>
+                    <a:bodyPr/>
+                    <a:lstStyle/>
+                    <a:p>
+                      <a:pPr algn="ctr"/>
+                      <a:r>
+                        <a:rPr lang="es-ES" dirty="0">
+                          <a:solidFill>
+                            <a:srgbClr val="FFFF00"/>
+                          </a:solidFill>
+                        </a:rPr>
+                        <a:t>2</a:t>
+                      </a:r>
+                    </a:p>
+                  </a:txBody>
+                  <a:tcPr>
+                    <a:solidFill>
+                      <a:srgbClr val="000000">
+                        <a:alpha val="30196"/>
+                      </a:srgbClr>
+                    </a:solidFill>
+                  </a:tcPr>
+                </a:tc>
+                <a:tc>
+                  <a:txBody>
+                    <a:bodyPr/>
+                    <a:lstStyle/>
+                    <a:p>
+                      <a:pPr algn="ctr"/>
+                      <a:endParaRPr lang="es-ES" dirty="0">
+                        <a:solidFill>
+                          <a:srgbClr val="FFFF00"/>
+                        </a:solidFill>
+                      </a:endParaRPr>
+                    </a:p>
+                  </a:txBody>
+                  <a:tcPr>
+                    <a:solidFill>
+                      <a:srgbClr val="000000">
+                        <a:alpha val="30196"/>
+                      </a:srgbClr>
+                    </a:solidFill>
+                  </a:tcPr>
+                </a:tc>
+                <a:tc>
+                  <a:txBody>
+                    <a:bodyPr/>
+                    <a:lstStyle/>
+                    <a:p>
+                      <a:pPr algn="ctr"/>
+                      <a:r>
+                        <a:rPr lang="es-ES" dirty="0">
+                          <a:solidFill>
+                            <a:srgbClr val="FFFF00"/>
+                          </a:solidFill>
+                        </a:rPr>
+                        <a:t>2</a:t>
+                      </a:r>
+                    </a:p>
+                  </a:txBody>
+                  <a:tcPr>
+                    <a:solidFill>
+                      <a:srgbClr val="000000">
+                        <a:alpha val="30196"/>
+                      </a:srgbClr>
+                    </a:solidFill>
+                  </a:tcPr>
+                </a:tc>
+                <a:extLst>
+                  <a:ext uri="{0D108BD9-81ED-4DB2-BD59-A6C34878D82A}">
+                    <a16:rowId xmlns:a16="http://schemas.microsoft.com/office/drawing/2014/main" val="10007"/>
+                  </a:ext>
+                </a:extLst>
+              </a:tr>
+              <a:tr h="423765">
+                <a:tc>
+                  <a:txBody>
+                    <a:bodyPr/>
+                    <a:lstStyle/>
+                    <a:p>
+                      <a:pPr algn="ctr"/>
+                      <a:endParaRPr lang="es-ES">
+                        <a:solidFill>
+                          <a:srgbClr val="FFFF00"/>
+                        </a:solidFill>
+                      </a:endParaRPr>
+                    </a:p>
+                  </a:txBody>
+                  <a:tcPr>
+                    <a:solidFill>
+                      <a:srgbClr val="000000">
+                        <a:alpha val="30196"/>
+                      </a:srgbClr>
+                    </a:solidFill>
+                  </a:tcPr>
+                </a:tc>
+                <a:tc>
+                  <a:txBody>
+                    <a:bodyPr/>
+                    <a:lstStyle/>
+                    <a:p>
+                      <a:pPr algn="ctr"/>
+                      <a:endParaRPr lang="es-ES" dirty="0">
+                        <a:solidFill>
+                          <a:srgbClr val="FFFF00"/>
+                        </a:solidFill>
+                      </a:endParaRPr>
+                    </a:p>
+                  </a:txBody>
+                  <a:tcPr>
+                    <a:solidFill>
+                      <a:srgbClr val="000000">
+                        <a:alpha val="30196"/>
+                      </a:srgbClr>
+                    </a:solidFill>
+                  </a:tcPr>
+                </a:tc>
+                <a:tc>
+                  <a:txBody>
+                    <a:bodyPr/>
+                    <a:lstStyle/>
+                    <a:p>
+                      <a:pPr algn="ctr"/>
+                      <a:endParaRPr lang="es-ES">
+                        <a:solidFill>
+                          <a:srgbClr val="FFFF00"/>
+                        </a:solidFill>
+                      </a:endParaRPr>
+                    </a:p>
+                  </a:txBody>
+                  <a:tcPr>
+                    <a:solidFill>
+                      <a:srgbClr val="000000">
+                        <a:alpha val="30196"/>
+                      </a:srgbClr>
+                    </a:solidFill>
+                  </a:tcPr>
+                </a:tc>
+                <a:extLst>
+                  <a:ext uri="{0D108BD9-81ED-4DB2-BD59-A6C34878D82A}">
+                    <a16:rowId xmlns:a16="http://schemas.microsoft.com/office/drawing/2014/main" val="10008"/>
+                  </a:ext>
+                </a:extLst>
+              </a:tr>
+              <a:tr h="423765">
+                <a:tc>
+                  <a:txBody>
+                    <a:bodyPr/>
+                    <a:lstStyle/>
+                    <a:p>
+                      <a:pPr algn="ctr"/>
+                      <a:endParaRPr lang="es-ES" dirty="0">
+                        <a:solidFill>
+                          <a:srgbClr val="FFFF00"/>
+                        </a:solidFill>
+                      </a:endParaRPr>
+                    </a:p>
+                  </a:txBody>
+                  <a:tcPr>
+                    <a:solidFill>
+                      <a:srgbClr val="000000">
+                        <a:alpha val="30196"/>
+                      </a:srgbClr>
+                    </a:solidFill>
+                  </a:tcPr>
+                </a:tc>
+                <a:tc>
+                  <a:txBody>
+                    <a:bodyPr/>
+                    <a:lstStyle/>
+                    <a:p>
+                      <a:pPr algn="ctr"/>
+                      <a:endParaRPr lang="es-ES" dirty="0">
+                        <a:solidFill>
+                          <a:srgbClr val="FFFF00"/>
+                        </a:solidFill>
+                      </a:endParaRPr>
+                    </a:p>
+                  </a:txBody>
+                  <a:tcPr>
+                    <a:solidFill>
+                      <a:srgbClr val="000000">
+                        <a:alpha val="30196"/>
+                      </a:srgbClr>
+                    </a:solidFill>
+                  </a:tcPr>
+                </a:tc>
+                <a:tc>
+                  <a:txBody>
+                    <a:bodyPr/>
+                    <a:lstStyle/>
+                    <a:p>
+                      <a:pPr algn="ctr"/>
+                      <a:endParaRPr lang="es-ES">
+                        <a:solidFill>
+                          <a:srgbClr val="FFFF00"/>
+                        </a:solidFill>
+                      </a:endParaRPr>
+                    </a:p>
+                  </a:txBody>
+                  <a:tcPr>
+                    <a:solidFill>
+                      <a:srgbClr val="000000">
+                        <a:alpha val="30196"/>
+                      </a:srgbClr>
+                    </a:solidFill>
+                  </a:tcPr>
+                </a:tc>
+                <a:extLst>
+                  <a:ext uri="{0D108BD9-81ED-4DB2-BD59-A6C34878D82A}">
+                    <a16:rowId xmlns:a16="http://schemas.microsoft.com/office/drawing/2014/main" val="10009"/>
+                  </a:ext>
+                </a:extLst>
+              </a:tr>
+              <a:tr h="423765">
+                <a:tc>
+                  <a:txBody>
+                    <a:bodyPr/>
+                    <a:lstStyle/>
+                    <a:p>
+                      <a:pPr algn="ctr"/>
+                      <a:r>
+                        <a:rPr lang="ca-ES" dirty="0">
+                          <a:solidFill>
+                            <a:srgbClr val="FFFF00"/>
+                          </a:solidFill>
+                        </a:rPr>
+                        <a:t>2</a:t>
+                      </a:r>
+                      <a:endParaRPr lang="es-ES" dirty="0">
+                        <a:solidFill>
+                          <a:srgbClr val="FFFF00"/>
+                        </a:solidFill>
+                      </a:endParaRPr>
+                    </a:p>
+                  </a:txBody>
+                  <a:tcPr>
+                    <a:solidFill>
+                      <a:srgbClr val="000000">
+                        <a:alpha val="30196"/>
+                      </a:srgbClr>
+                    </a:solidFill>
+                  </a:tcPr>
+                </a:tc>
+                <a:tc>
+                  <a:txBody>
+                    <a:bodyPr/>
+                    <a:lstStyle/>
+                    <a:p>
+                      <a:pPr algn="ctr"/>
+                      <a:endParaRPr lang="es-ES">
+                        <a:solidFill>
+                          <a:srgbClr val="FFFF00"/>
+                        </a:solidFill>
+                      </a:endParaRPr>
+                    </a:p>
+                  </a:txBody>
+                  <a:tcPr>
+                    <a:solidFill>
+                      <a:srgbClr val="000000">
+                        <a:alpha val="30196"/>
+                      </a:srgbClr>
+                    </a:solidFill>
+                  </a:tcPr>
+                </a:tc>
+                <a:tc>
+                  <a:txBody>
+                    <a:bodyPr/>
+                    <a:lstStyle/>
+                    <a:p>
+                      <a:pPr algn="ctr"/>
+                      <a:r>
+                        <a:rPr lang="ca-ES" dirty="0">
+                          <a:solidFill>
+                            <a:srgbClr val="FFFF00"/>
+                          </a:solidFill>
+                        </a:rPr>
+                        <a:t>2</a:t>
+                      </a:r>
+                      <a:endParaRPr lang="es-ES" dirty="0">
+                        <a:solidFill>
+                          <a:srgbClr val="FFFF00"/>
+                        </a:solidFill>
+                      </a:endParaRPr>
+                    </a:p>
+                  </a:txBody>
+                  <a:tcPr>
+                    <a:solidFill>
+                      <a:srgbClr val="000000">
+                        <a:alpha val="30196"/>
+                      </a:srgbClr>
+                    </a:solidFill>
+                  </a:tcPr>
+                </a:tc>
+                <a:extLst>
+                  <a:ext uri="{0D108BD9-81ED-4DB2-BD59-A6C34878D82A}">
+                    <a16:rowId xmlns:a16="http://schemas.microsoft.com/office/drawing/2014/main" val="10010"/>
+                  </a:ext>
+                </a:extLst>
+              </a:tr>
+              <a:tr h="423765">
+                <a:tc>
+                  <a:txBody>
+                    <a:bodyPr/>
+                    <a:lstStyle/>
+                    <a:p>
+                      <a:pPr algn="ctr"/>
+                      <a:endParaRPr lang="es-ES" dirty="0">
                         <a:solidFill>
                           <a:srgbClr val="FFFF00"/>
                         </a:solidFill>

--- a/baralla-projecte/doc/analisi.pptx
+++ b/baralla-projecte/doc/analisi.pptx
@@ -306,7 +306,7 @@
           <a:p>
             <a:fld id="{745333F5-8ED8-436E-A4B4-7A92BD7176A1}" type="datetimeFigureOut">
               <a:rPr lang="es-ES" smtClean="0"/>
-              <a:t>10/12/2020</a:t>
+              <a:t>11/12/2020</a:t>
             </a:fld>
             <a:endParaRPr lang="es-ES"/>
           </a:p>
@@ -471,7 +471,7 @@
           <a:p>
             <a:fld id="{745333F5-8ED8-436E-A4B4-7A92BD7176A1}" type="datetimeFigureOut">
               <a:rPr lang="es-ES" smtClean="0"/>
-              <a:t>10/12/2020</a:t>
+              <a:t>11/12/2020</a:t>
             </a:fld>
             <a:endParaRPr lang="es-ES"/>
           </a:p>
@@ -646,7 +646,7 @@
           <a:p>
             <a:fld id="{745333F5-8ED8-436E-A4B4-7A92BD7176A1}" type="datetimeFigureOut">
               <a:rPr lang="es-ES" smtClean="0"/>
-              <a:t>10/12/2020</a:t>
+              <a:t>11/12/2020</a:t>
             </a:fld>
             <a:endParaRPr lang="es-ES"/>
           </a:p>
@@ -811,7 +811,7 @@
           <a:p>
             <a:fld id="{745333F5-8ED8-436E-A4B4-7A92BD7176A1}" type="datetimeFigureOut">
               <a:rPr lang="es-ES" smtClean="0"/>
-              <a:t>10/12/2020</a:t>
+              <a:t>11/12/2020</a:t>
             </a:fld>
             <a:endParaRPr lang="es-ES"/>
           </a:p>
@@ -1052,7 +1052,7 @@
           <a:p>
             <a:fld id="{745333F5-8ED8-436E-A4B4-7A92BD7176A1}" type="datetimeFigureOut">
               <a:rPr lang="es-ES" smtClean="0"/>
-              <a:t>10/12/2020</a:t>
+              <a:t>11/12/2020</a:t>
             </a:fld>
             <a:endParaRPr lang="es-ES"/>
           </a:p>
@@ -1335,7 +1335,7 @@
           <a:p>
             <a:fld id="{745333F5-8ED8-436E-A4B4-7A92BD7176A1}" type="datetimeFigureOut">
               <a:rPr lang="es-ES" smtClean="0"/>
-              <a:t>10/12/2020</a:t>
+              <a:t>11/12/2020</a:t>
             </a:fld>
             <a:endParaRPr lang="es-ES"/>
           </a:p>
@@ -1752,7 +1752,7 @@
           <a:p>
             <a:fld id="{745333F5-8ED8-436E-A4B4-7A92BD7176A1}" type="datetimeFigureOut">
               <a:rPr lang="es-ES" smtClean="0"/>
-              <a:t>10/12/2020</a:t>
+              <a:t>11/12/2020</a:t>
             </a:fld>
             <a:endParaRPr lang="es-ES"/>
           </a:p>
@@ -1865,7 +1865,7 @@
           <a:p>
             <a:fld id="{745333F5-8ED8-436E-A4B4-7A92BD7176A1}" type="datetimeFigureOut">
               <a:rPr lang="es-ES" smtClean="0"/>
-              <a:t>10/12/2020</a:t>
+              <a:t>11/12/2020</a:t>
             </a:fld>
             <a:endParaRPr lang="es-ES"/>
           </a:p>
@@ -1955,7 +1955,7 @@
           <a:p>
             <a:fld id="{745333F5-8ED8-436E-A4B4-7A92BD7176A1}" type="datetimeFigureOut">
               <a:rPr lang="es-ES" smtClean="0"/>
-              <a:t>10/12/2020</a:t>
+              <a:t>11/12/2020</a:t>
             </a:fld>
             <a:endParaRPr lang="es-ES"/>
           </a:p>
@@ -2227,7 +2227,7 @@
           <a:p>
             <a:fld id="{745333F5-8ED8-436E-A4B4-7A92BD7176A1}" type="datetimeFigureOut">
               <a:rPr lang="es-ES" smtClean="0"/>
-              <a:t>10/12/2020</a:t>
+              <a:t>11/12/2020</a:t>
             </a:fld>
             <a:endParaRPr lang="es-ES"/>
           </a:p>
@@ -2475,7 +2475,7 @@
           <a:p>
             <a:fld id="{745333F5-8ED8-436E-A4B4-7A92BD7176A1}" type="datetimeFigureOut">
               <a:rPr lang="es-ES" smtClean="0"/>
-              <a:t>10/12/2020</a:t>
+              <a:t>11/12/2020</a:t>
             </a:fld>
             <a:endParaRPr lang="es-ES"/>
           </a:p>
@@ -2683,7 +2683,7 @@
           <a:p>
             <a:fld id="{745333F5-8ED8-436E-A4B4-7A92BD7176A1}" type="datetimeFigureOut">
               <a:rPr lang="es-ES" smtClean="0"/>
-              <a:t>10/12/2020</a:t>
+              <a:t>11/12/2020</a:t>
             </a:fld>
             <a:endParaRPr lang="es-ES"/>
           </a:p>
@@ -3696,7 +3696,7 @@
         </p:blipFill>
         <p:spPr bwMode="auto">
           <a:xfrm>
-            <a:off x="-24663248" y="836712"/>
+            <a:off x="-24735256" y="836712"/>
             <a:ext cx="41634988" cy="6021288"/>
           </a:xfrm>
           <a:prstGeom prst="rect">
@@ -3717,7 +3717,13 @@
           <p:cNvGraphicFramePr>
             <a:graphicFrameLocks noGrp="1"/>
           </p:cNvGraphicFramePr>
-          <p:nvPr/>
+          <p:nvPr>
+            <p:extLst>
+              <p:ext uri="{D42A27DB-BD31-4B8C-83A1-F6EECF244321}">
+                <p14:modId xmlns:p14="http://schemas.microsoft.com/office/powerpoint/2010/main" val="4054547661"/>
+              </p:ext>
+            </p:extLst>
+          </p:nvPr>
         </p:nvGraphicFramePr>
         <p:xfrm>
           <a:off x="5076057" y="1224140"/>
@@ -3936,6 +3942,198 @@
                     <a:lstStyle/>
                     <a:p>
                       <a:pPr algn="ctr"/>
+                      <a:endParaRPr lang="es-ES" dirty="0">
+                        <a:solidFill>
+                          <a:srgbClr val="FFFF00"/>
+                        </a:solidFill>
+                      </a:endParaRPr>
+                    </a:p>
+                  </a:txBody>
+                  <a:tcPr>
+                    <a:solidFill>
+                      <a:srgbClr val="000000">
+                        <a:alpha val="30196"/>
+                      </a:srgbClr>
+                    </a:solidFill>
+                  </a:tcPr>
+                </a:tc>
+                <a:tc>
+                  <a:txBody>
+                    <a:bodyPr/>
+                    <a:lstStyle/>
+                    <a:p>
+                      <a:pPr algn="ctr"/>
+                      <a:endParaRPr lang="es-ES">
+                        <a:solidFill>
+                          <a:srgbClr val="FFFF00"/>
+                        </a:solidFill>
+                      </a:endParaRPr>
+                    </a:p>
+                  </a:txBody>
+                  <a:tcPr>
+                    <a:solidFill>
+                      <a:srgbClr val="000000">
+                        <a:alpha val="30196"/>
+                      </a:srgbClr>
+                    </a:solidFill>
+                  </a:tcPr>
+                </a:tc>
+                <a:extLst>
+                  <a:ext uri="{0D108BD9-81ED-4DB2-BD59-A6C34878D82A}">
+                    <a16:rowId xmlns:a16="http://schemas.microsoft.com/office/drawing/2014/main" val="10002"/>
+                  </a:ext>
+                </a:extLst>
+              </a:tr>
+              <a:tr h="423765">
+                <a:tc>
+                  <a:txBody>
+                    <a:bodyPr/>
+                    <a:lstStyle/>
+                    <a:p>
+                      <a:pPr algn="ctr"/>
+                      <a:endParaRPr lang="es-ES">
+                        <a:solidFill>
+                          <a:srgbClr val="FFFF00"/>
+                        </a:solidFill>
+                      </a:endParaRPr>
+                    </a:p>
+                  </a:txBody>
+                  <a:tcPr>
+                    <a:solidFill>
+                      <a:srgbClr val="000000">
+                        <a:alpha val="30196"/>
+                      </a:srgbClr>
+                    </a:solidFill>
+                  </a:tcPr>
+                </a:tc>
+                <a:tc>
+                  <a:txBody>
+                    <a:bodyPr/>
+                    <a:lstStyle/>
+                    <a:p>
+                      <a:pPr algn="ctr"/>
+                      <a:r>
+                        <a:rPr lang="es-ES" dirty="0">
+                          <a:solidFill>
+                            <a:srgbClr val="FFFF00"/>
+                          </a:solidFill>
+                        </a:rPr>
+                        <a:t>1</a:t>
+                      </a:r>
+                    </a:p>
+                  </a:txBody>
+                  <a:tcPr>
+                    <a:solidFill>
+                      <a:srgbClr val="000000">
+                        <a:alpha val="30196"/>
+                      </a:srgbClr>
+                    </a:solidFill>
+                  </a:tcPr>
+                </a:tc>
+                <a:tc>
+                  <a:txBody>
+                    <a:bodyPr/>
+                    <a:lstStyle/>
+                    <a:p>
+                      <a:pPr algn="ctr"/>
+                      <a:endParaRPr lang="es-ES">
+                        <a:solidFill>
+                          <a:srgbClr val="FFFF00"/>
+                        </a:solidFill>
+                      </a:endParaRPr>
+                    </a:p>
+                  </a:txBody>
+                  <a:tcPr>
+                    <a:solidFill>
+                      <a:srgbClr val="000000">
+                        <a:alpha val="30196"/>
+                      </a:srgbClr>
+                    </a:solidFill>
+                  </a:tcPr>
+                </a:tc>
+                <a:extLst>
+                  <a:ext uri="{0D108BD9-81ED-4DB2-BD59-A6C34878D82A}">
+                    <a16:rowId xmlns:a16="http://schemas.microsoft.com/office/drawing/2014/main" val="10003"/>
+                  </a:ext>
+                </a:extLst>
+              </a:tr>
+              <a:tr h="423765">
+                <a:tc>
+                  <a:txBody>
+                    <a:bodyPr/>
+                    <a:lstStyle/>
+                    <a:p>
+                      <a:pPr algn="ctr"/>
+                      <a:endParaRPr lang="es-ES">
+                        <a:solidFill>
+                          <a:srgbClr val="FFFF00"/>
+                        </a:solidFill>
+                      </a:endParaRPr>
+                    </a:p>
+                  </a:txBody>
+                  <a:tcPr>
+                    <a:solidFill>
+                      <a:srgbClr val="000000">
+                        <a:alpha val="30196"/>
+                      </a:srgbClr>
+                    </a:solidFill>
+                  </a:tcPr>
+                </a:tc>
+                <a:tc>
+                  <a:txBody>
+                    <a:bodyPr/>
+                    <a:lstStyle/>
+                    <a:p>
+                      <a:pPr algn="ctr"/>
+                      <a:endParaRPr lang="es-ES">
+                        <a:solidFill>
+                          <a:srgbClr val="FFFF00"/>
+                        </a:solidFill>
+                      </a:endParaRPr>
+                    </a:p>
+                  </a:txBody>
+                  <a:tcPr>
+                    <a:solidFill>
+                      <a:srgbClr val="000000">
+                        <a:alpha val="30196"/>
+                      </a:srgbClr>
+                    </a:solidFill>
+                  </a:tcPr>
+                </a:tc>
+                <a:tc>
+                  <a:txBody>
+                    <a:bodyPr/>
+                    <a:lstStyle/>
+                    <a:p>
+                      <a:pPr algn="ctr"/>
+                      <a:endParaRPr lang="es-ES">
+                        <a:solidFill>
+                          <a:srgbClr val="FFFF00"/>
+                        </a:solidFill>
+                      </a:endParaRPr>
+                    </a:p>
+                  </a:txBody>
+                  <a:tcPr>
+                    <a:solidFill>
+                      <a:srgbClr val="000000">
+                        <a:alpha val="30196"/>
+                      </a:srgbClr>
+                    </a:solidFill>
+                  </a:tcPr>
+                </a:tc>
+                <a:extLst>
+                  <a:ext uri="{0D108BD9-81ED-4DB2-BD59-A6C34878D82A}">
+                    <a16:rowId xmlns:a16="http://schemas.microsoft.com/office/drawing/2014/main" val="10004"/>
+                  </a:ext>
+                </a:extLst>
+              </a:tr>
+              <a:tr h="423765">
+                <a:tc>
+                  <a:txBody>
+                    <a:bodyPr/>
+                    <a:lstStyle/>
+                    <a:p>
+                      <a:pPr algn="ctr"/>
                       <a:r>
                         <a:rPr lang="ca-ES" dirty="0">
                           <a:solidFill>
@@ -3980,153 +4178,6 @@
                     </a:solidFill>
                   </a:tcPr>
                 </a:tc>
-                <a:extLst>
-                  <a:ext uri="{0D108BD9-81ED-4DB2-BD59-A6C34878D82A}">
-                    <a16:rowId xmlns:a16="http://schemas.microsoft.com/office/drawing/2014/main" val="10002"/>
-                  </a:ext>
-                </a:extLst>
-              </a:tr>
-              <a:tr h="423765">
-                <a:tc>
-                  <a:txBody>
-                    <a:bodyPr/>
-                    <a:lstStyle/>
-                    <a:p>
-                      <a:pPr algn="ctr"/>
-                      <a:endParaRPr lang="es-ES">
-                        <a:solidFill>
-                          <a:srgbClr val="FFFF00"/>
-                        </a:solidFill>
-                      </a:endParaRPr>
-                    </a:p>
-                  </a:txBody>
-                  <a:tcPr>
-                    <a:solidFill>
-                      <a:srgbClr val="000000">
-                        <a:alpha val="30196"/>
-                      </a:srgbClr>
-                    </a:solidFill>
-                  </a:tcPr>
-                </a:tc>
-                <a:tc>
-                  <a:txBody>
-                    <a:bodyPr/>
-                    <a:lstStyle/>
-                    <a:p>
-                      <a:pPr algn="ctr"/>
-                      <a:endParaRPr lang="es-ES">
-                        <a:solidFill>
-                          <a:srgbClr val="FFFF00"/>
-                        </a:solidFill>
-                      </a:endParaRPr>
-                    </a:p>
-                  </a:txBody>
-                  <a:tcPr>
-                    <a:solidFill>
-                      <a:srgbClr val="000000">
-                        <a:alpha val="30196"/>
-                      </a:srgbClr>
-                    </a:solidFill>
-                  </a:tcPr>
-                </a:tc>
-                <a:tc>
-                  <a:txBody>
-                    <a:bodyPr/>
-                    <a:lstStyle/>
-                    <a:p>
-                      <a:pPr algn="ctr"/>
-                      <a:endParaRPr lang="es-ES">
-                        <a:solidFill>
-                          <a:srgbClr val="FFFF00"/>
-                        </a:solidFill>
-                      </a:endParaRPr>
-                    </a:p>
-                  </a:txBody>
-                  <a:tcPr>
-                    <a:solidFill>
-                      <a:srgbClr val="000000">
-                        <a:alpha val="30196"/>
-                      </a:srgbClr>
-                    </a:solidFill>
-                  </a:tcPr>
-                </a:tc>
-                <a:extLst>
-                  <a:ext uri="{0D108BD9-81ED-4DB2-BD59-A6C34878D82A}">
-                    <a16:rowId xmlns:a16="http://schemas.microsoft.com/office/drawing/2014/main" val="10003"/>
-                  </a:ext>
-                </a:extLst>
-              </a:tr>
-              <a:tr h="423765">
-                <a:tc>
-                  <a:txBody>
-                    <a:bodyPr/>
-                    <a:lstStyle/>
-                    <a:p>
-                      <a:pPr algn="ctr"/>
-                      <a:endParaRPr lang="es-ES">
-                        <a:solidFill>
-                          <a:srgbClr val="FFFF00"/>
-                        </a:solidFill>
-                      </a:endParaRPr>
-                    </a:p>
-                  </a:txBody>
-                  <a:tcPr>
-                    <a:solidFill>
-                      <a:srgbClr val="000000">
-                        <a:alpha val="30196"/>
-                      </a:srgbClr>
-                    </a:solidFill>
-                  </a:tcPr>
-                </a:tc>
-                <a:tc>
-                  <a:txBody>
-                    <a:bodyPr/>
-                    <a:lstStyle/>
-                    <a:p>
-                      <a:pPr algn="ctr"/>
-                      <a:endParaRPr lang="es-ES">
-                        <a:solidFill>
-                          <a:srgbClr val="FFFF00"/>
-                        </a:solidFill>
-                      </a:endParaRPr>
-                    </a:p>
-                  </a:txBody>
-                  <a:tcPr>
-                    <a:solidFill>
-                      <a:srgbClr val="000000">
-                        <a:alpha val="30196"/>
-                      </a:srgbClr>
-                    </a:solidFill>
-                  </a:tcPr>
-                </a:tc>
-                <a:tc>
-                  <a:txBody>
-                    <a:bodyPr/>
-                    <a:lstStyle/>
-                    <a:p>
-                      <a:pPr algn="ctr"/>
-                      <a:endParaRPr lang="es-ES">
-                        <a:solidFill>
-                          <a:srgbClr val="FFFF00"/>
-                        </a:solidFill>
-                      </a:endParaRPr>
-                    </a:p>
-                  </a:txBody>
-                  <a:tcPr>
-                    <a:solidFill>
-                      <a:srgbClr val="000000">
-                        <a:alpha val="30196"/>
-                      </a:srgbClr>
-                    </a:solidFill>
-                  </a:tcPr>
-                </a:tc>
-                <a:extLst>
-                  <a:ext uri="{0D108BD9-81ED-4DB2-BD59-A6C34878D82A}">
-                    <a16:rowId xmlns:a16="http://schemas.microsoft.com/office/drawing/2014/main" val="10004"/>
-                  </a:ext>
-                </a:extLst>
-              </a:tr>
-              <a:tr h="423765">
                 <a:tc>
                   <a:txBody>
                     <a:bodyPr/>
@@ -4156,56 +4207,6 @@
                     </a:solidFill>
                   </a:tcPr>
                 </a:tc>
-                <a:tc>
-                  <a:txBody>
-                    <a:bodyPr/>
-                    <a:lstStyle/>
-                    <a:p>
-                      <a:pPr algn="ctr"/>
-                      <a:endParaRPr lang="es-ES">
-                        <a:solidFill>
-                          <a:srgbClr val="FFFF00"/>
-                        </a:solidFill>
-                      </a:endParaRPr>
-                    </a:p>
-                  </a:txBody>
-                  <a:tcPr>
-                    <a:solidFill>
-                      <a:srgbClr val="000000">
-                        <a:alpha val="30196"/>
-                      </a:srgbClr>
-                    </a:solidFill>
-                  </a:tcPr>
-                </a:tc>
-                <a:tc>
-                  <a:txBody>
-                    <a:bodyPr/>
-                    <a:lstStyle/>
-                    <a:p>
-                      <a:pPr algn="ctr"/>
-                      <a:r>
-                        <a:rPr lang="ca-ES" dirty="0">
-                          <a:solidFill>
-                            <a:srgbClr val="FFFF00"/>
-                          </a:solidFill>
-                        </a:rPr>
-                        <a:t>1</a:t>
-                      </a:r>
-                      <a:endParaRPr lang="es-ES" dirty="0">
-                        <a:solidFill>
-                          <a:srgbClr val="FFFF00"/>
-                        </a:solidFill>
-                      </a:endParaRPr>
-                    </a:p>
-                  </a:txBody>
-                  <a:tcPr>
-                    <a:solidFill>
-                      <a:srgbClr val="000000">
-                        <a:alpha val="30196"/>
-                      </a:srgbClr>
-                    </a:solidFill>
-                  </a:tcPr>
-                </a:tc>
                 <a:extLst>
                   <a:ext uri="{0D108BD9-81ED-4DB2-BD59-A6C34878D82A}">
                     <a16:rowId xmlns:a16="http://schemas.microsoft.com/office/drawing/2014/main" val="10005"/>
@@ -4304,6 +4305,198 @@
                     </a:solidFill>
                   </a:tcPr>
                 </a:tc>
+                <a:tc>
+                  <a:txBody>
+                    <a:bodyPr/>
+                    <a:lstStyle/>
+                    <a:p>
+                      <a:pPr algn="ctr"/>
+                      <a:endParaRPr lang="es-ES" dirty="0">
+                        <a:solidFill>
+                          <a:srgbClr val="FFFF00"/>
+                        </a:solidFill>
+                      </a:endParaRPr>
+                    </a:p>
+                  </a:txBody>
+                  <a:tcPr>
+                    <a:solidFill>
+                      <a:srgbClr val="000000">
+                        <a:alpha val="30196"/>
+                      </a:srgbClr>
+                    </a:solidFill>
+                  </a:tcPr>
+                </a:tc>
+                <a:tc>
+                  <a:txBody>
+                    <a:bodyPr/>
+                    <a:lstStyle/>
+                    <a:p>
+                      <a:pPr algn="ctr"/>
+                      <a:endParaRPr lang="es-ES" dirty="0">
+                        <a:solidFill>
+                          <a:srgbClr val="FFFF00"/>
+                        </a:solidFill>
+                      </a:endParaRPr>
+                    </a:p>
+                  </a:txBody>
+                  <a:tcPr>
+                    <a:solidFill>
+                      <a:srgbClr val="000000">
+                        <a:alpha val="30196"/>
+                      </a:srgbClr>
+                    </a:solidFill>
+                  </a:tcPr>
+                </a:tc>
+                <a:extLst>
+                  <a:ext uri="{0D108BD9-81ED-4DB2-BD59-A6C34878D82A}">
+                    <a16:rowId xmlns:a16="http://schemas.microsoft.com/office/drawing/2014/main" val="10007"/>
+                  </a:ext>
+                </a:extLst>
+              </a:tr>
+              <a:tr h="423765">
+                <a:tc>
+                  <a:txBody>
+                    <a:bodyPr/>
+                    <a:lstStyle/>
+                    <a:p>
+                      <a:pPr algn="ctr"/>
+                      <a:endParaRPr lang="es-ES">
+                        <a:solidFill>
+                          <a:srgbClr val="FFFF00"/>
+                        </a:solidFill>
+                      </a:endParaRPr>
+                    </a:p>
+                  </a:txBody>
+                  <a:tcPr>
+                    <a:solidFill>
+                      <a:srgbClr val="000000">
+                        <a:alpha val="30196"/>
+                      </a:srgbClr>
+                    </a:solidFill>
+                  </a:tcPr>
+                </a:tc>
+                <a:tc>
+                  <a:txBody>
+                    <a:bodyPr/>
+                    <a:lstStyle/>
+                    <a:p>
+                      <a:pPr algn="ctr"/>
+                      <a:r>
+                        <a:rPr lang="es-ES" dirty="0">
+                          <a:solidFill>
+                            <a:srgbClr val="FFFF00"/>
+                          </a:solidFill>
+                        </a:rPr>
+                        <a:t>2</a:t>
+                      </a:r>
+                    </a:p>
+                  </a:txBody>
+                  <a:tcPr>
+                    <a:solidFill>
+                      <a:srgbClr val="000000">
+                        <a:alpha val="30196"/>
+                      </a:srgbClr>
+                    </a:solidFill>
+                  </a:tcPr>
+                </a:tc>
+                <a:tc>
+                  <a:txBody>
+                    <a:bodyPr/>
+                    <a:lstStyle/>
+                    <a:p>
+                      <a:pPr algn="ctr"/>
+                      <a:endParaRPr lang="es-ES">
+                        <a:solidFill>
+                          <a:srgbClr val="FFFF00"/>
+                        </a:solidFill>
+                      </a:endParaRPr>
+                    </a:p>
+                  </a:txBody>
+                  <a:tcPr>
+                    <a:solidFill>
+                      <a:srgbClr val="000000">
+                        <a:alpha val="30196"/>
+                      </a:srgbClr>
+                    </a:solidFill>
+                  </a:tcPr>
+                </a:tc>
+                <a:extLst>
+                  <a:ext uri="{0D108BD9-81ED-4DB2-BD59-A6C34878D82A}">
+                    <a16:rowId xmlns:a16="http://schemas.microsoft.com/office/drawing/2014/main" val="10008"/>
+                  </a:ext>
+                </a:extLst>
+              </a:tr>
+              <a:tr h="423765">
+                <a:tc>
+                  <a:txBody>
+                    <a:bodyPr/>
+                    <a:lstStyle/>
+                    <a:p>
+                      <a:pPr algn="ctr"/>
+                      <a:endParaRPr lang="es-ES" dirty="0">
+                        <a:solidFill>
+                          <a:srgbClr val="FFFF00"/>
+                        </a:solidFill>
+                      </a:endParaRPr>
+                    </a:p>
+                  </a:txBody>
+                  <a:tcPr>
+                    <a:solidFill>
+                      <a:srgbClr val="000000">
+                        <a:alpha val="30196"/>
+                      </a:srgbClr>
+                    </a:solidFill>
+                  </a:tcPr>
+                </a:tc>
+                <a:tc>
+                  <a:txBody>
+                    <a:bodyPr/>
+                    <a:lstStyle/>
+                    <a:p>
+                      <a:pPr algn="ctr"/>
+                      <a:endParaRPr lang="es-ES" dirty="0">
+                        <a:solidFill>
+                          <a:srgbClr val="FFFF00"/>
+                        </a:solidFill>
+                      </a:endParaRPr>
+                    </a:p>
+                  </a:txBody>
+                  <a:tcPr>
+                    <a:solidFill>
+                      <a:srgbClr val="000000">
+                        <a:alpha val="30196"/>
+                      </a:srgbClr>
+                    </a:solidFill>
+                  </a:tcPr>
+                </a:tc>
+                <a:tc>
+                  <a:txBody>
+                    <a:bodyPr/>
+                    <a:lstStyle/>
+                    <a:p>
+                      <a:pPr algn="ctr"/>
+                      <a:endParaRPr lang="es-ES">
+                        <a:solidFill>
+                          <a:srgbClr val="FFFF00"/>
+                        </a:solidFill>
+                      </a:endParaRPr>
+                    </a:p>
+                  </a:txBody>
+                  <a:tcPr>
+                    <a:solidFill>
+                      <a:srgbClr val="000000">
+                        <a:alpha val="30196"/>
+                      </a:srgbClr>
+                    </a:solidFill>
+                  </a:tcPr>
+                </a:tc>
+                <a:extLst>
+                  <a:ext uri="{0D108BD9-81ED-4DB2-BD59-A6C34878D82A}">
+                    <a16:rowId xmlns:a16="http://schemas.microsoft.com/office/drawing/2014/main" val="10009"/>
+                  </a:ext>
+                </a:extLst>
+              </a:tr>
+              <a:tr h="423765">
                 <a:tc>
                   <a:txBody>
                     <a:bodyPr/>
@@ -4339,168 +4532,21 @@
                     <a:lstStyle/>
                     <a:p>
                       <a:pPr algn="ctr"/>
-                      <a:endParaRPr lang="es-ES" dirty="0">
-                        <a:solidFill>
-                          <a:srgbClr val="FFFF00"/>
-                        </a:solidFill>
-                      </a:endParaRPr>
-                    </a:p>
-                  </a:txBody>
-                  <a:tcPr>
-                    <a:solidFill>
-                      <a:srgbClr val="000000">
-                        <a:alpha val="30196"/>
-                      </a:srgbClr>
-                    </a:solidFill>
-                  </a:tcPr>
-                </a:tc>
-                <a:extLst>
-                  <a:ext uri="{0D108BD9-81ED-4DB2-BD59-A6C34878D82A}">
-                    <a16:rowId xmlns:a16="http://schemas.microsoft.com/office/drawing/2014/main" val="10007"/>
-                  </a:ext>
-                </a:extLst>
-              </a:tr>
-              <a:tr h="423765">
-                <a:tc>
-                  <a:txBody>
-                    <a:bodyPr/>
-                    <a:lstStyle/>
-                    <a:p>
-                      <a:pPr algn="ctr"/>
-                      <a:endParaRPr lang="es-ES">
-                        <a:solidFill>
-                          <a:srgbClr val="FFFF00"/>
-                        </a:solidFill>
-                      </a:endParaRPr>
-                    </a:p>
-                  </a:txBody>
-                  <a:tcPr>
-                    <a:solidFill>
-                      <a:srgbClr val="000000">
-                        <a:alpha val="30196"/>
-                      </a:srgbClr>
-                    </a:solidFill>
-                  </a:tcPr>
-                </a:tc>
-                <a:tc>
-                  <a:txBody>
-                    <a:bodyPr/>
-                    <a:lstStyle/>
-                    <a:p>
-                      <a:pPr algn="ctr"/>
-                      <a:endParaRPr lang="es-ES" dirty="0">
-                        <a:solidFill>
-                          <a:srgbClr val="FFFF00"/>
-                        </a:solidFill>
-                      </a:endParaRPr>
-                    </a:p>
-                  </a:txBody>
-                  <a:tcPr>
-                    <a:solidFill>
-                      <a:srgbClr val="000000">
-                        <a:alpha val="30196"/>
-                      </a:srgbClr>
-                    </a:solidFill>
-                  </a:tcPr>
-                </a:tc>
-                <a:tc>
-                  <a:txBody>
-                    <a:bodyPr/>
-                    <a:lstStyle/>
-                    <a:p>
-                      <a:pPr algn="ctr"/>
-                      <a:endParaRPr lang="es-ES">
-                        <a:solidFill>
-                          <a:srgbClr val="FFFF00"/>
-                        </a:solidFill>
-                      </a:endParaRPr>
-                    </a:p>
-                  </a:txBody>
-                  <a:tcPr>
-                    <a:solidFill>
-                      <a:srgbClr val="000000">
-                        <a:alpha val="30196"/>
-                      </a:srgbClr>
-                    </a:solidFill>
-                  </a:tcPr>
-                </a:tc>
-                <a:extLst>
-                  <a:ext uri="{0D108BD9-81ED-4DB2-BD59-A6C34878D82A}">
-                    <a16:rowId xmlns:a16="http://schemas.microsoft.com/office/drawing/2014/main" val="10008"/>
-                  </a:ext>
-                </a:extLst>
-              </a:tr>
-              <a:tr h="423765">
-                <a:tc>
-                  <a:txBody>
-                    <a:bodyPr/>
-                    <a:lstStyle/>
-                    <a:p>
-                      <a:pPr algn="ctr"/>
-                      <a:endParaRPr lang="es-ES" dirty="0">
-                        <a:solidFill>
-                          <a:srgbClr val="FFFF00"/>
-                        </a:solidFill>
-                      </a:endParaRPr>
-                    </a:p>
-                  </a:txBody>
-                  <a:tcPr>
-                    <a:solidFill>
-                      <a:srgbClr val="000000">
-                        <a:alpha val="30196"/>
-                      </a:srgbClr>
-                    </a:solidFill>
-                  </a:tcPr>
-                </a:tc>
-                <a:tc>
-                  <a:txBody>
-                    <a:bodyPr/>
-                    <a:lstStyle/>
-                    <a:p>
-                      <a:pPr algn="ctr"/>
-                      <a:endParaRPr lang="es-ES" dirty="0">
-                        <a:solidFill>
-                          <a:srgbClr val="FFFF00"/>
-                        </a:solidFill>
-                      </a:endParaRPr>
-                    </a:p>
-                  </a:txBody>
-                  <a:tcPr>
-                    <a:solidFill>
-                      <a:srgbClr val="000000">
-                        <a:alpha val="30196"/>
-                      </a:srgbClr>
-                    </a:solidFill>
-                  </a:tcPr>
-                </a:tc>
-                <a:tc>
-                  <a:txBody>
-                    <a:bodyPr/>
-                    <a:lstStyle/>
-                    <a:p>
-                      <a:pPr algn="ctr"/>
-                      <a:endParaRPr lang="es-ES">
-                        <a:solidFill>
-                          <a:srgbClr val="FFFF00"/>
-                        </a:solidFill>
-                      </a:endParaRPr>
-                    </a:p>
-                  </a:txBody>
-                  <a:tcPr>
-                    <a:solidFill>
-                      <a:srgbClr val="000000">
-                        <a:alpha val="30196"/>
-                      </a:srgbClr>
-                    </a:solidFill>
-                  </a:tcPr>
-                </a:tc>
-                <a:extLst>
-                  <a:ext uri="{0D108BD9-81ED-4DB2-BD59-A6C34878D82A}">
-                    <a16:rowId xmlns:a16="http://schemas.microsoft.com/office/drawing/2014/main" val="10009"/>
-                  </a:ext>
-                </a:extLst>
-              </a:tr>
-              <a:tr h="423765">
+                      <a:endParaRPr lang="es-ES">
+                        <a:solidFill>
+                          <a:srgbClr val="FFFF00"/>
+                        </a:solidFill>
+                      </a:endParaRPr>
+                    </a:p>
+                  </a:txBody>
+                  <a:tcPr>
+                    <a:solidFill>
+                      <a:srgbClr val="000000">
+                        <a:alpha val="30196"/>
+                      </a:srgbClr>
+                    </a:solidFill>
+                  </a:tcPr>
+                </a:tc>
                 <a:tc>
                   <a:txBody>
                     <a:bodyPr/>
@@ -4530,56 +4576,6 @@
                     </a:solidFill>
                   </a:tcPr>
                 </a:tc>
-                <a:tc>
-                  <a:txBody>
-                    <a:bodyPr/>
-                    <a:lstStyle/>
-                    <a:p>
-                      <a:pPr algn="ctr"/>
-                      <a:endParaRPr lang="es-ES">
-                        <a:solidFill>
-                          <a:srgbClr val="FFFF00"/>
-                        </a:solidFill>
-                      </a:endParaRPr>
-                    </a:p>
-                  </a:txBody>
-                  <a:tcPr>
-                    <a:solidFill>
-                      <a:srgbClr val="000000">
-                        <a:alpha val="30196"/>
-                      </a:srgbClr>
-                    </a:solidFill>
-                  </a:tcPr>
-                </a:tc>
-                <a:tc>
-                  <a:txBody>
-                    <a:bodyPr/>
-                    <a:lstStyle/>
-                    <a:p>
-                      <a:pPr algn="ctr"/>
-                      <a:r>
-                        <a:rPr lang="ca-ES" dirty="0">
-                          <a:solidFill>
-                            <a:srgbClr val="FFFF00"/>
-                          </a:solidFill>
-                        </a:rPr>
-                        <a:t>2</a:t>
-                      </a:r>
-                      <a:endParaRPr lang="es-ES" dirty="0">
-                        <a:solidFill>
-                          <a:srgbClr val="FFFF00"/>
-                        </a:solidFill>
-                      </a:endParaRPr>
-                    </a:p>
-                  </a:txBody>
-                  <a:tcPr>
-                    <a:solidFill>
-                      <a:srgbClr val="000000">
-                        <a:alpha val="30196"/>
-                      </a:srgbClr>
-                    </a:solidFill>
-                  </a:tcPr>
-                </a:tc>
                 <a:extLst>
                   <a:ext uri="{0D108BD9-81ED-4DB2-BD59-A6C34878D82A}">
                     <a16:rowId xmlns:a16="http://schemas.microsoft.com/office/drawing/2014/main" val="10010"/>
@@ -4594,931 +4590,6 @@
                     <a:p>
                       <a:pPr algn="ctr"/>
                       <a:endParaRPr lang="es-ES" dirty="0">
-                        <a:solidFill>
-                          <a:srgbClr val="FFFF00"/>
-                        </a:solidFill>
-                      </a:endParaRPr>
-                    </a:p>
-                  </a:txBody>
-                  <a:tcPr>
-                    <a:solidFill>
-                      <a:srgbClr val="000000">
-                        <a:alpha val="30196"/>
-                      </a:srgbClr>
-                    </a:solidFill>
-                  </a:tcPr>
-                </a:tc>
-                <a:tc>
-                  <a:txBody>
-                    <a:bodyPr/>
-                    <a:lstStyle/>
-                    <a:p>
-                      <a:pPr algn="ctr"/>
-                      <a:endParaRPr lang="es-ES">
-                        <a:solidFill>
-                          <a:srgbClr val="FFFF00"/>
-                        </a:solidFill>
-                      </a:endParaRPr>
-                    </a:p>
-                  </a:txBody>
-                  <a:tcPr>
-                    <a:solidFill>
-                      <a:srgbClr val="000000">
-                        <a:alpha val="30196"/>
-                      </a:srgbClr>
-                    </a:solidFill>
-                  </a:tcPr>
-                </a:tc>
-                <a:tc>
-                  <a:txBody>
-                    <a:bodyPr/>
-                    <a:lstStyle/>
-                    <a:p>
-                      <a:pPr algn="ctr"/>
-                      <a:endParaRPr lang="es-ES" dirty="0">
-                        <a:solidFill>
-                          <a:srgbClr val="FFFF00"/>
-                        </a:solidFill>
-                      </a:endParaRPr>
-                    </a:p>
-                  </a:txBody>
-                  <a:tcPr>
-                    <a:solidFill>
-                      <a:srgbClr val="000000">
-                        <a:alpha val="30196"/>
-                      </a:srgbClr>
-                    </a:solidFill>
-                  </a:tcPr>
-                </a:tc>
-                <a:extLst>
-                  <a:ext uri="{0D108BD9-81ED-4DB2-BD59-A6C34878D82A}">
-                    <a16:rowId xmlns:a16="http://schemas.microsoft.com/office/drawing/2014/main" val="10011"/>
-                  </a:ext>
-                </a:extLst>
-              </a:tr>
-            </a:tbl>
-          </a:graphicData>
-        </a:graphic>
-      </p:graphicFrame>
-      <p:graphicFrame>
-        <p:nvGraphicFramePr>
-          <p:cNvPr id="14" name="Taula 13"/>
-          <p:cNvGraphicFramePr>
-            <a:graphicFrameLocks noGrp="1"/>
-          </p:cNvGraphicFramePr>
-          <p:nvPr/>
-        </p:nvGraphicFramePr>
-        <p:xfrm>
-          <a:off x="-7381328" y="1340768"/>
-          <a:ext cx="2736303" cy="4896540"/>
-        </p:xfrm>
-        <a:graphic>
-          <a:graphicData uri="http://schemas.openxmlformats.org/drawingml/2006/table">
-            <a:tbl>
-              <a:tblPr firstRow="1" bandRow="1">
-                <a:tableStyleId>{5C22544A-7EE6-4342-B048-85BDC9FD1C3A}</a:tableStyleId>
-              </a:tblPr>
-              <a:tblGrid>
-                <a:gridCol w="912101">
-                  <a:extLst>
-                    <a:ext uri="{9D8B030D-6E8A-4147-A177-3AD203B41FA5}">
-                      <a16:colId xmlns:a16="http://schemas.microsoft.com/office/drawing/2014/main" val="20000"/>
-                    </a:ext>
-                  </a:extLst>
-                </a:gridCol>
-                <a:gridCol w="912101">
-                  <a:extLst>
-                    <a:ext uri="{9D8B030D-6E8A-4147-A177-3AD203B41FA5}">
-                      <a16:colId xmlns:a16="http://schemas.microsoft.com/office/drawing/2014/main" val="20001"/>
-                    </a:ext>
-                  </a:extLst>
-                </a:gridCol>
-                <a:gridCol w="912101">
-                  <a:extLst>
-                    <a:ext uri="{9D8B030D-6E8A-4147-A177-3AD203B41FA5}">
-                      <a16:colId xmlns:a16="http://schemas.microsoft.com/office/drawing/2014/main" val="20002"/>
-                    </a:ext>
-                  </a:extLst>
-                </a:gridCol>
-              </a:tblGrid>
-              <a:tr h="408045">
-                <a:tc>
-                  <a:txBody>
-                    <a:bodyPr/>
-                    <a:lstStyle/>
-                    <a:p>
-                      <a:pPr algn="ctr"/>
-                      <a:r>
-                        <a:rPr lang="ca-ES" dirty="0">
-                          <a:solidFill>
-                            <a:srgbClr val="FFFF00"/>
-                          </a:solidFill>
-                        </a:rPr>
-                        <a:t>1</a:t>
-                      </a:r>
-                      <a:endParaRPr lang="es-ES" dirty="0">
-                        <a:solidFill>
-                          <a:srgbClr val="FFFF00"/>
-                        </a:solidFill>
-                      </a:endParaRPr>
-                    </a:p>
-                  </a:txBody>
-                  <a:tcPr>
-                    <a:solidFill>
-                      <a:srgbClr val="000000">
-                        <a:alpha val="30196"/>
-                      </a:srgbClr>
-                    </a:solidFill>
-                  </a:tcPr>
-                </a:tc>
-                <a:tc>
-                  <a:txBody>
-                    <a:bodyPr/>
-                    <a:lstStyle/>
-                    <a:p>
-                      <a:pPr algn="ctr"/>
-                      <a:endParaRPr lang="es-ES" dirty="0">
-                        <a:solidFill>
-                          <a:srgbClr val="FFFF00"/>
-                        </a:solidFill>
-                      </a:endParaRPr>
-                    </a:p>
-                  </a:txBody>
-                  <a:tcPr>
-                    <a:solidFill>
-                      <a:srgbClr val="000000">
-                        <a:alpha val="30196"/>
-                      </a:srgbClr>
-                    </a:solidFill>
-                  </a:tcPr>
-                </a:tc>
-                <a:tc>
-                  <a:txBody>
-                    <a:bodyPr/>
-                    <a:lstStyle/>
-                    <a:p>
-                      <a:pPr algn="ctr"/>
-                      <a:r>
-                        <a:rPr lang="ca-ES" dirty="0">
-                          <a:solidFill>
-                            <a:srgbClr val="FFFF00"/>
-                          </a:solidFill>
-                        </a:rPr>
-                        <a:t>1</a:t>
-                      </a:r>
-                      <a:endParaRPr lang="es-ES" dirty="0">
-                        <a:solidFill>
-                          <a:srgbClr val="FFFF00"/>
-                        </a:solidFill>
-                      </a:endParaRPr>
-                    </a:p>
-                  </a:txBody>
-                  <a:tcPr>
-                    <a:solidFill>
-                      <a:srgbClr val="000000">
-                        <a:alpha val="30196"/>
-                      </a:srgbClr>
-                    </a:solidFill>
-                  </a:tcPr>
-                </a:tc>
-                <a:extLst>
-                  <a:ext uri="{0D108BD9-81ED-4DB2-BD59-A6C34878D82A}">
-                    <a16:rowId xmlns:a16="http://schemas.microsoft.com/office/drawing/2014/main" val="10000"/>
-                  </a:ext>
-                </a:extLst>
-              </a:tr>
-              <a:tr h="408045">
-                <a:tc>
-                  <a:txBody>
-                    <a:bodyPr/>
-                    <a:lstStyle/>
-                    <a:p>
-                      <a:pPr algn="ctr"/>
-                      <a:endParaRPr lang="es-ES">
-                        <a:solidFill>
-                          <a:srgbClr val="FFFF00"/>
-                        </a:solidFill>
-                      </a:endParaRPr>
-                    </a:p>
-                  </a:txBody>
-                  <a:tcPr>
-                    <a:solidFill>
-                      <a:srgbClr val="000000">
-                        <a:alpha val="30196"/>
-                      </a:srgbClr>
-                    </a:solidFill>
-                  </a:tcPr>
-                </a:tc>
-                <a:tc>
-                  <a:txBody>
-                    <a:bodyPr/>
-                    <a:lstStyle/>
-                    <a:p>
-                      <a:pPr algn="ctr"/>
-                      <a:endParaRPr lang="es-ES">
-                        <a:solidFill>
-                          <a:srgbClr val="FFFF00"/>
-                        </a:solidFill>
-                      </a:endParaRPr>
-                    </a:p>
-                  </a:txBody>
-                  <a:tcPr>
-                    <a:solidFill>
-                      <a:srgbClr val="000000">
-                        <a:alpha val="30196"/>
-                      </a:srgbClr>
-                    </a:solidFill>
-                  </a:tcPr>
-                </a:tc>
-                <a:tc>
-                  <a:txBody>
-                    <a:bodyPr/>
-                    <a:lstStyle/>
-                    <a:p>
-                      <a:pPr algn="ctr"/>
-                      <a:endParaRPr lang="es-ES">
-                        <a:solidFill>
-                          <a:srgbClr val="FFFF00"/>
-                        </a:solidFill>
-                      </a:endParaRPr>
-                    </a:p>
-                  </a:txBody>
-                  <a:tcPr>
-                    <a:solidFill>
-                      <a:srgbClr val="000000">
-                        <a:alpha val="30196"/>
-                      </a:srgbClr>
-                    </a:solidFill>
-                  </a:tcPr>
-                </a:tc>
-                <a:extLst>
-                  <a:ext uri="{0D108BD9-81ED-4DB2-BD59-A6C34878D82A}">
-                    <a16:rowId xmlns:a16="http://schemas.microsoft.com/office/drawing/2014/main" val="10001"/>
-                  </a:ext>
-                </a:extLst>
-              </a:tr>
-              <a:tr h="408045">
-                <a:tc>
-                  <a:txBody>
-                    <a:bodyPr/>
-                    <a:lstStyle/>
-                    <a:p>
-                      <a:pPr algn="ctr"/>
-                      <a:endParaRPr lang="es-ES">
-                        <a:solidFill>
-                          <a:srgbClr val="FFFF00"/>
-                        </a:solidFill>
-                      </a:endParaRPr>
-                    </a:p>
-                  </a:txBody>
-                  <a:tcPr>
-                    <a:solidFill>
-                      <a:srgbClr val="000000">
-                        <a:alpha val="30196"/>
-                      </a:srgbClr>
-                    </a:solidFill>
-                  </a:tcPr>
-                </a:tc>
-                <a:tc>
-                  <a:txBody>
-                    <a:bodyPr/>
-                    <a:lstStyle/>
-                    <a:p>
-                      <a:pPr algn="ctr"/>
-                      <a:endParaRPr lang="es-ES" dirty="0">
-                        <a:solidFill>
-                          <a:srgbClr val="FFFF00"/>
-                        </a:solidFill>
-                      </a:endParaRPr>
-                    </a:p>
-                  </a:txBody>
-                  <a:tcPr>
-                    <a:solidFill>
-                      <a:srgbClr val="000000">
-                        <a:alpha val="30196"/>
-                      </a:srgbClr>
-                    </a:solidFill>
-                  </a:tcPr>
-                </a:tc>
-                <a:tc>
-                  <a:txBody>
-                    <a:bodyPr/>
-                    <a:lstStyle/>
-                    <a:p>
-                      <a:pPr algn="ctr"/>
-                      <a:endParaRPr lang="es-ES">
-                        <a:solidFill>
-                          <a:srgbClr val="FFFF00"/>
-                        </a:solidFill>
-                      </a:endParaRPr>
-                    </a:p>
-                  </a:txBody>
-                  <a:tcPr>
-                    <a:solidFill>
-                      <a:srgbClr val="000000">
-                        <a:alpha val="30196"/>
-                      </a:srgbClr>
-                    </a:solidFill>
-                  </a:tcPr>
-                </a:tc>
-                <a:extLst>
-                  <a:ext uri="{0D108BD9-81ED-4DB2-BD59-A6C34878D82A}">
-                    <a16:rowId xmlns:a16="http://schemas.microsoft.com/office/drawing/2014/main" val="10002"/>
-                  </a:ext>
-                </a:extLst>
-              </a:tr>
-              <a:tr h="408045">
-                <a:tc>
-                  <a:txBody>
-                    <a:bodyPr/>
-                    <a:lstStyle/>
-                    <a:p>
-                      <a:pPr algn="ctr"/>
-                      <a:endParaRPr lang="es-ES">
-                        <a:solidFill>
-                          <a:srgbClr val="FFFF00"/>
-                        </a:solidFill>
-                      </a:endParaRPr>
-                    </a:p>
-                  </a:txBody>
-                  <a:tcPr>
-                    <a:solidFill>
-                      <a:srgbClr val="000000">
-                        <a:alpha val="30196"/>
-                      </a:srgbClr>
-                    </a:solidFill>
-                  </a:tcPr>
-                </a:tc>
-                <a:tc>
-                  <a:txBody>
-                    <a:bodyPr/>
-                    <a:lstStyle/>
-                    <a:p>
-                      <a:pPr algn="ctr"/>
-                      <a:endParaRPr lang="es-ES">
-                        <a:solidFill>
-                          <a:srgbClr val="FFFF00"/>
-                        </a:solidFill>
-                      </a:endParaRPr>
-                    </a:p>
-                  </a:txBody>
-                  <a:tcPr>
-                    <a:solidFill>
-                      <a:srgbClr val="000000">
-                        <a:alpha val="30196"/>
-                      </a:srgbClr>
-                    </a:solidFill>
-                  </a:tcPr>
-                </a:tc>
-                <a:tc>
-                  <a:txBody>
-                    <a:bodyPr/>
-                    <a:lstStyle/>
-                    <a:p>
-                      <a:pPr algn="ctr"/>
-                      <a:endParaRPr lang="es-ES">
-                        <a:solidFill>
-                          <a:srgbClr val="FFFF00"/>
-                        </a:solidFill>
-                      </a:endParaRPr>
-                    </a:p>
-                  </a:txBody>
-                  <a:tcPr>
-                    <a:solidFill>
-                      <a:srgbClr val="000000">
-                        <a:alpha val="30196"/>
-                      </a:srgbClr>
-                    </a:solidFill>
-                  </a:tcPr>
-                </a:tc>
-                <a:extLst>
-                  <a:ext uri="{0D108BD9-81ED-4DB2-BD59-A6C34878D82A}">
-                    <a16:rowId xmlns:a16="http://schemas.microsoft.com/office/drawing/2014/main" val="10003"/>
-                  </a:ext>
-                </a:extLst>
-              </a:tr>
-              <a:tr h="408045">
-                <a:tc>
-                  <a:txBody>
-                    <a:bodyPr/>
-                    <a:lstStyle/>
-                    <a:p>
-                      <a:pPr algn="ctr"/>
-                      <a:endParaRPr lang="es-ES">
-                        <a:solidFill>
-                          <a:srgbClr val="FFFF00"/>
-                        </a:solidFill>
-                      </a:endParaRPr>
-                    </a:p>
-                  </a:txBody>
-                  <a:tcPr>
-                    <a:solidFill>
-                      <a:srgbClr val="000000">
-                        <a:alpha val="30196"/>
-                      </a:srgbClr>
-                    </a:solidFill>
-                  </a:tcPr>
-                </a:tc>
-                <a:tc>
-                  <a:txBody>
-                    <a:bodyPr/>
-                    <a:lstStyle/>
-                    <a:p>
-                      <a:pPr algn="ctr"/>
-                      <a:endParaRPr lang="es-ES">
-                        <a:solidFill>
-                          <a:srgbClr val="FFFF00"/>
-                        </a:solidFill>
-                      </a:endParaRPr>
-                    </a:p>
-                  </a:txBody>
-                  <a:tcPr>
-                    <a:solidFill>
-                      <a:srgbClr val="000000">
-                        <a:alpha val="30196"/>
-                      </a:srgbClr>
-                    </a:solidFill>
-                  </a:tcPr>
-                </a:tc>
-                <a:tc>
-                  <a:txBody>
-                    <a:bodyPr/>
-                    <a:lstStyle/>
-                    <a:p>
-                      <a:pPr algn="ctr"/>
-                      <a:endParaRPr lang="es-ES">
-                        <a:solidFill>
-                          <a:srgbClr val="FFFF00"/>
-                        </a:solidFill>
-                      </a:endParaRPr>
-                    </a:p>
-                  </a:txBody>
-                  <a:tcPr>
-                    <a:solidFill>
-                      <a:srgbClr val="000000">
-                        <a:alpha val="30196"/>
-                      </a:srgbClr>
-                    </a:solidFill>
-                  </a:tcPr>
-                </a:tc>
-                <a:extLst>
-                  <a:ext uri="{0D108BD9-81ED-4DB2-BD59-A6C34878D82A}">
-                    <a16:rowId xmlns:a16="http://schemas.microsoft.com/office/drawing/2014/main" val="10004"/>
-                  </a:ext>
-                </a:extLst>
-              </a:tr>
-              <a:tr h="408045">
-                <a:tc>
-                  <a:txBody>
-                    <a:bodyPr/>
-                    <a:lstStyle/>
-                    <a:p>
-                      <a:pPr algn="ctr"/>
-                      <a:endParaRPr lang="es-ES" dirty="0">
-                        <a:solidFill>
-                          <a:srgbClr val="FFFF00"/>
-                        </a:solidFill>
-                      </a:endParaRPr>
-                    </a:p>
-                  </a:txBody>
-                  <a:tcPr>
-                    <a:solidFill>
-                      <a:srgbClr val="000000">
-                        <a:alpha val="30196"/>
-                      </a:srgbClr>
-                    </a:solidFill>
-                  </a:tcPr>
-                </a:tc>
-                <a:tc>
-                  <a:txBody>
-                    <a:bodyPr/>
-                    <a:lstStyle/>
-                    <a:p>
-                      <a:pPr algn="ctr"/>
-                      <a:r>
-                        <a:rPr lang="ca-ES" dirty="0">
-                          <a:solidFill>
-                            <a:srgbClr val="FFFF00"/>
-                          </a:solidFill>
-                        </a:rPr>
-                        <a:t>1</a:t>
-                      </a:r>
-                      <a:endParaRPr lang="es-ES" dirty="0">
-                        <a:solidFill>
-                          <a:srgbClr val="FFFF00"/>
-                        </a:solidFill>
-                      </a:endParaRPr>
-                    </a:p>
-                  </a:txBody>
-                  <a:tcPr>
-                    <a:solidFill>
-                      <a:srgbClr val="000000">
-                        <a:alpha val="30196"/>
-                      </a:srgbClr>
-                    </a:solidFill>
-                  </a:tcPr>
-                </a:tc>
-                <a:tc>
-                  <a:txBody>
-                    <a:bodyPr/>
-                    <a:lstStyle/>
-                    <a:p>
-                      <a:pPr algn="ctr"/>
-                      <a:endParaRPr lang="es-ES" dirty="0">
-                        <a:solidFill>
-                          <a:srgbClr val="FFFF00"/>
-                        </a:solidFill>
-                      </a:endParaRPr>
-                    </a:p>
-                  </a:txBody>
-                  <a:tcPr>
-                    <a:solidFill>
-                      <a:srgbClr val="000000">
-                        <a:alpha val="30196"/>
-                      </a:srgbClr>
-                    </a:solidFill>
-                  </a:tcPr>
-                </a:tc>
-                <a:extLst>
-                  <a:ext uri="{0D108BD9-81ED-4DB2-BD59-A6C34878D82A}">
-                    <a16:rowId xmlns:a16="http://schemas.microsoft.com/office/drawing/2014/main" val="10005"/>
-                  </a:ext>
-                </a:extLst>
-              </a:tr>
-              <a:tr h="408045">
-                <a:tc>
-                  <a:txBody>
-                    <a:bodyPr/>
-                    <a:lstStyle/>
-                    <a:p>
-                      <a:pPr algn="ctr"/>
-                      <a:endParaRPr lang="es-ES">
-                        <a:solidFill>
-                          <a:srgbClr val="FFFF00"/>
-                        </a:solidFill>
-                      </a:endParaRPr>
-                    </a:p>
-                  </a:txBody>
-                  <a:tcPr>
-                    <a:solidFill>
-                      <a:srgbClr val="000000">
-                        <a:alpha val="30196"/>
-                      </a:srgbClr>
-                    </a:solidFill>
-                  </a:tcPr>
-                </a:tc>
-                <a:tc>
-                  <a:txBody>
-                    <a:bodyPr/>
-                    <a:lstStyle/>
-                    <a:p>
-                      <a:pPr algn="ctr"/>
-                      <a:endParaRPr lang="es-ES">
-                        <a:solidFill>
-                          <a:srgbClr val="FFFF00"/>
-                        </a:solidFill>
-                      </a:endParaRPr>
-                    </a:p>
-                  </a:txBody>
-                  <a:tcPr>
-                    <a:solidFill>
-                      <a:srgbClr val="000000">
-                        <a:alpha val="30196"/>
-                      </a:srgbClr>
-                    </a:solidFill>
-                  </a:tcPr>
-                </a:tc>
-                <a:tc>
-                  <a:txBody>
-                    <a:bodyPr/>
-                    <a:lstStyle/>
-                    <a:p>
-                      <a:pPr algn="ctr"/>
-                      <a:endParaRPr lang="es-ES">
-                        <a:solidFill>
-                          <a:srgbClr val="FFFF00"/>
-                        </a:solidFill>
-                      </a:endParaRPr>
-                    </a:p>
-                  </a:txBody>
-                  <a:tcPr>
-                    <a:solidFill>
-                      <a:srgbClr val="000000">
-                        <a:alpha val="30196"/>
-                      </a:srgbClr>
-                    </a:solidFill>
-                  </a:tcPr>
-                </a:tc>
-                <a:extLst>
-                  <a:ext uri="{0D108BD9-81ED-4DB2-BD59-A6C34878D82A}">
-                    <a16:rowId xmlns:a16="http://schemas.microsoft.com/office/drawing/2014/main" val="10006"/>
-                  </a:ext>
-                </a:extLst>
-              </a:tr>
-              <a:tr h="408045">
-                <a:tc>
-                  <a:txBody>
-                    <a:bodyPr/>
-                    <a:lstStyle/>
-                    <a:p>
-                      <a:pPr algn="ctr"/>
-                      <a:endParaRPr lang="es-ES">
-                        <a:solidFill>
-                          <a:srgbClr val="FFFF00"/>
-                        </a:solidFill>
-                      </a:endParaRPr>
-                    </a:p>
-                  </a:txBody>
-                  <a:tcPr>
-                    <a:solidFill>
-                      <a:srgbClr val="000000">
-                        <a:alpha val="30196"/>
-                      </a:srgbClr>
-                    </a:solidFill>
-                  </a:tcPr>
-                </a:tc>
-                <a:tc>
-                  <a:txBody>
-                    <a:bodyPr/>
-                    <a:lstStyle/>
-                    <a:p>
-                      <a:pPr algn="ctr"/>
-                      <a:endParaRPr lang="es-ES" dirty="0">
-                        <a:solidFill>
-                          <a:srgbClr val="FFFF00"/>
-                        </a:solidFill>
-                      </a:endParaRPr>
-                    </a:p>
-                  </a:txBody>
-                  <a:tcPr>
-                    <a:solidFill>
-                      <a:srgbClr val="000000">
-                        <a:alpha val="30196"/>
-                      </a:srgbClr>
-                    </a:solidFill>
-                  </a:tcPr>
-                </a:tc>
-                <a:tc>
-                  <a:txBody>
-                    <a:bodyPr/>
-                    <a:lstStyle/>
-                    <a:p>
-                      <a:pPr algn="ctr"/>
-                      <a:endParaRPr lang="es-ES" dirty="0">
-                        <a:solidFill>
-                          <a:srgbClr val="FFFF00"/>
-                        </a:solidFill>
-                      </a:endParaRPr>
-                    </a:p>
-                  </a:txBody>
-                  <a:tcPr>
-                    <a:solidFill>
-                      <a:srgbClr val="000000">
-                        <a:alpha val="30196"/>
-                      </a:srgbClr>
-                    </a:solidFill>
-                  </a:tcPr>
-                </a:tc>
-                <a:extLst>
-                  <a:ext uri="{0D108BD9-81ED-4DB2-BD59-A6C34878D82A}">
-                    <a16:rowId xmlns:a16="http://schemas.microsoft.com/office/drawing/2014/main" val="10007"/>
-                  </a:ext>
-                </a:extLst>
-              </a:tr>
-              <a:tr h="408045">
-                <a:tc>
-                  <a:txBody>
-                    <a:bodyPr/>
-                    <a:lstStyle/>
-                    <a:p>
-                      <a:pPr algn="ctr"/>
-                      <a:endParaRPr lang="es-ES">
-                        <a:solidFill>
-                          <a:srgbClr val="FFFF00"/>
-                        </a:solidFill>
-                      </a:endParaRPr>
-                    </a:p>
-                  </a:txBody>
-                  <a:tcPr>
-                    <a:solidFill>
-                      <a:srgbClr val="000000">
-                        <a:alpha val="30196"/>
-                      </a:srgbClr>
-                    </a:solidFill>
-                  </a:tcPr>
-                </a:tc>
-                <a:tc>
-                  <a:txBody>
-                    <a:bodyPr/>
-                    <a:lstStyle/>
-                    <a:p>
-                      <a:pPr algn="ctr"/>
-                      <a:endParaRPr lang="es-ES">
-                        <a:solidFill>
-                          <a:srgbClr val="FFFF00"/>
-                        </a:solidFill>
-                      </a:endParaRPr>
-                    </a:p>
-                  </a:txBody>
-                  <a:tcPr>
-                    <a:solidFill>
-                      <a:srgbClr val="000000">
-                        <a:alpha val="30196"/>
-                      </a:srgbClr>
-                    </a:solidFill>
-                  </a:tcPr>
-                </a:tc>
-                <a:tc>
-                  <a:txBody>
-                    <a:bodyPr/>
-                    <a:lstStyle/>
-                    <a:p>
-                      <a:pPr algn="ctr"/>
-                      <a:endParaRPr lang="es-ES">
-                        <a:solidFill>
-                          <a:srgbClr val="FFFF00"/>
-                        </a:solidFill>
-                      </a:endParaRPr>
-                    </a:p>
-                  </a:txBody>
-                  <a:tcPr>
-                    <a:solidFill>
-                      <a:srgbClr val="000000">
-                        <a:alpha val="30196"/>
-                      </a:srgbClr>
-                    </a:solidFill>
-                  </a:tcPr>
-                </a:tc>
-                <a:extLst>
-                  <a:ext uri="{0D108BD9-81ED-4DB2-BD59-A6C34878D82A}">
-                    <a16:rowId xmlns:a16="http://schemas.microsoft.com/office/drawing/2014/main" val="10008"/>
-                  </a:ext>
-                </a:extLst>
-              </a:tr>
-              <a:tr h="408045">
-                <a:tc>
-                  <a:txBody>
-                    <a:bodyPr/>
-                    <a:lstStyle/>
-                    <a:p>
-                      <a:pPr algn="ctr"/>
-                      <a:endParaRPr lang="es-ES" dirty="0">
-                        <a:solidFill>
-                          <a:srgbClr val="FFFF00"/>
-                        </a:solidFill>
-                      </a:endParaRPr>
-                    </a:p>
-                  </a:txBody>
-                  <a:tcPr>
-                    <a:solidFill>
-                      <a:srgbClr val="000000">
-                        <a:alpha val="30196"/>
-                      </a:srgbClr>
-                    </a:solidFill>
-                  </a:tcPr>
-                </a:tc>
-                <a:tc>
-                  <a:txBody>
-                    <a:bodyPr/>
-                    <a:lstStyle/>
-                    <a:p>
-                      <a:pPr algn="ctr"/>
-                      <a:endParaRPr lang="es-ES">
-                        <a:solidFill>
-                          <a:srgbClr val="FFFF00"/>
-                        </a:solidFill>
-                      </a:endParaRPr>
-                    </a:p>
-                  </a:txBody>
-                  <a:tcPr>
-                    <a:solidFill>
-                      <a:srgbClr val="000000">
-                        <a:alpha val="30196"/>
-                      </a:srgbClr>
-                    </a:solidFill>
-                  </a:tcPr>
-                </a:tc>
-                <a:tc>
-                  <a:txBody>
-                    <a:bodyPr/>
-                    <a:lstStyle/>
-                    <a:p>
-                      <a:pPr algn="ctr"/>
-                      <a:endParaRPr lang="es-ES">
-                        <a:solidFill>
-                          <a:srgbClr val="FFFF00"/>
-                        </a:solidFill>
-                      </a:endParaRPr>
-                    </a:p>
-                  </a:txBody>
-                  <a:tcPr>
-                    <a:solidFill>
-                      <a:srgbClr val="000000">
-                        <a:alpha val="30196"/>
-                      </a:srgbClr>
-                    </a:solidFill>
-                  </a:tcPr>
-                </a:tc>
-                <a:extLst>
-                  <a:ext uri="{0D108BD9-81ED-4DB2-BD59-A6C34878D82A}">
-                    <a16:rowId xmlns:a16="http://schemas.microsoft.com/office/drawing/2014/main" val="10009"/>
-                  </a:ext>
-                </a:extLst>
-              </a:tr>
-              <a:tr h="408045">
-                <a:tc>
-                  <a:txBody>
-                    <a:bodyPr/>
-                    <a:lstStyle/>
-                    <a:p>
-                      <a:pPr algn="ctr"/>
-                      <a:r>
-                        <a:rPr lang="ca-ES" dirty="0">
-                          <a:solidFill>
-                            <a:srgbClr val="FFFF00"/>
-                          </a:solidFill>
-                        </a:rPr>
-                        <a:t>2</a:t>
-                      </a:r>
-                      <a:endParaRPr lang="es-ES" dirty="0">
-                        <a:solidFill>
-                          <a:srgbClr val="FFFF00"/>
-                        </a:solidFill>
-                      </a:endParaRPr>
-                    </a:p>
-                  </a:txBody>
-                  <a:tcPr>
-                    <a:solidFill>
-                      <a:srgbClr val="000000">
-                        <a:alpha val="30196"/>
-                      </a:srgbClr>
-                    </a:solidFill>
-                  </a:tcPr>
-                </a:tc>
-                <a:tc>
-                  <a:txBody>
-                    <a:bodyPr/>
-                    <a:lstStyle/>
-                    <a:p>
-                      <a:pPr algn="ctr"/>
-                      <a:endParaRPr lang="es-ES">
-                        <a:solidFill>
-                          <a:srgbClr val="FFFF00"/>
-                        </a:solidFill>
-                      </a:endParaRPr>
-                    </a:p>
-                  </a:txBody>
-                  <a:tcPr>
-                    <a:solidFill>
-                      <a:srgbClr val="000000">
-                        <a:alpha val="30196"/>
-                      </a:srgbClr>
-                    </a:solidFill>
-                  </a:tcPr>
-                </a:tc>
-                <a:tc>
-                  <a:txBody>
-                    <a:bodyPr/>
-                    <a:lstStyle/>
-                    <a:p>
-                      <a:pPr algn="ctr"/>
-                      <a:r>
-                        <a:rPr lang="ca-ES" dirty="0">
-                          <a:solidFill>
-                            <a:srgbClr val="FFFF00"/>
-                          </a:solidFill>
-                        </a:rPr>
-                        <a:t>2</a:t>
-                      </a:r>
-                      <a:endParaRPr lang="es-ES" dirty="0">
-                        <a:solidFill>
-                          <a:srgbClr val="FFFF00"/>
-                        </a:solidFill>
-                      </a:endParaRPr>
-                    </a:p>
-                  </a:txBody>
-                  <a:tcPr>
-                    <a:solidFill>
-                      <a:srgbClr val="000000">
-                        <a:alpha val="30196"/>
-                      </a:srgbClr>
-                    </a:solidFill>
-                  </a:tcPr>
-                </a:tc>
-                <a:extLst>
-                  <a:ext uri="{0D108BD9-81ED-4DB2-BD59-A6C34878D82A}">
-                    <a16:rowId xmlns:a16="http://schemas.microsoft.com/office/drawing/2014/main" val="10010"/>
-                  </a:ext>
-                </a:extLst>
-              </a:tr>
-              <a:tr h="408045">
-                <a:tc>
-                  <a:txBody>
-                    <a:bodyPr/>
-                    <a:lstStyle/>
-                    <a:p>
-                      <a:pPr algn="ctr"/>
-                      <a:endParaRPr lang="es-ES">
                         <a:solidFill>
                           <a:srgbClr val="FFFF00"/>
                         </a:solidFill>
@@ -5879,7 +4950,7 @@
                     <a:lstStyle/>
                     <a:p>
                       <a:pPr algn="ctr"/>
-                      <a:endParaRPr lang="es-ES">
+                      <a:endParaRPr lang="es-ES" dirty="0">
                         <a:solidFill>
                           <a:srgbClr val="FFFF00"/>
                         </a:solidFill>
@@ -6552,7 +5623,7 @@
           <p:nvPr>
             <p:extLst>
               <p:ext uri="{D42A27DB-BD31-4B8C-83A1-F6EECF244321}">
-                <p14:modId xmlns:p14="http://schemas.microsoft.com/office/powerpoint/2010/main" val="2977071585"/>
+                <p14:modId xmlns:p14="http://schemas.microsoft.com/office/powerpoint/2010/main" val="752127003"/>
               </p:ext>
             </p:extLst>
           </p:nvPr>
@@ -6823,76 +5894,6 @@
                     <a:lstStyle/>
                     <a:p>
                       <a:pPr algn="ctr"/>
-                      <a:endParaRPr lang="es-ES">
-                        <a:solidFill>
-                          <a:srgbClr val="FFFF00"/>
-                        </a:solidFill>
-                      </a:endParaRPr>
-                    </a:p>
-                  </a:txBody>
-                  <a:tcPr>
-                    <a:solidFill>
-                      <a:srgbClr val="000000">
-                        <a:alpha val="30196"/>
-                      </a:srgbClr>
-                    </a:solidFill>
-                  </a:tcPr>
-                </a:tc>
-                <a:tc>
-                  <a:txBody>
-                    <a:bodyPr/>
-                    <a:lstStyle/>
-                    <a:p>
-                      <a:pPr algn="ctr"/>
-                      <a:endParaRPr lang="es-ES">
-                        <a:solidFill>
-                          <a:srgbClr val="FFFF00"/>
-                        </a:solidFill>
-                      </a:endParaRPr>
-                    </a:p>
-                  </a:txBody>
-                  <a:tcPr>
-                    <a:solidFill>
-                      <a:srgbClr val="000000">
-                        <a:alpha val="30196"/>
-                      </a:srgbClr>
-                    </a:solidFill>
-                  </a:tcPr>
-                </a:tc>
-                <a:tc>
-                  <a:txBody>
-                    <a:bodyPr/>
-                    <a:lstStyle/>
-                    <a:p>
-                      <a:pPr algn="ctr"/>
-                      <a:endParaRPr lang="es-ES">
-                        <a:solidFill>
-                          <a:srgbClr val="FFFF00"/>
-                        </a:solidFill>
-                      </a:endParaRPr>
-                    </a:p>
-                  </a:txBody>
-                  <a:tcPr>
-                    <a:solidFill>
-                      <a:srgbClr val="000000">
-                        <a:alpha val="30196"/>
-                      </a:srgbClr>
-                    </a:solidFill>
-                  </a:tcPr>
-                </a:tc>
-                <a:extLst>
-                  <a:ext uri="{0D108BD9-81ED-4DB2-BD59-A6C34878D82A}">
-                    <a16:rowId xmlns:a16="http://schemas.microsoft.com/office/drawing/2014/main" val="10003"/>
-                  </a:ext>
-                </a:extLst>
-              </a:tr>
-              <a:tr h="423765">
-                <a:tc>
-                  <a:txBody>
-                    <a:bodyPr/>
-                    <a:lstStyle/>
-                    <a:p>
-                      <a:pPr algn="ctr"/>
                       <a:r>
                         <a:rPr lang="es-ES" dirty="0">
                           <a:solidFill>
@@ -6958,6 +5959,76 @@
                 </a:tc>
                 <a:extLst>
                   <a:ext uri="{0D108BD9-81ED-4DB2-BD59-A6C34878D82A}">
+                    <a16:rowId xmlns:a16="http://schemas.microsoft.com/office/drawing/2014/main" val="10003"/>
+                  </a:ext>
+                </a:extLst>
+              </a:tr>
+              <a:tr h="423765">
+                <a:tc>
+                  <a:txBody>
+                    <a:bodyPr/>
+                    <a:lstStyle/>
+                    <a:p>
+                      <a:pPr algn="ctr"/>
+                      <a:endParaRPr lang="es-ES" dirty="0">
+                        <a:solidFill>
+                          <a:srgbClr val="FFFF00"/>
+                        </a:solidFill>
+                      </a:endParaRPr>
+                    </a:p>
+                  </a:txBody>
+                  <a:tcPr>
+                    <a:solidFill>
+                      <a:srgbClr val="000000">
+                        <a:alpha val="30196"/>
+                      </a:srgbClr>
+                    </a:solidFill>
+                  </a:tcPr>
+                </a:tc>
+                <a:tc>
+                  <a:txBody>
+                    <a:bodyPr/>
+                    <a:lstStyle/>
+                    <a:p>
+                      <a:pPr algn="ctr"/>
+                      <a:endParaRPr lang="es-ES">
+                        <a:solidFill>
+                          <a:srgbClr val="FFFF00"/>
+                        </a:solidFill>
+                      </a:endParaRPr>
+                    </a:p>
+                  </a:txBody>
+                  <a:tcPr>
+                    <a:solidFill>
+                      <a:srgbClr val="000000">
+                        <a:alpha val="30196"/>
+                      </a:srgbClr>
+                    </a:solidFill>
+                  </a:tcPr>
+                </a:tc>
+                <a:tc>
+                  <a:txBody>
+                    <a:bodyPr/>
+                    <a:lstStyle/>
+                    <a:p>
+                      <a:pPr algn="ctr"/>
+                      <a:endParaRPr lang="es-ES" dirty="0">
+                        <a:solidFill>
+                          <a:srgbClr val="FFFF00"/>
+                        </a:solidFill>
+                      </a:endParaRPr>
+                    </a:p>
+                  </a:txBody>
+                  <a:tcPr>
+                    <a:solidFill>
+                      <a:srgbClr val="000000">
+                        <a:alpha val="30196"/>
+                      </a:srgbClr>
+                    </a:solidFill>
+                  </a:tcPr>
+                </a:tc>
+                <a:extLst>
+                  <a:ext uri="{0D108BD9-81ED-4DB2-BD59-A6C34878D82A}">
                     <a16:rowId xmlns:a16="http://schemas.microsoft.com/office/drawing/2014/main" val="10004"/>
                   </a:ext>
                 </a:extLst>
@@ -7391,6 +6462,6369 @@
                           <a:srgbClr val="FFFF00"/>
                         </a:solidFill>
                       </a:endParaRPr>
+                    </a:p>
+                  </a:txBody>
+                  <a:tcPr>
+                    <a:solidFill>
+                      <a:srgbClr val="000000">
+                        <a:alpha val="30196"/>
+                      </a:srgbClr>
+                    </a:solidFill>
+                  </a:tcPr>
+                </a:tc>
+                <a:extLst>
+                  <a:ext uri="{0D108BD9-81ED-4DB2-BD59-A6C34878D82A}">
+                    <a16:rowId xmlns:a16="http://schemas.microsoft.com/office/drawing/2014/main" val="10010"/>
+                  </a:ext>
+                </a:extLst>
+              </a:tr>
+              <a:tr h="423765">
+                <a:tc>
+                  <a:txBody>
+                    <a:bodyPr/>
+                    <a:lstStyle/>
+                    <a:p>
+                      <a:pPr algn="ctr"/>
+                      <a:endParaRPr lang="es-ES" dirty="0">
+                        <a:solidFill>
+                          <a:srgbClr val="FFFF00"/>
+                        </a:solidFill>
+                      </a:endParaRPr>
+                    </a:p>
+                  </a:txBody>
+                  <a:tcPr>
+                    <a:solidFill>
+                      <a:srgbClr val="000000">
+                        <a:alpha val="30196"/>
+                      </a:srgbClr>
+                    </a:solidFill>
+                  </a:tcPr>
+                </a:tc>
+                <a:tc>
+                  <a:txBody>
+                    <a:bodyPr/>
+                    <a:lstStyle/>
+                    <a:p>
+                      <a:pPr algn="ctr"/>
+                      <a:endParaRPr lang="es-ES">
+                        <a:solidFill>
+                          <a:srgbClr val="FFFF00"/>
+                        </a:solidFill>
+                      </a:endParaRPr>
+                    </a:p>
+                  </a:txBody>
+                  <a:tcPr>
+                    <a:solidFill>
+                      <a:srgbClr val="000000">
+                        <a:alpha val="30196"/>
+                      </a:srgbClr>
+                    </a:solidFill>
+                  </a:tcPr>
+                </a:tc>
+                <a:tc>
+                  <a:txBody>
+                    <a:bodyPr/>
+                    <a:lstStyle/>
+                    <a:p>
+                      <a:pPr algn="ctr"/>
+                      <a:endParaRPr lang="es-ES" dirty="0">
+                        <a:solidFill>
+                          <a:srgbClr val="FFFF00"/>
+                        </a:solidFill>
+                      </a:endParaRPr>
+                    </a:p>
+                  </a:txBody>
+                  <a:tcPr>
+                    <a:solidFill>
+                      <a:srgbClr val="000000">
+                        <a:alpha val="30196"/>
+                      </a:srgbClr>
+                    </a:solidFill>
+                  </a:tcPr>
+                </a:tc>
+                <a:extLst>
+                  <a:ext uri="{0D108BD9-81ED-4DB2-BD59-A6C34878D82A}">
+                    <a16:rowId xmlns:a16="http://schemas.microsoft.com/office/drawing/2014/main" val="10011"/>
+                  </a:ext>
+                </a:extLst>
+              </a:tr>
+            </a:tbl>
+          </a:graphicData>
+        </a:graphic>
+      </p:graphicFrame>
+      <p:graphicFrame>
+        <p:nvGraphicFramePr>
+          <p:cNvPr id="8" name="Taula 12">
+            <a:extLst>
+              <a:ext uri="{FF2B5EF4-FFF2-40B4-BE49-F238E27FC236}">
+                <a16:creationId xmlns:a16="http://schemas.microsoft.com/office/drawing/2014/main" id="{D9312627-7A4D-4B8B-9306-60D885EF3995}"/>
+              </a:ext>
+            </a:extLst>
+          </p:cNvPr>
+          <p:cNvGraphicFramePr>
+            <a:graphicFrameLocks noGrp="1"/>
+          </p:cNvGraphicFramePr>
+          <p:nvPr>
+            <p:extLst>
+              <p:ext uri="{D42A27DB-BD31-4B8C-83A1-F6EECF244321}">
+                <p14:modId xmlns:p14="http://schemas.microsoft.com/office/powerpoint/2010/main" val="974499929"/>
+              </p:ext>
+            </p:extLst>
+          </p:nvPr>
+        </p:nvGraphicFramePr>
+        <p:xfrm>
+          <a:off x="-24231200" y="1246448"/>
+          <a:ext cx="2952327" cy="5085180"/>
+        </p:xfrm>
+        <a:graphic>
+          <a:graphicData uri="http://schemas.openxmlformats.org/drawingml/2006/table">
+            <a:tbl>
+              <a:tblPr firstRow="1" bandRow="1">
+                <a:tableStyleId>{5C22544A-7EE6-4342-B048-85BDC9FD1C3A}</a:tableStyleId>
+              </a:tblPr>
+              <a:tblGrid>
+                <a:gridCol w="984109">
+                  <a:extLst>
+                    <a:ext uri="{9D8B030D-6E8A-4147-A177-3AD203B41FA5}">
+                      <a16:colId xmlns:a16="http://schemas.microsoft.com/office/drawing/2014/main" val="20000"/>
+                    </a:ext>
+                  </a:extLst>
+                </a:gridCol>
+                <a:gridCol w="984109">
+                  <a:extLst>
+                    <a:ext uri="{9D8B030D-6E8A-4147-A177-3AD203B41FA5}">
+                      <a16:colId xmlns:a16="http://schemas.microsoft.com/office/drawing/2014/main" val="20001"/>
+                    </a:ext>
+                  </a:extLst>
+                </a:gridCol>
+                <a:gridCol w="984109">
+                  <a:extLst>
+                    <a:ext uri="{9D8B030D-6E8A-4147-A177-3AD203B41FA5}">
+                      <a16:colId xmlns:a16="http://schemas.microsoft.com/office/drawing/2014/main" val="20002"/>
+                    </a:ext>
+                  </a:extLst>
+                </a:gridCol>
+              </a:tblGrid>
+              <a:tr h="423765">
+                <a:tc>
+                  <a:txBody>
+                    <a:bodyPr/>
+                    <a:lstStyle/>
+                    <a:p>
+                      <a:pPr algn="ctr"/>
+                      <a:endParaRPr lang="es-ES" dirty="0">
+                        <a:solidFill>
+                          <a:srgbClr val="FFFF00"/>
+                        </a:solidFill>
+                      </a:endParaRPr>
+                    </a:p>
+                  </a:txBody>
+                  <a:tcPr>
+                    <a:solidFill>
+                      <a:srgbClr val="000000">
+                        <a:alpha val="30196"/>
+                      </a:srgbClr>
+                    </a:solidFill>
+                  </a:tcPr>
+                </a:tc>
+                <a:tc>
+                  <a:txBody>
+                    <a:bodyPr/>
+                    <a:lstStyle/>
+                    <a:p>
+                      <a:pPr algn="ctr"/>
+                      <a:endParaRPr lang="es-ES" dirty="0">
+                        <a:solidFill>
+                          <a:srgbClr val="FFFF00"/>
+                        </a:solidFill>
+                      </a:endParaRPr>
+                    </a:p>
+                  </a:txBody>
+                  <a:tcPr>
+                    <a:solidFill>
+                      <a:srgbClr val="000000">
+                        <a:alpha val="30196"/>
+                      </a:srgbClr>
+                    </a:solidFill>
+                  </a:tcPr>
+                </a:tc>
+                <a:tc>
+                  <a:txBody>
+                    <a:bodyPr/>
+                    <a:lstStyle/>
+                    <a:p>
+                      <a:pPr algn="ctr"/>
+                      <a:endParaRPr lang="es-ES" dirty="0">
+                        <a:solidFill>
+                          <a:srgbClr val="FFFF00"/>
+                        </a:solidFill>
+                      </a:endParaRPr>
+                    </a:p>
+                  </a:txBody>
+                  <a:tcPr>
+                    <a:solidFill>
+                      <a:srgbClr val="000000">
+                        <a:alpha val="30196"/>
+                      </a:srgbClr>
+                    </a:solidFill>
+                  </a:tcPr>
+                </a:tc>
+                <a:extLst>
+                  <a:ext uri="{0D108BD9-81ED-4DB2-BD59-A6C34878D82A}">
+                    <a16:rowId xmlns:a16="http://schemas.microsoft.com/office/drawing/2014/main" val="10000"/>
+                  </a:ext>
+                </a:extLst>
+              </a:tr>
+              <a:tr h="423765">
+                <a:tc>
+                  <a:txBody>
+                    <a:bodyPr/>
+                    <a:lstStyle/>
+                    <a:p>
+                      <a:pPr algn="ctr"/>
+                      <a:endParaRPr lang="es-ES">
+                        <a:solidFill>
+                          <a:srgbClr val="FFFF00"/>
+                        </a:solidFill>
+                      </a:endParaRPr>
+                    </a:p>
+                  </a:txBody>
+                  <a:tcPr>
+                    <a:solidFill>
+                      <a:srgbClr val="000000">
+                        <a:alpha val="30196"/>
+                      </a:srgbClr>
+                    </a:solidFill>
+                  </a:tcPr>
+                </a:tc>
+                <a:tc>
+                  <a:txBody>
+                    <a:bodyPr/>
+                    <a:lstStyle/>
+                    <a:p>
+                      <a:pPr algn="ctr"/>
+                      <a:endParaRPr lang="es-ES">
+                        <a:solidFill>
+                          <a:srgbClr val="FFFF00"/>
+                        </a:solidFill>
+                      </a:endParaRPr>
+                    </a:p>
+                  </a:txBody>
+                  <a:tcPr>
+                    <a:solidFill>
+                      <a:srgbClr val="000000">
+                        <a:alpha val="30196"/>
+                      </a:srgbClr>
+                    </a:solidFill>
+                  </a:tcPr>
+                </a:tc>
+                <a:tc>
+                  <a:txBody>
+                    <a:bodyPr/>
+                    <a:lstStyle/>
+                    <a:p>
+                      <a:pPr algn="ctr"/>
+                      <a:endParaRPr lang="es-ES">
+                        <a:solidFill>
+                          <a:srgbClr val="FFFF00"/>
+                        </a:solidFill>
+                      </a:endParaRPr>
+                    </a:p>
+                  </a:txBody>
+                  <a:tcPr>
+                    <a:solidFill>
+                      <a:srgbClr val="000000">
+                        <a:alpha val="30196"/>
+                      </a:srgbClr>
+                    </a:solidFill>
+                  </a:tcPr>
+                </a:tc>
+                <a:extLst>
+                  <a:ext uri="{0D108BD9-81ED-4DB2-BD59-A6C34878D82A}">
+                    <a16:rowId xmlns:a16="http://schemas.microsoft.com/office/drawing/2014/main" val="10001"/>
+                  </a:ext>
+                </a:extLst>
+              </a:tr>
+              <a:tr h="423765">
+                <a:tc>
+                  <a:txBody>
+                    <a:bodyPr/>
+                    <a:lstStyle/>
+                    <a:p>
+                      <a:pPr algn="ctr"/>
+                      <a:endParaRPr lang="es-ES">
+                        <a:solidFill>
+                          <a:srgbClr val="FFFF00"/>
+                        </a:solidFill>
+                      </a:endParaRPr>
+                    </a:p>
+                  </a:txBody>
+                  <a:tcPr>
+                    <a:solidFill>
+                      <a:srgbClr val="000000">
+                        <a:alpha val="30196"/>
+                      </a:srgbClr>
+                    </a:solidFill>
+                  </a:tcPr>
+                </a:tc>
+                <a:tc>
+                  <a:txBody>
+                    <a:bodyPr/>
+                    <a:lstStyle/>
+                    <a:p>
+                      <a:pPr algn="ctr"/>
+                      <a:endParaRPr lang="es-ES" dirty="0">
+                        <a:solidFill>
+                          <a:srgbClr val="FFFF00"/>
+                        </a:solidFill>
+                      </a:endParaRPr>
+                    </a:p>
+                  </a:txBody>
+                  <a:tcPr>
+                    <a:solidFill>
+                      <a:srgbClr val="000000">
+                        <a:alpha val="30196"/>
+                      </a:srgbClr>
+                    </a:solidFill>
+                  </a:tcPr>
+                </a:tc>
+                <a:tc>
+                  <a:txBody>
+                    <a:bodyPr/>
+                    <a:lstStyle/>
+                    <a:p>
+                      <a:pPr algn="ctr"/>
+                      <a:endParaRPr lang="es-ES">
+                        <a:solidFill>
+                          <a:srgbClr val="FFFF00"/>
+                        </a:solidFill>
+                      </a:endParaRPr>
+                    </a:p>
+                  </a:txBody>
+                  <a:tcPr>
+                    <a:solidFill>
+                      <a:srgbClr val="000000">
+                        <a:alpha val="30196"/>
+                      </a:srgbClr>
+                    </a:solidFill>
+                  </a:tcPr>
+                </a:tc>
+                <a:extLst>
+                  <a:ext uri="{0D108BD9-81ED-4DB2-BD59-A6C34878D82A}">
+                    <a16:rowId xmlns:a16="http://schemas.microsoft.com/office/drawing/2014/main" val="10002"/>
+                  </a:ext>
+                </a:extLst>
+              </a:tr>
+              <a:tr h="423765">
+                <a:tc>
+                  <a:txBody>
+                    <a:bodyPr/>
+                    <a:lstStyle/>
+                    <a:p>
+                      <a:pPr algn="ctr"/>
+                      <a:endParaRPr lang="es-ES">
+                        <a:solidFill>
+                          <a:srgbClr val="FFFF00"/>
+                        </a:solidFill>
+                      </a:endParaRPr>
+                    </a:p>
+                  </a:txBody>
+                  <a:tcPr>
+                    <a:solidFill>
+                      <a:srgbClr val="000000">
+                        <a:alpha val="30196"/>
+                      </a:srgbClr>
+                    </a:solidFill>
+                  </a:tcPr>
+                </a:tc>
+                <a:tc>
+                  <a:txBody>
+                    <a:bodyPr/>
+                    <a:lstStyle/>
+                    <a:p>
+                      <a:pPr algn="ctr"/>
+                      <a:endParaRPr lang="es-ES">
+                        <a:solidFill>
+                          <a:srgbClr val="FFFF00"/>
+                        </a:solidFill>
+                      </a:endParaRPr>
+                    </a:p>
+                  </a:txBody>
+                  <a:tcPr>
+                    <a:solidFill>
+                      <a:srgbClr val="000000">
+                        <a:alpha val="30196"/>
+                      </a:srgbClr>
+                    </a:solidFill>
+                  </a:tcPr>
+                </a:tc>
+                <a:tc>
+                  <a:txBody>
+                    <a:bodyPr/>
+                    <a:lstStyle/>
+                    <a:p>
+                      <a:pPr algn="ctr"/>
+                      <a:endParaRPr lang="es-ES">
+                        <a:solidFill>
+                          <a:srgbClr val="FFFF00"/>
+                        </a:solidFill>
+                      </a:endParaRPr>
+                    </a:p>
+                  </a:txBody>
+                  <a:tcPr>
+                    <a:solidFill>
+                      <a:srgbClr val="000000">
+                        <a:alpha val="30196"/>
+                      </a:srgbClr>
+                    </a:solidFill>
+                  </a:tcPr>
+                </a:tc>
+                <a:extLst>
+                  <a:ext uri="{0D108BD9-81ED-4DB2-BD59-A6C34878D82A}">
+                    <a16:rowId xmlns:a16="http://schemas.microsoft.com/office/drawing/2014/main" val="10003"/>
+                  </a:ext>
+                </a:extLst>
+              </a:tr>
+              <a:tr h="423765">
+                <a:tc>
+                  <a:txBody>
+                    <a:bodyPr/>
+                    <a:lstStyle/>
+                    <a:p>
+                      <a:pPr algn="ctr"/>
+                      <a:endParaRPr lang="es-ES" dirty="0">
+                        <a:solidFill>
+                          <a:srgbClr val="FFFF00"/>
+                        </a:solidFill>
+                      </a:endParaRPr>
+                    </a:p>
+                  </a:txBody>
+                  <a:tcPr>
+                    <a:solidFill>
+                      <a:srgbClr val="000000">
+                        <a:alpha val="30196"/>
+                      </a:srgbClr>
+                    </a:solidFill>
+                  </a:tcPr>
+                </a:tc>
+                <a:tc>
+                  <a:txBody>
+                    <a:bodyPr/>
+                    <a:lstStyle/>
+                    <a:p>
+                      <a:pPr algn="ctr"/>
+                      <a:endParaRPr lang="es-ES">
+                        <a:solidFill>
+                          <a:srgbClr val="FFFF00"/>
+                        </a:solidFill>
+                      </a:endParaRPr>
+                    </a:p>
+                  </a:txBody>
+                  <a:tcPr>
+                    <a:solidFill>
+                      <a:srgbClr val="000000">
+                        <a:alpha val="30196"/>
+                      </a:srgbClr>
+                    </a:solidFill>
+                  </a:tcPr>
+                </a:tc>
+                <a:tc>
+                  <a:txBody>
+                    <a:bodyPr/>
+                    <a:lstStyle/>
+                    <a:p>
+                      <a:pPr algn="ctr"/>
+                      <a:endParaRPr lang="es-ES" dirty="0">
+                        <a:solidFill>
+                          <a:srgbClr val="FFFF00"/>
+                        </a:solidFill>
+                      </a:endParaRPr>
+                    </a:p>
+                  </a:txBody>
+                  <a:tcPr>
+                    <a:solidFill>
+                      <a:srgbClr val="000000">
+                        <a:alpha val="30196"/>
+                      </a:srgbClr>
+                    </a:solidFill>
+                  </a:tcPr>
+                </a:tc>
+                <a:extLst>
+                  <a:ext uri="{0D108BD9-81ED-4DB2-BD59-A6C34878D82A}">
+                    <a16:rowId xmlns:a16="http://schemas.microsoft.com/office/drawing/2014/main" val="10004"/>
+                  </a:ext>
+                </a:extLst>
+              </a:tr>
+              <a:tr h="423765">
+                <a:tc>
+                  <a:txBody>
+                    <a:bodyPr/>
+                    <a:lstStyle/>
+                    <a:p>
+                      <a:pPr algn="ctr"/>
+                      <a:endParaRPr lang="es-ES" dirty="0">
+                        <a:solidFill>
+                          <a:srgbClr val="FFFF00"/>
+                        </a:solidFill>
+                      </a:endParaRPr>
+                    </a:p>
+                  </a:txBody>
+                  <a:tcPr>
+                    <a:solidFill>
+                      <a:srgbClr val="000000">
+                        <a:alpha val="30196"/>
+                      </a:srgbClr>
+                    </a:solidFill>
+                  </a:tcPr>
+                </a:tc>
+                <a:tc>
+                  <a:txBody>
+                    <a:bodyPr/>
+                    <a:lstStyle/>
+                    <a:p>
+                      <a:pPr algn="ctr"/>
+                      <a:r>
+                        <a:rPr lang="es-ES" dirty="0">
+                          <a:solidFill>
+                            <a:srgbClr val="FFFF00"/>
+                          </a:solidFill>
+                        </a:rPr>
+                        <a:t>1</a:t>
+                      </a:r>
+                    </a:p>
+                  </a:txBody>
+                  <a:tcPr>
+                    <a:solidFill>
+                      <a:srgbClr val="000000">
+                        <a:alpha val="30196"/>
+                      </a:srgbClr>
+                    </a:solidFill>
+                  </a:tcPr>
+                </a:tc>
+                <a:tc>
+                  <a:txBody>
+                    <a:bodyPr/>
+                    <a:lstStyle/>
+                    <a:p>
+                      <a:pPr algn="ctr"/>
+                      <a:endParaRPr lang="es-ES" dirty="0">
+                        <a:solidFill>
+                          <a:srgbClr val="FFFF00"/>
+                        </a:solidFill>
+                      </a:endParaRPr>
+                    </a:p>
+                  </a:txBody>
+                  <a:tcPr>
+                    <a:solidFill>
+                      <a:srgbClr val="000000">
+                        <a:alpha val="30196"/>
+                      </a:srgbClr>
+                    </a:solidFill>
+                  </a:tcPr>
+                </a:tc>
+                <a:extLst>
+                  <a:ext uri="{0D108BD9-81ED-4DB2-BD59-A6C34878D82A}">
+                    <a16:rowId xmlns:a16="http://schemas.microsoft.com/office/drawing/2014/main" val="10005"/>
+                  </a:ext>
+                </a:extLst>
+              </a:tr>
+              <a:tr h="423765">
+                <a:tc>
+                  <a:txBody>
+                    <a:bodyPr/>
+                    <a:lstStyle/>
+                    <a:p>
+                      <a:pPr algn="ctr"/>
+                      <a:endParaRPr lang="es-ES">
+                        <a:solidFill>
+                          <a:srgbClr val="FFFF00"/>
+                        </a:solidFill>
+                      </a:endParaRPr>
+                    </a:p>
+                  </a:txBody>
+                  <a:tcPr>
+                    <a:solidFill>
+                      <a:srgbClr val="000000">
+                        <a:alpha val="30196"/>
+                      </a:srgbClr>
+                    </a:solidFill>
+                  </a:tcPr>
+                </a:tc>
+                <a:tc>
+                  <a:txBody>
+                    <a:bodyPr/>
+                    <a:lstStyle/>
+                    <a:p>
+                      <a:pPr algn="ctr"/>
+                      <a:endParaRPr lang="es-ES">
+                        <a:solidFill>
+                          <a:srgbClr val="FFFF00"/>
+                        </a:solidFill>
+                      </a:endParaRPr>
+                    </a:p>
+                  </a:txBody>
+                  <a:tcPr>
+                    <a:solidFill>
+                      <a:srgbClr val="000000">
+                        <a:alpha val="30196"/>
+                      </a:srgbClr>
+                    </a:solidFill>
+                  </a:tcPr>
+                </a:tc>
+                <a:tc>
+                  <a:txBody>
+                    <a:bodyPr/>
+                    <a:lstStyle/>
+                    <a:p>
+                      <a:pPr algn="ctr"/>
+                      <a:endParaRPr lang="es-ES">
+                        <a:solidFill>
+                          <a:srgbClr val="FFFF00"/>
+                        </a:solidFill>
+                      </a:endParaRPr>
+                    </a:p>
+                  </a:txBody>
+                  <a:tcPr>
+                    <a:solidFill>
+                      <a:srgbClr val="000000">
+                        <a:alpha val="30196"/>
+                      </a:srgbClr>
+                    </a:solidFill>
+                  </a:tcPr>
+                </a:tc>
+                <a:extLst>
+                  <a:ext uri="{0D108BD9-81ED-4DB2-BD59-A6C34878D82A}">
+                    <a16:rowId xmlns:a16="http://schemas.microsoft.com/office/drawing/2014/main" val="10006"/>
+                  </a:ext>
+                </a:extLst>
+              </a:tr>
+              <a:tr h="423765">
+                <a:tc>
+                  <a:txBody>
+                    <a:bodyPr/>
+                    <a:lstStyle/>
+                    <a:p>
+                      <a:pPr algn="ctr"/>
+                      <a:endParaRPr lang="es-ES" dirty="0">
+                        <a:solidFill>
+                          <a:srgbClr val="FFFF00"/>
+                        </a:solidFill>
+                      </a:endParaRPr>
+                    </a:p>
+                  </a:txBody>
+                  <a:tcPr>
+                    <a:solidFill>
+                      <a:srgbClr val="000000">
+                        <a:alpha val="30196"/>
+                      </a:srgbClr>
+                    </a:solidFill>
+                  </a:tcPr>
+                </a:tc>
+                <a:tc>
+                  <a:txBody>
+                    <a:bodyPr/>
+                    <a:lstStyle/>
+                    <a:p>
+                      <a:pPr algn="ctr"/>
+                      <a:endParaRPr lang="es-ES" dirty="0">
+                        <a:solidFill>
+                          <a:srgbClr val="FFFF00"/>
+                        </a:solidFill>
+                      </a:endParaRPr>
+                    </a:p>
+                  </a:txBody>
+                  <a:tcPr>
+                    <a:solidFill>
+                      <a:srgbClr val="000000">
+                        <a:alpha val="30196"/>
+                      </a:srgbClr>
+                    </a:solidFill>
+                  </a:tcPr>
+                </a:tc>
+                <a:tc>
+                  <a:txBody>
+                    <a:bodyPr/>
+                    <a:lstStyle/>
+                    <a:p>
+                      <a:pPr algn="ctr"/>
+                      <a:endParaRPr lang="es-ES" dirty="0">
+                        <a:solidFill>
+                          <a:srgbClr val="FFFF00"/>
+                        </a:solidFill>
+                      </a:endParaRPr>
+                    </a:p>
+                  </a:txBody>
+                  <a:tcPr>
+                    <a:solidFill>
+                      <a:srgbClr val="000000">
+                        <a:alpha val="30196"/>
+                      </a:srgbClr>
+                    </a:solidFill>
+                  </a:tcPr>
+                </a:tc>
+                <a:extLst>
+                  <a:ext uri="{0D108BD9-81ED-4DB2-BD59-A6C34878D82A}">
+                    <a16:rowId xmlns:a16="http://schemas.microsoft.com/office/drawing/2014/main" val="10007"/>
+                  </a:ext>
+                </a:extLst>
+              </a:tr>
+              <a:tr h="423765">
+                <a:tc>
+                  <a:txBody>
+                    <a:bodyPr/>
+                    <a:lstStyle/>
+                    <a:p>
+                      <a:pPr algn="ctr"/>
+                      <a:endParaRPr lang="es-ES">
+                        <a:solidFill>
+                          <a:srgbClr val="FFFF00"/>
+                        </a:solidFill>
+                      </a:endParaRPr>
+                    </a:p>
+                  </a:txBody>
+                  <a:tcPr>
+                    <a:solidFill>
+                      <a:srgbClr val="000000">
+                        <a:alpha val="30196"/>
+                      </a:srgbClr>
+                    </a:solidFill>
+                  </a:tcPr>
+                </a:tc>
+                <a:tc>
+                  <a:txBody>
+                    <a:bodyPr/>
+                    <a:lstStyle/>
+                    <a:p>
+                      <a:pPr algn="ctr"/>
+                      <a:endParaRPr lang="es-ES" dirty="0">
+                        <a:solidFill>
+                          <a:srgbClr val="FFFF00"/>
+                        </a:solidFill>
+                      </a:endParaRPr>
+                    </a:p>
+                  </a:txBody>
+                  <a:tcPr>
+                    <a:solidFill>
+                      <a:srgbClr val="000000">
+                        <a:alpha val="30196"/>
+                      </a:srgbClr>
+                    </a:solidFill>
+                  </a:tcPr>
+                </a:tc>
+                <a:tc>
+                  <a:txBody>
+                    <a:bodyPr/>
+                    <a:lstStyle/>
+                    <a:p>
+                      <a:pPr algn="ctr"/>
+                      <a:endParaRPr lang="es-ES">
+                        <a:solidFill>
+                          <a:srgbClr val="FFFF00"/>
+                        </a:solidFill>
+                      </a:endParaRPr>
+                    </a:p>
+                  </a:txBody>
+                  <a:tcPr>
+                    <a:solidFill>
+                      <a:srgbClr val="000000">
+                        <a:alpha val="30196"/>
+                      </a:srgbClr>
+                    </a:solidFill>
+                  </a:tcPr>
+                </a:tc>
+                <a:extLst>
+                  <a:ext uri="{0D108BD9-81ED-4DB2-BD59-A6C34878D82A}">
+                    <a16:rowId xmlns:a16="http://schemas.microsoft.com/office/drawing/2014/main" val="10008"/>
+                  </a:ext>
+                </a:extLst>
+              </a:tr>
+              <a:tr h="423765">
+                <a:tc>
+                  <a:txBody>
+                    <a:bodyPr/>
+                    <a:lstStyle/>
+                    <a:p>
+                      <a:pPr algn="ctr"/>
+                      <a:endParaRPr lang="es-ES" dirty="0">
+                        <a:solidFill>
+                          <a:srgbClr val="FFFF00"/>
+                        </a:solidFill>
+                      </a:endParaRPr>
+                    </a:p>
+                  </a:txBody>
+                  <a:tcPr>
+                    <a:solidFill>
+                      <a:srgbClr val="000000">
+                        <a:alpha val="30196"/>
+                      </a:srgbClr>
+                    </a:solidFill>
+                  </a:tcPr>
+                </a:tc>
+                <a:tc>
+                  <a:txBody>
+                    <a:bodyPr/>
+                    <a:lstStyle/>
+                    <a:p>
+                      <a:pPr algn="ctr"/>
+                      <a:endParaRPr lang="es-ES" dirty="0">
+                        <a:solidFill>
+                          <a:srgbClr val="FFFF00"/>
+                        </a:solidFill>
+                      </a:endParaRPr>
+                    </a:p>
+                  </a:txBody>
+                  <a:tcPr>
+                    <a:solidFill>
+                      <a:srgbClr val="000000">
+                        <a:alpha val="30196"/>
+                      </a:srgbClr>
+                    </a:solidFill>
+                  </a:tcPr>
+                </a:tc>
+                <a:tc>
+                  <a:txBody>
+                    <a:bodyPr/>
+                    <a:lstStyle/>
+                    <a:p>
+                      <a:pPr algn="ctr"/>
+                      <a:endParaRPr lang="es-ES">
+                        <a:solidFill>
+                          <a:srgbClr val="FFFF00"/>
+                        </a:solidFill>
+                      </a:endParaRPr>
+                    </a:p>
+                  </a:txBody>
+                  <a:tcPr>
+                    <a:solidFill>
+                      <a:srgbClr val="000000">
+                        <a:alpha val="30196"/>
+                      </a:srgbClr>
+                    </a:solidFill>
+                  </a:tcPr>
+                </a:tc>
+                <a:extLst>
+                  <a:ext uri="{0D108BD9-81ED-4DB2-BD59-A6C34878D82A}">
+                    <a16:rowId xmlns:a16="http://schemas.microsoft.com/office/drawing/2014/main" val="10009"/>
+                  </a:ext>
+                </a:extLst>
+              </a:tr>
+              <a:tr h="423765">
+                <a:tc>
+                  <a:txBody>
+                    <a:bodyPr/>
+                    <a:lstStyle/>
+                    <a:p>
+                      <a:pPr algn="ctr"/>
+                      <a:endParaRPr lang="es-ES" dirty="0">
+                        <a:solidFill>
+                          <a:srgbClr val="FFFF00"/>
+                        </a:solidFill>
+                      </a:endParaRPr>
+                    </a:p>
+                  </a:txBody>
+                  <a:tcPr>
+                    <a:solidFill>
+                      <a:srgbClr val="000000">
+                        <a:alpha val="30196"/>
+                      </a:srgbClr>
+                    </a:solidFill>
+                  </a:tcPr>
+                </a:tc>
+                <a:tc>
+                  <a:txBody>
+                    <a:bodyPr/>
+                    <a:lstStyle/>
+                    <a:p>
+                      <a:pPr algn="ctr"/>
+                      <a:endParaRPr lang="es-ES">
+                        <a:solidFill>
+                          <a:srgbClr val="FFFF00"/>
+                        </a:solidFill>
+                      </a:endParaRPr>
+                    </a:p>
+                  </a:txBody>
+                  <a:tcPr>
+                    <a:solidFill>
+                      <a:srgbClr val="000000">
+                        <a:alpha val="30196"/>
+                      </a:srgbClr>
+                    </a:solidFill>
+                  </a:tcPr>
+                </a:tc>
+                <a:tc>
+                  <a:txBody>
+                    <a:bodyPr/>
+                    <a:lstStyle/>
+                    <a:p>
+                      <a:pPr algn="ctr"/>
+                      <a:endParaRPr lang="es-ES" dirty="0">
+                        <a:solidFill>
+                          <a:srgbClr val="FFFF00"/>
+                        </a:solidFill>
+                      </a:endParaRPr>
+                    </a:p>
+                  </a:txBody>
+                  <a:tcPr>
+                    <a:solidFill>
+                      <a:srgbClr val="000000">
+                        <a:alpha val="30196"/>
+                      </a:srgbClr>
+                    </a:solidFill>
+                  </a:tcPr>
+                </a:tc>
+                <a:extLst>
+                  <a:ext uri="{0D108BD9-81ED-4DB2-BD59-A6C34878D82A}">
+                    <a16:rowId xmlns:a16="http://schemas.microsoft.com/office/drawing/2014/main" val="10010"/>
+                  </a:ext>
+                </a:extLst>
+              </a:tr>
+              <a:tr h="423765">
+                <a:tc>
+                  <a:txBody>
+                    <a:bodyPr/>
+                    <a:lstStyle/>
+                    <a:p>
+                      <a:pPr algn="ctr"/>
+                      <a:endParaRPr lang="es-ES" dirty="0">
+                        <a:solidFill>
+                          <a:srgbClr val="FFFF00"/>
+                        </a:solidFill>
+                      </a:endParaRPr>
+                    </a:p>
+                  </a:txBody>
+                  <a:tcPr>
+                    <a:solidFill>
+                      <a:srgbClr val="000000">
+                        <a:alpha val="30196"/>
+                      </a:srgbClr>
+                    </a:solidFill>
+                  </a:tcPr>
+                </a:tc>
+                <a:tc>
+                  <a:txBody>
+                    <a:bodyPr/>
+                    <a:lstStyle/>
+                    <a:p>
+                      <a:pPr algn="ctr"/>
+                      <a:endParaRPr lang="es-ES">
+                        <a:solidFill>
+                          <a:srgbClr val="FFFF00"/>
+                        </a:solidFill>
+                      </a:endParaRPr>
+                    </a:p>
+                  </a:txBody>
+                  <a:tcPr>
+                    <a:solidFill>
+                      <a:srgbClr val="000000">
+                        <a:alpha val="30196"/>
+                      </a:srgbClr>
+                    </a:solidFill>
+                  </a:tcPr>
+                </a:tc>
+                <a:tc>
+                  <a:txBody>
+                    <a:bodyPr/>
+                    <a:lstStyle/>
+                    <a:p>
+                      <a:pPr algn="ctr"/>
+                      <a:endParaRPr lang="es-ES" dirty="0">
+                        <a:solidFill>
+                          <a:srgbClr val="FFFF00"/>
+                        </a:solidFill>
+                      </a:endParaRPr>
+                    </a:p>
+                  </a:txBody>
+                  <a:tcPr>
+                    <a:solidFill>
+                      <a:srgbClr val="000000">
+                        <a:alpha val="30196"/>
+                      </a:srgbClr>
+                    </a:solidFill>
+                  </a:tcPr>
+                </a:tc>
+                <a:extLst>
+                  <a:ext uri="{0D108BD9-81ED-4DB2-BD59-A6C34878D82A}">
+                    <a16:rowId xmlns:a16="http://schemas.microsoft.com/office/drawing/2014/main" val="10011"/>
+                  </a:ext>
+                </a:extLst>
+              </a:tr>
+            </a:tbl>
+          </a:graphicData>
+        </a:graphic>
+      </p:graphicFrame>
+      <p:graphicFrame>
+        <p:nvGraphicFramePr>
+          <p:cNvPr id="9" name="Taula 12">
+            <a:extLst>
+              <a:ext uri="{FF2B5EF4-FFF2-40B4-BE49-F238E27FC236}">
+                <a16:creationId xmlns:a16="http://schemas.microsoft.com/office/drawing/2014/main" id="{6DE6668F-403C-44AA-ABE9-F64D62A4FFFC}"/>
+              </a:ext>
+            </a:extLst>
+          </p:cNvPr>
+          <p:cNvGraphicFramePr>
+            <a:graphicFrameLocks noGrp="1"/>
+          </p:cNvGraphicFramePr>
+          <p:nvPr>
+            <p:extLst>
+              <p:ext uri="{D42A27DB-BD31-4B8C-83A1-F6EECF244321}">
+                <p14:modId xmlns:p14="http://schemas.microsoft.com/office/powerpoint/2010/main" val="2452896489"/>
+              </p:ext>
+            </p:extLst>
+          </p:nvPr>
+        </p:nvGraphicFramePr>
+        <p:xfrm>
+          <a:off x="-20054736" y="1304766"/>
+          <a:ext cx="2952327" cy="5085180"/>
+        </p:xfrm>
+        <a:graphic>
+          <a:graphicData uri="http://schemas.openxmlformats.org/drawingml/2006/table">
+            <a:tbl>
+              <a:tblPr firstRow="1" bandRow="1">
+                <a:tableStyleId>{5C22544A-7EE6-4342-B048-85BDC9FD1C3A}</a:tableStyleId>
+              </a:tblPr>
+              <a:tblGrid>
+                <a:gridCol w="984109">
+                  <a:extLst>
+                    <a:ext uri="{9D8B030D-6E8A-4147-A177-3AD203B41FA5}">
+                      <a16:colId xmlns:a16="http://schemas.microsoft.com/office/drawing/2014/main" val="20000"/>
+                    </a:ext>
+                  </a:extLst>
+                </a:gridCol>
+                <a:gridCol w="984109">
+                  <a:extLst>
+                    <a:ext uri="{9D8B030D-6E8A-4147-A177-3AD203B41FA5}">
+                      <a16:colId xmlns:a16="http://schemas.microsoft.com/office/drawing/2014/main" val="20001"/>
+                    </a:ext>
+                  </a:extLst>
+                </a:gridCol>
+                <a:gridCol w="984109">
+                  <a:extLst>
+                    <a:ext uri="{9D8B030D-6E8A-4147-A177-3AD203B41FA5}">
+                      <a16:colId xmlns:a16="http://schemas.microsoft.com/office/drawing/2014/main" val="20002"/>
+                    </a:ext>
+                  </a:extLst>
+                </a:gridCol>
+              </a:tblGrid>
+              <a:tr h="423765">
+                <a:tc>
+                  <a:txBody>
+                    <a:bodyPr/>
+                    <a:lstStyle/>
+                    <a:p>
+                      <a:pPr algn="ctr"/>
+                      <a:endParaRPr lang="es-ES" dirty="0">
+                        <a:solidFill>
+                          <a:srgbClr val="FFFF00"/>
+                        </a:solidFill>
+                      </a:endParaRPr>
+                    </a:p>
+                  </a:txBody>
+                  <a:tcPr>
+                    <a:solidFill>
+                      <a:srgbClr val="000000">
+                        <a:alpha val="30196"/>
+                      </a:srgbClr>
+                    </a:solidFill>
+                  </a:tcPr>
+                </a:tc>
+                <a:tc>
+                  <a:txBody>
+                    <a:bodyPr/>
+                    <a:lstStyle/>
+                    <a:p>
+                      <a:pPr algn="ctr"/>
+                      <a:r>
+                        <a:rPr lang="es-ES" dirty="0">
+                          <a:solidFill>
+                            <a:srgbClr val="FFFF00"/>
+                          </a:solidFill>
+                        </a:rPr>
+                        <a:t>1</a:t>
+                      </a:r>
+                    </a:p>
+                  </a:txBody>
+                  <a:tcPr>
+                    <a:solidFill>
+                      <a:srgbClr val="000000">
+                        <a:alpha val="30196"/>
+                      </a:srgbClr>
+                    </a:solidFill>
+                  </a:tcPr>
+                </a:tc>
+                <a:tc>
+                  <a:txBody>
+                    <a:bodyPr/>
+                    <a:lstStyle/>
+                    <a:p>
+                      <a:pPr algn="ctr"/>
+                      <a:endParaRPr lang="es-ES" dirty="0">
+                        <a:solidFill>
+                          <a:srgbClr val="FFFF00"/>
+                        </a:solidFill>
+                      </a:endParaRPr>
+                    </a:p>
+                  </a:txBody>
+                  <a:tcPr>
+                    <a:solidFill>
+                      <a:srgbClr val="000000">
+                        <a:alpha val="30196"/>
+                      </a:srgbClr>
+                    </a:solidFill>
+                  </a:tcPr>
+                </a:tc>
+                <a:extLst>
+                  <a:ext uri="{0D108BD9-81ED-4DB2-BD59-A6C34878D82A}">
+                    <a16:rowId xmlns:a16="http://schemas.microsoft.com/office/drawing/2014/main" val="10000"/>
+                  </a:ext>
+                </a:extLst>
+              </a:tr>
+              <a:tr h="423765">
+                <a:tc>
+                  <a:txBody>
+                    <a:bodyPr/>
+                    <a:lstStyle/>
+                    <a:p>
+                      <a:pPr algn="ctr"/>
+                      <a:endParaRPr lang="es-ES">
+                        <a:solidFill>
+                          <a:srgbClr val="FFFF00"/>
+                        </a:solidFill>
+                      </a:endParaRPr>
+                    </a:p>
+                  </a:txBody>
+                  <a:tcPr>
+                    <a:solidFill>
+                      <a:srgbClr val="000000">
+                        <a:alpha val="30196"/>
+                      </a:srgbClr>
+                    </a:solidFill>
+                  </a:tcPr>
+                </a:tc>
+                <a:tc>
+                  <a:txBody>
+                    <a:bodyPr/>
+                    <a:lstStyle/>
+                    <a:p>
+                      <a:pPr algn="ctr"/>
+                      <a:endParaRPr lang="es-ES">
+                        <a:solidFill>
+                          <a:srgbClr val="FFFF00"/>
+                        </a:solidFill>
+                      </a:endParaRPr>
+                    </a:p>
+                  </a:txBody>
+                  <a:tcPr>
+                    <a:solidFill>
+                      <a:srgbClr val="000000">
+                        <a:alpha val="30196"/>
+                      </a:srgbClr>
+                    </a:solidFill>
+                  </a:tcPr>
+                </a:tc>
+                <a:tc>
+                  <a:txBody>
+                    <a:bodyPr/>
+                    <a:lstStyle/>
+                    <a:p>
+                      <a:pPr algn="ctr"/>
+                      <a:endParaRPr lang="es-ES">
+                        <a:solidFill>
+                          <a:srgbClr val="FFFF00"/>
+                        </a:solidFill>
+                      </a:endParaRPr>
+                    </a:p>
+                  </a:txBody>
+                  <a:tcPr>
+                    <a:solidFill>
+                      <a:srgbClr val="000000">
+                        <a:alpha val="30196"/>
+                      </a:srgbClr>
+                    </a:solidFill>
+                  </a:tcPr>
+                </a:tc>
+                <a:extLst>
+                  <a:ext uri="{0D108BD9-81ED-4DB2-BD59-A6C34878D82A}">
+                    <a16:rowId xmlns:a16="http://schemas.microsoft.com/office/drawing/2014/main" val="10001"/>
+                  </a:ext>
+                </a:extLst>
+              </a:tr>
+              <a:tr h="423765">
+                <a:tc>
+                  <a:txBody>
+                    <a:bodyPr/>
+                    <a:lstStyle/>
+                    <a:p>
+                      <a:pPr algn="ctr"/>
+                      <a:endParaRPr lang="es-ES">
+                        <a:solidFill>
+                          <a:srgbClr val="FFFF00"/>
+                        </a:solidFill>
+                      </a:endParaRPr>
+                    </a:p>
+                  </a:txBody>
+                  <a:tcPr>
+                    <a:solidFill>
+                      <a:srgbClr val="000000">
+                        <a:alpha val="30196"/>
+                      </a:srgbClr>
+                    </a:solidFill>
+                  </a:tcPr>
+                </a:tc>
+                <a:tc>
+                  <a:txBody>
+                    <a:bodyPr/>
+                    <a:lstStyle/>
+                    <a:p>
+                      <a:pPr algn="ctr"/>
+                      <a:endParaRPr lang="es-ES" dirty="0">
+                        <a:solidFill>
+                          <a:srgbClr val="FFFF00"/>
+                        </a:solidFill>
+                      </a:endParaRPr>
+                    </a:p>
+                  </a:txBody>
+                  <a:tcPr>
+                    <a:solidFill>
+                      <a:srgbClr val="000000">
+                        <a:alpha val="30196"/>
+                      </a:srgbClr>
+                    </a:solidFill>
+                  </a:tcPr>
+                </a:tc>
+                <a:tc>
+                  <a:txBody>
+                    <a:bodyPr/>
+                    <a:lstStyle/>
+                    <a:p>
+                      <a:pPr algn="ctr"/>
+                      <a:endParaRPr lang="es-ES">
+                        <a:solidFill>
+                          <a:srgbClr val="FFFF00"/>
+                        </a:solidFill>
+                      </a:endParaRPr>
+                    </a:p>
+                  </a:txBody>
+                  <a:tcPr>
+                    <a:solidFill>
+                      <a:srgbClr val="000000">
+                        <a:alpha val="30196"/>
+                      </a:srgbClr>
+                    </a:solidFill>
+                  </a:tcPr>
+                </a:tc>
+                <a:extLst>
+                  <a:ext uri="{0D108BD9-81ED-4DB2-BD59-A6C34878D82A}">
+                    <a16:rowId xmlns:a16="http://schemas.microsoft.com/office/drawing/2014/main" val="10002"/>
+                  </a:ext>
+                </a:extLst>
+              </a:tr>
+              <a:tr h="423765">
+                <a:tc>
+                  <a:txBody>
+                    <a:bodyPr/>
+                    <a:lstStyle/>
+                    <a:p>
+                      <a:pPr algn="ctr"/>
+                      <a:endParaRPr lang="es-ES">
+                        <a:solidFill>
+                          <a:srgbClr val="FFFF00"/>
+                        </a:solidFill>
+                      </a:endParaRPr>
+                    </a:p>
+                  </a:txBody>
+                  <a:tcPr>
+                    <a:solidFill>
+                      <a:srgbClr val="000000">
+                        <a:alpha val="30196"/>
+                      </a:srgbClr>
+                    </a:solidFill>
+                  </a:tcPr>
+                </a:tc>
+                <a:tc>
+                  <a:txBody>
+                    <a:bodyPr/>
+                    <a:lstStyle/>
+                    <a:p>
+                      <a:pPr algn="ctr"/>
+                      <a:endParaRPr lang="es-ES">
+                        <a:solidFill>
+                          <a:srgbClr val="FFFF00"/>
+                        </a:solidFill>
+                      </a:endParaRPr>
+                    </a:p>
+                  </a:txBody>
+                  <a:tcPr>
+                    <a:solidFill>
+                      <a:srgbClr val="000000">
+                        <a:alpha val="30196"/>
+                      </a:srgbClr>
+                    </a:solidFill>
+                  </a:tcPr>
+                </a:tc>
+                <a:tc>
+                  <a:txBody>
+                    <a:bodyPr/>
+                    <a:lstStyle/>
+                    <a:p>
+                      <a:pPr algn="ctr"/>
+                      <a:endParaRPr lang="es-ES">
+                        <a:solidFill>
+                          <a:srgbClr val="FFFF00"/>
+                        </a:solidFill>
+                      </a:endParaRPr>
+                    </a:p>
+                  </a:txBody>
+                  <a:tcPr>
+                    <a:solidFill>
+                      <a:srgbClr val="000000">
+                        <a:alpha val="30196"/>
+                      </a:srgbClr>
+                    </a:solidFill>
+                  </a:tcPr>
+                </a:tc>
+                <a:extLst>
+                  <a:ext uri="{0D108BD9-81ED-4DB2-BD59-A6C34878D82A}">
+                    <a16:rowId xmlns:a16="http://schemas.microsoft.com/office/drawing/2014/main" val="10003"/>
+                  </a:ext>
+                </a:extLst>
+              </a:tr>
+              <a:tr h="423765">
+                <a:tc>
+                  <a:txBody>
+                    <a:bodyPr/>
+                    <a:lstStyle/>
+                    <a:p>
+                      <a:pPr algn="ctr"/>
+                      <a:endParaRPr lang="es-ES" dirty="0">
+                        <a:solidFill>
+                          <a:srgbClr val="FFFF00"/>
+                        </a:solidFill>
+                      </a:endParaRPr>
+                    </a:p>
+                  </a:txBody>
+                  <a:tcPr>
+                    <a:solidFill>
+                      <a:srgbClr val="000000">
+                        <a:alpha val="30196"/>
+                      </a:srgbClr>
+                    </a:solidFill>
+                  </a:tcPr>
+                </a:tc>
+                <a:tc>
+                  <a:txBody>
+                    <a:bodyPr/>
+                    <a:lstStyle/>
+                    <a:p>
+                      <a:pPr algn="ctr"/>
+                      <a:endParaRPr lang="es-ES">
+                        <a:solidFill>
+                          <a:srgbClr val="FFFF00"/>
+                        </a:solidFill>
+                      </a:endParaRPr>
+                    </a:p>
+                  </a:txBody>
+                  <a:tcPr>
+                    <a:solidFill>
+                      <a:srgbClr val="000000">
+                        <a:alpha val="30196"/>
+                      </a:srgbClr>
+                    </a:solidFill>
+                  </a:tcPr>
+                </a:tc>
+                <a:tc>
+                  <a:txBody>
+                    <a:bodyPr/>
+                    <a:lstStyle/>
+                    <a:p>
+                      <a:pPr algn="ctr"/>
+                      <a:endParaRPr lang="es-ES" dirty="0">
+                        <a:solidFill>
+                          <a:srgbClr val="FFFF00"/>
+                        </a:solidFill>
+                      </a:endParaRPr>
+                    </a:p>
+                  </a:txBody>
+                  <a:tcPr>
+                    <a:solidFill>
+                      <a:srgbClr val="000000">
+                        <a:alpha val="30196"/>
+                      </a:srgbClr>
+                    </a:solidFill>
+                  </a:tcPr>
+                </a:tc>
+                <a:extLst>
+                  <a:ext uri="{0D108BD9-81ED-4DB2-BD59-A6C34878D82A}">
+                    <a16:rowId xmlns:a16="http://schemas.microsoft.com/office/drawing/2014/main" val="10004"/>
+                  </a:ext>
+                </a:extLst>
+              </a:tr>
+              <a:tr h="423765">
+                <a:tc>
+                  <a:txBody>
+                    <a:bodyPr/>
+                    <a:lstStyle/>
+                    <a:p>
+                      <a:pPr algn="ctr"/>
+                      <a:endParaRPr lang="es-ES" dirty="0">
+                        <a:solidFill>
+                          <a:srgbClr val="FFFF00"/>
+                        </a:solidFill>
+                      </a:endParaRPr>
+                    </a:p>
+                  </a:txBody>
+                  <a:tcPr>
+                    <a:solidFill>
+                      <a:srgbClr val="000000">
+                        <a:alpha val="30196"/>
+                      </a:srgbClr>
+                    </a:solidFill>
+                  </a:tcPr>
+                </a:tc>
+                <a:tc>
+                  <a:txBody>
+                    <a:bodyPr/>
+                    <a:lstStyle/>
+                    <a:p>
+                      <a:pPr algn="ctr"/>
+                      <a:endParaRPr lang="es-ES" dirty="0">
+                        <a:solidFill>
+                          <a:srgbClr val="FFFF00"/>
+                        </a:solidFill>
+                      </a:endParaRPr>
+                    </a:p>
+                  </a:txBody>
+                  <a:tcPr>
+                    <a:solidFill>
+                      <a:srgbClr val="000000">
+                        <a:alpha val="30196"/>
+                      </a:srgbClr>
+                    </a:solidFill>
+                  </a:tcPr>
+                </a:tc>
+                <a:tc>
+                  <a:txBody>
+                    <a:bodyPr/>
+                    <a:lstStyle/>
+                    <a:p>
+                      <a:pPr algn="ctr"/>
+                      <a:endParaRPr lang="es-ES" dirty="0">
+                        <a:solidFill>
+                          <a:srgbClr val="FFFF00"/>
+                        </a:solidFill>
+                      </a:endParaRPr>
+                    </a:p>
+                  </a:txBody>
+                  <a:tcPr>
+                    <a:solidFill>
+                      <a:srgbClr val="000000">
+                        <a:alpha val="30196"/>
+                      </a:srgbClr>
+                    </a:solidFill>
+                  </a:tcPr>
+                </a:tc>
+                <a:extLst>
+                  <a:ext uri="{0D108BD9-81ED-4DB2-BD59-A6C34878D82A}">
+                    <a16:rowId xmlns:a16="http://schemas.microsoft.com/office/drawing/2014/main" val="10005"/>
+                  </a:ext>
+                </a:extLst>
+              </a:tr>
+              <a:tr h="423765">
+                <a:tc>
+                  <a:txBody>
+                    <a:bodyPr/>
+                    <a:lstStyle/>
+                    <a:p>
+                      <a:pPr algn="ctr"/>
+                      <a:endParaRPr lang="es-ES">
+                        <a:solidFill>
+                          <a:srgbClr val="FFFF00"/>
+                        </a:solidFill>
+                      </a:endParaRPr>
+                    </a:p>
+                  </a:txBody>
+                  <a:tcPr>
+                    <a:solidFill>
+                      <a:srgbClr val="000000">
+                        <a:alpha val="30196"/>
+                      </a:srgbClr>
+                    </a:solidFill>
+                  </a:tcPr>
+                </a:tc>
+                <a:tc>
+                  <a:txBody>
+                    <a:bodyPr/>
+                    <a:lstStyle/>
+                    <a:p>
+                      <a:pPr algn="ctr"/>
+                      <a:endParaRPr lang="es-ES">
+                        <a:solidFill>
+                          <a:srgbClr val="FFFF00"/>
+                        </a:solidFill>
+                      </a:endParaRPr>
+                    </a:p>
+                  </a:txBody>
+                  <a:tcPr>
+                    <a:solidFill>
+                      <a:srgbClr val="000000">
+                        <a:alpha val="30196"/>
+                      </a:srgbClr>
+                    </a:solidFill>
+                  </a:tcPr>
+                </a:tc>
+                <a:tc>
+                  <a:txBody>
+                    <a:bodyPr/>
+                    <a:lstStyle/>
+                    <a:p>
+                      <a:pPr algn="ctr"/>
+                      <a:endParaRPr lang="es-ES">
+                        <a:solidFill>
+                          <a:srgbClr val="FFFF00"/>
+                        </a:solidFill>
+                      </a:endParaRPr>
+                    </a:p>
+                  </a:txBody>
+                  <a:tcPr>
+                    <a:solidFill>
+                      <a:srgbClr val="000000">
+                        <a:alpha val="30196"/>
+                      </a:srgbClr>
+                    </a:solidFill>
+                  </a:tcPr>
+                </a:tc>
+                <a:extLst>
+                  <a:ext uri="{0D108BD9-81ED-4DB2-BD59-A6C34878D82A}">
+                    <a16:rowId xmlns:a16="http://schemas.microsoft.com/office/drawing/2014/main" val="10006"/>
+                  </a:ext>
+                </a:extLst>
+              </a:tr>
+              <a:tr h="423765">
+                <a:tc>
+                  <a:txBody>
+                    <a:bodyPr/>
+                    <a:lstStyle/>
+                    <a:p>
+                      <a:pPr algn="ctr"/>
+                      <a:endParaRPr lang="es-ES" dirty="0">
+                        <a:solidFill>
+                          <a:srgbClr val="FFFF00"/>
+                        </a:solidFill>
+                      </a:endParaRPr>
+                    </a:p>
+                  </a:txBody>
+                  <a:tcPr>
+                    <a:solidFill>
+                      <a:srgbClr val="000000">
+                        <a:alpha val="30196"/>
+                      </a:srgbClr>
+                    </a:solidFill>
+                  </a:tcPr>
+                </a:tc>
+                <a:tc>
+                  <a:txBody>
+                    <a:bodyPr/>
+                    <a:lstStyle/>
+                    <a:p>
+                      <a:pPr algn="ctr"/>
+                      <a:endParaRPr lang="es-ES" dirty="0">
+                        <a:solidFill>
+                          <a:srgbClr val="FFFF00"/>
+                        </a:solidFill>
+                      </a:endParaRPr>
+                    </a:p>
+                  </a:txBody>
+                  <a:tcPr>
+                    <a:solidFill>
+                      <a:srgbClr val="000000">
+                        <a:alpha val="30196"/>
+                      </a:srgbClr>
+                    </a:solidFill>
+                  </a:tcPr>
+                </a:tc>
+                <a:tc>
+                  <a:txBody>
+                    <a:bodyPr/>
+                    <a:lstStyle/>
+                    <a:p>
+                      <a:pPr algn="ctr"/>
+                      <a:endParaRPr lang="es-ES" dirty="0">
+                        <a:solidFill>
+                          <a:srgbClr val="FFFF00"/>
+                        </a:solidFill>
+                      </a:endParaRPr>
+                    </a:p>
+                  </a:txBody>
+                  <a:tcPr>
+                    <a:solidFill>
+                      <a:srgbClr val="000000">
+                        <a:alpha val="30196"/>
+                      </a:srgbClr>
+                    </a:solidFill>
+                  </a:tcPr>
+                </a:tc>
+                <a:extLst>
+                  <a:ext uri="{0D108BD9-81ED-4DB2-BD59-A6C34878D82A}">
+                    <a16:rowId xmlns:a16="http://schemas.microsoft.com/office/drawing/2014/main" val="10007"/>
+                  </a:ext>
+                </a:extLst>
+              </a:tr>
+              <a:tr h="423765">
+                <a:tc>
+                  <a:txBody>
+                    <a:bodyPr/>
+                    <a:lstStyle/>
+                    <a:p>
+                      <a:pPr algn="ctr"/>
+                      <a:endParaRPr lang="es-ES">
+                        <a:solidFill>
+                          <a:srgbClr val="FFFF00"/>
+                        </a:solidFill>
+                      </a:endParaRPr>
+                    </a:p>
+                  </a:txBody>
+                  <a:tcPr>
+                    <a:solidFill>
+                      <a:srgbClr val="000000">
+                        <a:alpha val="30196"/>
+                      </a:srgbClr>
+                    </a:solidFill>
+                  </a:tcPr>
+                </a:tc>
+                <a:tc>
+                  <a:txBody>
+                    <a:bodyPr/>
+                    <a:lstStyle/>
+                    <a:p>
+                      <a:pPr algn="ctr"/>
+                      <a:endParaRPr lang="es-ES" dirty="0">
+                        <a:solidFill>
+                          <a:srgbClr val="FFFF00"/>
+                        </a:solidFill>
+                      </a:endParaRPr>
+                    </a:p>
+                  </a:txBody>
+                  <a:tcPr>
+                    <a:solidFill>
+                      <a:srgbClr val="000000">
+                        <a:alpha val="30196"/>
+                      </a:srgbClr>
+                    </a:solidFill>
+                  </a:tcPr>
+                </a:tc>
+                <a:tc>
+                  <a:txBody>
+                    <a:bodyPr/>
+                    <a:lstStyle/>
+                    <a:p>
+                      <a:pPr algn="ctr"/>
+                      <a:endParaRPr lang="es-ES">
+                        <a:solidFill>
+                          <a:srgbClr val="FFFF00"/>
+                        </a:solidFill>
+                      </a:endParaRPr>
+                    </a:p>
+                  </a:txBody>
+                  <a:tcPr>
+                    <a:solidFill>
+                      <a:srgbClr val="000000">
+                        <a:alpha val="30196"/>
+                      </a:srgbClr>
+                    </a:solidFill>
+                  </a:tcPr>
+                </a:tc>
+                <a:extLst>
+                  <a:ext uri="{0D108BD9-81ED-4DB2-BD59-A6C34878D82A}">
+                    <a16:rowId xmlns:a16="http://schemas.microsoft.com/office/drawing/2014/main" val="10008"/>
+                  </a:ext>
+                </a:extLst>
+              </a:tr>
+              <a:tr h="423765">
+                <a:tc>
+                  <a:txBody>
+                    <a:bodyPr/>
+                    <a:lstStyle/>
+                    <a:p>
+                      <a:pPr algn="ctr"/>
+                      <a:endParaRPr lang="es-ES" dirty="0">
+                        <a:solidFill>
+                          <a:srgbClr val="FFFF00"/>
+                        </a:solidFill>
+                      </a:endParaRPr>
+                    </a:p>
+                  </a:txBody>
+                  <a:tcPr>
+                    <a:solidFill>
+                      <a:srgbClr val="000000">
+                        <a:alpha val="30196"/>
+                      </a:srgbClr>
+                    </a:solidFill>
+                  </a:tcPr>
+                </a:tc>
+                <a:tc>
+                  <a:txBody>
+                    <a:bodyPr/>
+                    <a:lstStyle/>
+                    <a:p>
+                      <a:pPr algn="ctr"/>
+                      <a:endParaRPr lang="es-ES" dirty="0">
+                        <a:solidFill>
+                          <a:srgbClr val="FFFF00"/>
+                        </a:solidFill>
+                      </a:endParaRPr>
+                    </a:p>
+                  </a:txBody>
+                  <a:tcPr>
+                    <a:solidFill>
+                      <a:srgbClr val="000000">
+                        <a:alpha val="30196"/>
+                      </a:srgbClr>
+                    </a:solidFill>
+                  </a:tcPr>
+                </a:tc>
+                <a:tc>
+                  <a:txBody>
+                    <a:bodyPr/>
+                    <a:lstStyle/>
+                    <a:p>
+                      <a:pPr algn="ctr"/>
+                      <a:endParaRPr lang="es-ES">
+                        <a:solidFill>
+                          <a:srgbClr val="FFFF00"/>
+                        </a:solidFill>
+                      </a:endParaRPr>
+                    </a:p>
+                  </a:txBody>
+                  <a:tcPr>
+                    <a:solidFill>
+                      <a:srgbClr val="000000">
+                        <a:alpha val="30196"/>
+                      </a:srgbClr>
+                    </a:solidFill>
+                  </a:tcPr>
+                </a:tc>
+                <a:extLst>
+                  <a:ext uri="{0D108BD9-81ED-4DB2-BD59-A6C34878D82A}">
+                    <a16:rowId xmlns:a16="http://schemas.microsoft.com/office/drawing/2014/main" val="10009"/>
+                  </a:ext>
+                </a:extLst>
+              </a:tr>
+              <a:tr h="423765">
+                <a:tc>
+                  <a:txBody>
+                    <a:bodyPr/>
+                    <a:lstStyle/>
+                    <a:p>
+                      <a:pPr algn="ctr"/>
+                      <a:endParaRPr lang="es-ES" dirty="0">
+                        <a:solidFill>
+                          <a:srgbClr val="FFFF00"/>
+                        </a:solidFill>
+                      </a:endParaRPr>
+                    </a:p>
+                  </a:txBody>
+                  <a:tcPr>
+                    <a:solidFill>
+                      <a:srgbClr val="000000">
+                        <a:alpha val="30196"/>
+                      </a:srgbClr>
+                    </a:solidFill>
+                  </a:tcPr>
+                </a:tc>
+                <a:tc>
+                  <a:txBody>
+                    <a:bodyPr/>
+                    <a:lstStyle/>
+                    <a:p>
+                      <a:pPr algn="ctr"/>
+                      <a:r>
+                        <a:rPr lang="es-ES" dirty="0">
+                          <a:solidFill>
+                            <a:srgbClr val="FFFF00"/>
+                          </a:solidFill>
+                        </a:rPr>
+                        <a:t>2</a:t>
+                      </a:r>
+                    </a:p>
+                  </a:txBody>
+                  <a:tcPr>
+                    <a:solidFill>
+                      <a:srgbClr val="000000">
+                        <a:alpha val="30196"/>
+                      </a:srgbClr>
+                    </a:solidFill>
+                  </a:tcPr>
+                </a:tc>
+                <a:tc>
+                  <a:txBody>
+                    <a:bodyPr/>
+                    <a:lstStyle/>
+                    <a:p>
+                      <a:pPr algn="ctr"/>
+                      <a:endParaRPr lang="es-ES" dirty="0">
+                        <a:solidFill>
+                          <a:srgbClr val="FFFF00"/>
+                        </a:solidFill>
+                      </a:endParaRPr>
+                    </a:p>
+                  </a:txBody>
+                  <a:tcPr>
+                    <a:solidFill>
+                      <a:srgbClr val="000000">
+                        <a:alpha val="30196"/>
+                      </a:srgbClr>
+                    </a:solidFill>
+                  </a:tcPr>
+                </a:tc>
+                <a:extLst>
+                  <a:ext uri="{0D108BD9-81ED-4DB2-BD59-A6C34878D82A}">
+                    <a16:rowId xmlns:a16="http://schemas.microsoft.com/office/drawing/2014/main" val="10010"/>
+                  </a:ext>
+                </a:extLst>
+              </a:tr>
+              <a:tr h="423765">
+                <a:tc>
+                  <a:txBody>
+                    <a:bodyPr/>
+                    <a:lstStyle/>
+                    <a:p>
+                      <a:pPr algn="ctr"/>
+                      <a:endParaRPr lang="es-ES" dirty="0">
+                        <a:solidFill>
+                          <a:srgbClr val="FFFF00"/>
+                        </a:solidFill>
+                      </a:endParaRPr>
+                    </a:p>
+                  </a:txBody>
+                  <a:tcPr>
+                    <a:solidFill>
+                      <a:srgbClr val="000000">
+                        <a:alpha val="30196"/>
+                      </a:srgbClr>
+                    </a:solidFill>
+                  </a:tcPr>
+                </a:tc>
+                <a:tc>
+                  <a:txBody>
+                    <a:bodyPr/>
+                    <a:lstStyle/>
+                    <a:p>
+                      <a:pPr algn="ctr"/>
+                      <a:endParaRPr lang="es-ES">
+                        <a:solidFill>
+                          <a:srgbClr val="FFFF00"/>
+                        </a:solidFill>
+                      </a:endParaRPr>
+                    </a:p>
+                  </a:txBody>
+                  <a:tcPr>
+                    <a:solidFill>
+                      <a:srgbClr val="000000">
+                        <a:alpha val="30196"/>
+                      </a:srgbClr>
+                    </a:solidFill>
+                  </a:tcPr>
+                </a:tc>
+                <a:tc>
+                  <a:txBody>
+                    <a:bodyPr/>
+                    <a:lstStyle/>
+                    <a:p>
+                      <a:pPr algn="ctr"/>
+                      <a:endParaRPr lang="es-ES" dirty="0">
+                        <a:solidFill>
+                          <a:srgbClr val="FFFF00"/>
+                        </a:solidFill>
+                      </a:endParaRPr>
+                    </a:p>
+                  </a:txBody>
+                  <a:tcPr>
+                    <a:solidFill>
+                      <a:srgbClr val="000000">
+                        <a:alpha val="30196"/>
+                      </a:srgbClr>
+                    </a:solidFill>
+                  </a:tcPr>
+                </a:tc>
+                <a:extLst>
+                  <a:ext uri="{0D108BD9-81ED-4DB2-BD59-A6C34878D82A}">
+                    <a16:rowId xmlns:a16="http://schemas.microsoft.com/office/drawing/2014/main" val="10011"/>
+                  </a:ext>
+                </a:extLst>
+              </a:tr>
+            </a:tbl>
+          </a:graphicData>
+        </a:graphic>
+      </p:graphicFrame>
+      <p:graphicFrame>
+        <p:nvGraphicFramePr>
+          <p:cNvPr id="10" name="Taula 12">
+            <a:extLst>
+              <a:ext uri="{FF2B5EF4-FFF2-40B4-BE49-F238E27FC236}">
+                <a16:creationId xmlns:a16="http://schemas.microsoft.com/office/drawing/2014/main" id="{61A6833B-A199-48F4-A89F-43338B8C1D97}"/>
+              </a:ext>
+            </a:extLst>
+          </p:cNvPr>
+          <p:cNvGraphicFramePr>
+            <a:graphicFrameLocks noGrp="1"/>
+          </p:cNvGraphicFramePr>
+          <p:nvPr>
+            <p:extLst>
+              <p:ext uri="{D42A27DB-BD31-4B8C-83A1-F6EECF244321}">
+                <p14:modId xmlns:p14="http://schemas.microsoft.com/office/powerpoint/2010/main" val="2034106465"/>
+              </p:ext>
+            </p:extLst>
+          </p:nvPr>
+        </p:nvGraphicFramePr>
+        <p:xfrm>
+          <a:off x="-15878272" y="1304766"/>
+          <a:ext cx="2952327" cy="5085180"/>
+        </p:xfrm>
+        <a:graphic>
+          <a:graphicData uri="http://schemas.openxmlformats.org/drawingml/2006/table">
+            <a:tbl>
+              <a:tblPr firstRow="1" bandRow="1">
+                <a:tableStyleId>{5C22544A-7EE6-4342-B048-85BDC9FD1C3A}</a:tableStyleId>
+              </a:tblPr>
+              <a:tblGrid>
+                <a:gridCol w="984109">
+                  <a:extLst>
+                    <a:ext uri="{9D8B030D-6E8A-4147-A177-3AD203B41FA5}">
+                      <a16:colId xmlns:a16="http://schemas.microsoft.com/office/drawing/2014/main" val="20000"/>
+                    </a:ext>
+                  </a:extLst>
+                </a:gridCol>
+                <a:gridCol w="984109">
+                  <a:extLst>
+                    <a:ext uri="{9D8B030D-6E8A-4147-A177-3AD203B41FA5}">
+                      <a16:colId xmlns:a16="http://schemas.microsoft.com/office/drawing/2014/main" val="20001"/>
+                    </a:ext>
+                  </a:extLst>
+                </a:gridCol>
+                <a:gridCol w="984109">
+                  <a:extLst>
+                    <a:ext uri="{9D8B030D-6E8A-4147-A177-3AD203B41FA5}">
+                      <a16:colId xmlns:a16="http://schemas.microsoft.com/office/drawing/2014/main" val="20002"/>
+                    </a:ext>
+                  </a:extLst>
+                </a:gridCol>
+              </a:tblGrid>
+              <a:tr h="423765">
+                <a:tc>
+                  <a:txBody>
+                    <a:bodyPr/>
+                    <a:lstStyle/>
+                    <a:p>
+                      <a:pPr algn="ctr"/>
+                      <a:endParaRPr lang="es-ES" dirty="0">
+                        <a:solidFill>
+                          <a:srgbClr val="FFFF00"/>
+                        </a:solidFill>
+                      </a:endParaRPr>
+                    </a:p>
+                  </a:txBody>
+                  <a:tcPr>
+                    <a:solidFill>
+                      <a:srgbClr val="000000">
+                        <a:alpha val="30196"/>
+                      </a:srgbClr>
+                    </a:solidFill>
+                  </a:tcPr>
+                </a:tc>
+                <a:tc>
+                  <a:txBody>
+                    <a:bodyPr/>
+                    <a:lstStyle/>
+                    <a:p>
+                      <a:pPr algn="ctr"/>
+                      <a:r>
+                        <a:rPr lang="es-ES" dirty="0">
+                          <a:solidFill>
+                            <a:srgbClr val="FFFF00"/>
+                          </a:solidFill>
+                        </a:rPr>
+                        <a:t>1</a:t>
+                      </a:r>
+                    </a:p>
+                  </a:txBody>
+                  <a:tcPr>
+                    <a:solidFill>
+                      <a:srgbClr val="000000">
+                        <a:alpha val="30196"/>
+                      </a:srgbClr>
+                    </a:solidFill>
+                  </a:tcPr>
+                </a:tc>
+                <a:tc>
+                  <a:txBody>
+                    <a:bodyPr/>
+                    <a:lstStyle/>
+                    <a:p>
+                      <a:pPr algn="ctr"/>
+                      <a:endParaRPr lang="es-ES" dirty="0">
+                        <a:solidFill>
+                          <a:srgbClr val="FFFF00"/>
+                        </a:solidFill>
+                      </a:endParaRPr>
+                    </a:p>
+                  </a:txBody>
+                  <a:tcPr>
+                    <a:solidFill>
+                      <a:srgbClr val="000000">
+                        <a:alpha val="30196"/>
+                      </a:srgbClr>
+                    </a:solidFill>
+                  </a:tcPr>
+                </a:tc>
+                <a:extLst>
+                  <a:ext uri="{0D108BD9-81ED-4DB2-BD59-A6C34878D82A}">
+                    <a16:rowId xmlns:a16="http://schemas.microsoft.com/office/drawing/2014/main" val="10000"/>
+                  </a:ext>
+                </a:extLst>
+              </a:tr>
+              <a:tr h="423765">
+                <a:tc>
+                  <a:txBody>
+                    <a:bodyPr/>
+                    <a:lstStyle/>
+                    <a:p>
+                      <a:pPr algn="ctr"/>
+                      <a:endParaRPr lang="es-ES">
+                        <a:solidFill>
+                          <a:srgbClr val="FFFF00"/>
+                        </a:solidFill>
+                      </a:endParaRPr>
+                    </a:p>
+                  </a:txBody>
+                  <a:tcPr>
+                    <a:solidFill>
+                      <a:srgbClr val="000000">
+                        <a:alpha val="30196"/>
+                      </a:srgbClr>
+                    </a:solidFill>
+                  </a:tcPr>
+                </a:tc>
+                <a:tc>
+                  <a:txBody>
+                    <a:bodyPr/>
+                    <a:lstStyle/>
+                    <a:p>
+                      <a:pPr algn="ctr"/>
+                      <a:endParaRPr lang="es-ES">
+                        <a:solidFill>
+                          <a:srgbClr val="FFFF00"/>
+                        </a:solidFill>
+                      </a:endParaRPr>
+                    </a:p>
+                  </a:txBody>
+                  <a:tcPr>
+                    <a:solidFill>
+                      <a:srgbClr val="000000">
+                        <a:alpha val="30196"/>
+                      </a:srgbClr>
+                    </a:solidFill>
+                  </a:tcPr>
+                </a:tc>
+                <a:tc>
+                  <a:txBody>
+                    <a:bodyPr/>
+                    <a:lstStyle/>
+                    <a:p>
+                      <a:pPr algn="ctr"/>
+                      <a:endParaRPr lang="es-ES">
+                        <a:solidFill>
+                          <a:srgbClr val="FFFF00"/>
+                        </a:solidFill>
+                      </a:endParaRPr>
+                    </a:p>
+                  </a:txBody>
+                  <a:tcPr>
+                    <a:solidFill>
+                      <a:srgbClr val="000000">
+                        <a:alpha val="30196"/>
+                      </a:srgbClr>
+                    </a:solidFill>
+                  </a:tcPr>
+                </a:tc>
+                <a:extLst>
+                  <a:ext uri="{0D108BD9-81ED-4DB2-BD59-A6C34878D82A}">
+                    <a16:rowId xmlns:a16="http://schemas.microsoft.com/office/drawing/2014/main" val="10001"/>
+                  </a:ext>
+                </a:extLst>
+              </a:tr>
+              <a:tr h="423765">
+                <a:tc>
+                  <a:txBody>
+                    <a:bodyPr/>
+                    <a:lstStyle/>
+                    <a:p>
+                      <a:pPr algn="ctr"/>
+                      <a:endParaRPr lang="es-ES">
+                        <a:solidFill>
+                          <a:srgbClr val="FFFF00"/>
+                        </a:solidFill>
+                      </a:endParaRPr>
+                    </a:p>
+                  </a:txBody>
+                  <a:tcPr>
+                    <a:solidFill>
+                      <a:srgbClr val="000000">
+                        <a:alpha val="30196"/>
+                      </a:srgbClr>
+                    </a:solidFill>
+                  </a:tcPr>
+                </a:tc>
+                <a:tc>
+                  <a:txBody>
+                    <a:bodyPr/>
+                    <a:lstStyle/>
+                    <a:p>
+                      <a:pPr algn="ctr"/>
+                      <a:endParaRPr lang="es-ES" dirty="0">
+                        <a:solidFill>
+                          <a:srgbClr val="FFFF00"/>
+                        </a:solidFill>
+                      </a:endParaRPr>
+                    </a:p>
+                  </a:txBody>
+                  <a:tcPr>
+                    <a:solidFill>
+                      <a:srgbClr val="000000">
+                        <a:alpha val="30196"/>
+                      </a:srgbClr>
+                    </a:solidFill>
+                  </a:tcPr>
+                </a:tc>
+                <a:tc>
+                  <a:txBody>
+                    <a:bodyPr/>
+                    <a:lstStyle/>
+                    <a:p>
+                      <a:pPr algn="ctr"/>
+                      <a:endParaRPr lang="es-ES">
+                        <a:solidFill>
+                          <a:srgbClr val="FFFF00"/>
+                        </a:solidFill>
+                      </a:endParaRPr>
+                    </a:p>
+                  </a:txBody>
+                  <a:tcPr>
+                    <a:solidFill>
+                      <a:srgbClr val="000000">
+                        <a:alpha val="30196"/>
+                      </a:srgbClr>
+                    </a:solidFill>
+                  </a:tcPr>
+                </a:tc>
+                <a:extLst>
+                  <a:ext uri="{0D108BD9-81ED-4DB2-BD59-A6C34878D82A}">
+                    <a16:rowId xmlns:a16="http://schemas.microsoft.com/office/drawing/2014/main" val="10002"/>
+                  </a:ext>
+                </a:extLst>
+              </a:tr>
+              <a:tr h="423765">
+                <a:tc>
+                  <a:txBody>
+                    <a:bodyPr/>
+                    <a:lstStyle/>
+                    <a:p>
+                      <a:pPr algn="ctr"/>
+                      <a:endParaRPr lang="es-ES">
+                        <a:solidFill>
+                          <a:srgbClr val="FFFF00"/>
+                        </a:solidFill>
+                      </a:endParaRPr>
+                    </a:p>
+                  </a:txBody>
+                  <a:tcPr>
+                    <a:solidFill>
+                      <a:srgbClr val="000000">
+                        <a:alpha val="30196"/>
+                      </a:srgbClr>
+                    </a:solidFill>
+                  </a:tcPr>
+                </a:tc>
+                <a:tc>
+                  <a:txBody>
+                    <a:bodyPr/>
+                    <a:lstStyle/>
+                    <a:p>
+                      <a:pPr algn="ctr"/>
+                      <a:endParaRPr lang="es-ES">
+                        <a:solidFill>
+                          <a:srgbClr val="FFFF00"/>
+                        </a:solidFill>
+                      </a:endParaRPr>
+                    </a:p>
+                  </a:txBody>
+                  <a:tcPr>
+                    <a:solidFill>
+                      <a:srgbClr val="000000">
+                        <a:alpha val="30196"/>
+                      </a:srgbClr>
+                    </a:solidFill>
+                  </a:tcPr>
+                </a:tc>
+                <a:tc>
+                  <a:txBody>
+                    <a:bodyPr/>
+                    <a:lstStyle/>
+                    <a:p>
+                      <a:pPr algn="ctr"/>
+                      <a:endParaRPr lang="es-ES">
+                        <a:solidFill>
+                          <a:srgbClr val="FFFF00"/>
+                        </a:solidFill>
+                      </a:endParaRPr>
+                    </a:p>
+                  </a:txBody>
+                  <a:tcPr>
+                    <a:solidFill>
+                      <a:srgbClr val="000000">
+                        <a:alpha val="30196"/>
+                      </a:srgbClr>
+                    </a:solidFill>
+                  </a:tcPr>
+                </a:tc>
+                <a:extLst>
+                  <a:ext uri="{0D108BD9-81ED-4DB2-BD59-A6C34878D82A}">
+                    <a16:rowId xmlns:a16="http://schemas.microsoft.com/office/drawing/2014/main" val="10003"/>
+                  </a:ext>
+                </a:extLst>
+              </a:tr>
+              <a:tr h="423765">
+                <a:tc>
+                  <a:txBody>
+                    <a:bodyPr/>
+                    <a:lstStyle/>
+                    <a:p>
+                      <a:pPr algn="ctr"/>
+                      <a:endParaRPr lang="es-ES" dirty="0">
+                        <a:solidFill>
+                          <a:srgbClr val="FFFF00"/>
+                        </a:solidFill>
+                      </a:endParaRPr>
+                    </a:p>
+                  </a:txBody>
+                  <a:tcPr>
+                    <a:solidFill>
+                      <a:srgbClr val="000000">
+                        <a:alpha val="30196"/>
+                      </a:srgbClr>
+                    </a:solidFill>
+                  </a:tcPr>
+                </a:tc>
+                <a:tc>
+                  <a:txBody>
+                    <a:bodyPr/>
+                    <a:lstStyle/>
+                    <a:p>
+                      <a:pPr algn="ctr"/>
+                      <a:endParaRPr lang="es-ES">
+                        <a:solidFill>
+                          <a:srgbClr val="FFFF00"/>
+                        </a:solidFill>
+                      </a:endParaRPr>
+                    </a:p>
+                  </a:txBody>
+                  <a:tcPr>
+                    <a:solidFill>
+                      <a:srgbClr val="000000">
+                        <a:alpha val="30196"/>
+                      </a:srgbClr>
+                    </a:solidFill>
+                  </a:tcPr>
+                </a:tc>
+                <a:tc>
+                  <a:txBody>
+                    <a:bodyPr/>
+                    <a:lstStyle/>
+                    <a:p>
+                      <a:pPr algn="ctr"/>
+                      <a:endParaRPr lang="es-ES" dirty="0">
+                        <a:solidFill>
+                          <a:srgbClr val="FFFF00"/>
+                        </a:solidFill>
+                      </a:endParaRPr>
+                    </a:p>
+                  </a:txBody>
+                  <a:tcPr>
+                    <a:solidFill>
+                      <a:srgbClr val="000000">
+                        <a:alpha val="30196"/>
+                      </a:srgbClr>
+                    </a:solidFill>
+                  </a:tcPr>
+                </a:tc>
+                <a:extLst>
+                  <a:ext uri="{0D108BD9-81ED-4DB2-BD59-A6C34878D82A}">
+                    <a16:rowId xmlns:a16="http://schemas.microsoft.com/office/drawing/2014/main" val="10004"/>
+                  </a:ext>
+                </a:extLst>
+              </a:tr>
+              <a:tr h="423765">
+                <a:tc>
+                  <a:txBody>
+                    <a:bodyPr/>
+                    <a:lstStyle/>
+                    <a:p>
+                      <a:pPr algn="ctr"/>
+                      <a:endParaRPr lang="es-ES" dirty="0">
+                        <a:solidFill>
+                          <a:srgbClr val="FFFF00"/>
+                        </a:solidFill>
+                      </a:endParaRPr>
+                    </a:p>
+                  </a:txBody>
+                  <a:tcPr>
+                    <a:solidFill>
+                      <a:srgbClr val="000000">
+                        <a:alpha val="30196"/>
+                      </a:srgbClr>
+                    </a:solidFill>
+                  </a:tcPr>
+                </a:tc>
+                <a:tc>
+                  <a:txBody>
+                    <a:bodyPr/>
+                    <a:lstStyle/>
+                    <a:p>
+                      <a:pPr algn="ctr"/>
+                      <a:r>
+                        <a:rPr lang="es-ES" dirty="0">
+                          <a:solidFill>
+                            <a:srgbClr val="FFFF00"/>
+                          </a:solidFill>
+                        </a:rPr>
+                        <a:t>1</a:t>
+                      </a:r>
+                    </a:p>
+                  </a:txBody>
+                  <a:tcPr>
+                    <a:solidFill>
+                      <a:srgbClr val="000000">
+                        <a:alpha val="30196"/>
+                      </a:srgbClr>
+                    </a:solidFill>
+                  </a:tcPr>
+                </a:tc>
+                <a:tc>
+                  <a:txBody>
+                    <a:bodyPr/>
+                    <a:lstStyle/>
+                    <a:p>
+                      <a:pPr algn="ctr"/>
+                      <a:endParaRPr lang="es-ES" dirty="0">
+                        <a:solidFill>
+                          <a:srgbClr val="FFFF00"/>
+                        </a:solidFill>
+                      </a:endParaRPr>
+                    </a:p>
+                  </a:txBody>
+                  <a:tcPr>
+                    <a:solidFill>
+                      <a:srgbClr val="000000">
+                        <a:alpha val="30196"/>
+                      </a:srgbClr>
+                    </a:solidFill>
+                  </a:tcPr>
+                </a:tc>
+                <a:extLst>
+                  <a:ext uri="{0D108BD9-81ED-4DB2-BD59-A6C34878D82A}">
+                    <a16:rowId xmlns:a16="http://schemas.microsoft.com/office/drawing/2014/main" val="10005"/>
+                  </a:ext>
+                </a:extLst>
+              </a:tr>
+              <a:tr h="423765">
+                <a:tc>
+                  <a:txBody>
+                    <a:bodyPr/>
+                    <a:lstStyle/>
+                    <a:p>
+                      <a:pPr algn="ctr"/>
+                      <a:endParaRPr lang="es-ES">
+                        <a:solidFill>
+                          <a:srgbClr val="FFFF00"/>
+                        </a:solidFill>
+                      </a:endParaRPr>
+                    </a:p>
+                  </a:txBody>
+                  <a:tcPr>
+                    <a:solidFill>
+                      <a:srgbClr val="000000">
+                        <a:alpha val="30196"/>
+                      </a:srgbClr>
+                    </a:solidFill>
+                  </a:tcPr>
+                </a:tc>
+                <a:tc>
+                  <a:txBody>
+                    <a:bodyPr/>
+                    <a:lstStyle/>
+                    <a:p>
+                      <a:pPr algn="ctr"/>
+                      <a:endParaRPr lang="es-ES">
+                        <a:solidFill>
+                          <a:srgbClr val="FFFF00"/>
+                        </a:solidFill>
+                      </a:endParaRPr>
+                    </a:p>
+                  </a:txBody>
+                  <a:tcPr>
+                    <a:solidFill>
+                      <a:srgbClr val="000000">
+                        <a:alpha val="30196"/>
+                      </a:srgbClr>
+                    </a:solidFill>
+                  </a:tcPr>
+                </a:tc>
+                <a:tc>
+                  <a:txBody>
+                    <a:bodyPr/>
+                    <a:lstStyle/>
+                    <a:p>
+                      <a:pPr algn="ctr"/>
+                      <a:endParaRPr lang="es-ES">
+                        <a:solidFill>
+                          <a:srgbClr val="FFFF00"/>
+                        </a:solidFill>
+                      </a:endParaRPr>
+                    </a:p>
+                  </a:txBody>
+                  <a:tcPr>
+                    <a:solidFill>
+                      <a:srgbClr val="000000">
+                        <a:alpha val="30196"/>
+                      </a:srgbClr>
+                    </a:solidFill>
+                  </a:tcPr>
+                </a:tc>
+                <a:extLst>
+                  <a:ext uri="{0D108BD9-81ED-4DB2-BD59-A6C34878D82A}">
+                    <a16:rowId xmlns:a16="http://schemas.microsoft.com/office/drawing/2014/main" val="10006"/>
+                  </a:ext>
+                </a:extLst>
+              </a:tr>
+              <a:tr h="423765">
+                <a:tc>
+                  <a:txBody>
+                    <a:bodyPr/>
+                    <a:lstStyle/>
+                    <a:p>
+                      <a:pPr algn="ctr"/>
+                      <a:endParaRPr lang="es-ES" dirty="0">
+                        <a:solidFill>
+                          <a:srgbClr val="FFFF00"/>
+                        </a:solidFill>
+                      </a:endParaRPr>
+                    </a:p>
+                  </a:txBody>
+                  <a:tcPr>
+                    <a:solidFill>
+                      <a:srgbClr val="000000">
+                        <a:alpha val="30196"/>
+                      </a:srgbClr>
+                    </a:solidFill>
+                  </a:tcPr>
+                </a:tc>
+                <a:tc>
+                  <a:txBody>
+                    <a:bodyPr/>
+                    <a:lstStyle/>
+                    <a:p>
+                      <a:pPr algn="ctr"/>
+                      <a:endParaRPr lang="es-ES" dirty="0">
+                        <a:solidFill>
+                          <a:srgbClr val="FFFF00"/>
+                        </a:solidFill>
+                      </a:endParaRPr>
+                    </a:p>
+                  </a:txBody>
+                  <a:tcPr>
+                    <a:solidFill>
+                      <a:srgbClr val="000000">
+                        <a:alpha val="30196"/>
+                      </a:srgbClr>
+                    </a:solidFill>
+                  </a:tcPr>
+                </a:tc>
+                <a:tc>
+                  <a:txBody>
+                    <a:bodyPr/>
+                    <a:lstStyle/>
+                    <a:p>
+                      <a:pPr algn="ctr"/>
+                      <a:endParaRPr lang="es-ES" dirty="0">
+                        <a:solidFill>
+                          <a:srgbClr val="FFFF00"/>
+                        </a:solidFill>
+                      </a:endParaRPr>
+                    </a:p>
+                  </a:txBody>
+                  <a:tcPr>
+                    <a:solidFill>
+                      <a:srgbClr val="000000">
+                        <a:alpha val="30196"/>
+                      </a:srgbClr>
+                    </a:solidFill>
+                  </a:tcPr>
+                </a:tc>
+                <a:extLst>
+                  <a:ext uri="{0D108BD9-81ED-4DB2-BD59-A6C34878D82A}">
+                    <a16:rowId xmlns:a16="http://schemas.microsoft.com/office/drawing/2014/main" val="10007"/>
+                  </a:ext>
+                </a:extLst>
+              </a:tr>
+              <a:tr h="423765">
+                <a:tc>
+                  <a:txBody>
+                    <a:bodyPr/>
+                    <a:lstStyle/>
+                    <a:p>
+                      <a:pPr algn="ctr"/>
+                      <a:endParaRPr lang="es-ES">
+                        <a:solidFill>
+                          <a:srgbClr val="FFFF00"/>
+                        </a:solidFill>
+                      </a:endParaRPr>
+                    </a:p>
+                  </a:txBody>
+                  <a:tcPr>
+                    <a:solidFill>
+                      <a:srgbClr val="000000">
+                        <a:alpha val="30196"/>
+                      </a:srgbClr>
+                    </a:solidFill>
+                  </a:tcPr>
+                </a:tc>
+                <a:tc>
+                  <a:txBody>
+                    <a:bodyPr/>
+                    <a:lstStyle/>
+                    <a:p>
+                      <a:pPr algn="ctr"/>
+                      <a:endParaRPr lang="es-ES" dirty="0">
+                        <a:solidFill>
+                          <a:srgbClr val="FFFF00"/>
+                        </a:solidFill>
+                      </a:endParaRPr>
+                    </a:p>
+                  </a:txBody>
+                  <a:tcPr>
+                    <a:solidFill>
+                      <a:srgbClr val="000000">
+                        <a:alpha val="30196"/>
+                      </a:srgbClr>
+                    </a:solidFill>
+                  </a:tcPr>
+                </a:tc>
+                <a:tc>
+                  <a:txBody>
+                    <a:bodyPr/>
+                    <a:lstStyle/>
+                    <a:p>
+                      <a:pPr algn="ctr"/>
+                      <a:endParaRPr lang="es-ES">
+                        <a:solidFill>
+                          <a:srgbClr val="FFFF00"/>
+                        </a:solidFill>
+                      </a:endParaRPr>
+                    </a:p>
+                  </a:txBody>
+                  <a:tcPr>
+                    <a:solidFill>
+                      <a:srgbClr val="000000">
+                        <a:alpha val="30196"/>
+                      </a:srgbClr>
+                    </a:solidFill>
+                  </a:tcPr>
+                </a:tc>
+                <a:extLst>
+                  <a:ext uri="{0D108BD9-81ED-4DB2-BD59-A6C34878D82A}">
+                    <a16:rowId xmlns:a16="http://schemas.microsoft.com/office/drawing/2014/main" val="10008"/>
+                  </a:ext>
+                </a:extLst>
+              </a:tr>
+              <a:tr h="423765">
+                <a:tc>
+                  <a:txBody>
+                    <a:bodyPr/>
+                    <a:lstStyle/>
+                    <a:p>
+                      <a:pPr algn="ctr"/>
+                      <a:endParaRPr lang="es-ES" dirty="0">
+                        <a:solidFill>
+                          <a:srgbClr val="FFFF00"/>
+                        </a:solidFill>
+                      </a:endParaRPr>
+                    </a:p>
+                  </a:txBody>
+                  <a:tcPr>
+                    <a:solidFill>
+                      <a:srgbClr val="000000">
+                        <a:alpha val="30196"/>
+                      </a:srgbClr>
+                    </a:solidFill>
+                  </a:tcPr>
+                </a:tc>
+                <a:tc>
+                  <a:txBody>
+                    <a:bodyPr/>
+                    <a:lstStyle/>
+                    <a:p>
+                      <a:pPr algn="ctr"/>
+                      <a:endParaRPr lang="es-ES" dirty="0">
+                        <a:solidFill>
+                          <a:srgbClr val="FFFF00"/>
+                        </a:solidFill>
+                      </a:endParaRPr>
+                    </a:p>
+                  </a:txBody>
+                  <a:tcPr>
+                    <a:solidFill>
+                      <a:srgbClr val="000000">
+                        <a:alpha val="30196"/>
+                      </a:srgbClr>
+                    </a:solidFill>
+                  </a:tcPr>
+                </a:tc>
+                <a:tc>
+                  <a:txBody>
+                    <a:bodyPr/>
+                    <a:lstStyle/>
+                    <a:p>
+                      <a:pPr algn="ctr"/>
+                      <a:endParaRPr lang="es-ES">
+                        <a:solidFill>
+                          <a:srgbClr val="FFFF00"/>
+                        </a:solidFill>
+                      </a:endParaRPr>
+                    </a:p>
+                  </a:txBody>
+                  <a:tcPr>
+                    <a:solidFill>
+                      <a:srgbClr val="000000">
+                        <a:alpha val="30196"/>
+                      </a:srgbClr>
+                    </a:solidFill>
+                  </a:tcPr>
+                </a:tc>
+                <a:extLst>
+                  <a:ext uri="{0D108BD9-81ED-4DB2-BD59-A6C34878D82A}">
+                    <a16:rowId xmlns:a16="http://schemas.microsoft.com/office/drawing/2014/main" val="10009"/>
+                  </a:ext>
+                </a:extLst>
+              </a:tr>
+              <a:tr h="423765">
+                <a:tc>
+                  <a:txBody>
+                    <a:bodyPr/>
+                    <a:lstStyle/>
+                    <a:p>
+                      <a:pPr algn="ctr"/>
+                      <a:endParaRPr lang="es-ES" dirty="0">
+                        <a:solidFill>
+                          <a:srgbClr val="FFFF00"/>
+                        </a:solidFill>
+                      </a:endParaRPr>
+                    </a:p>
+                  </a:txBody>
+                  <a:tcPr>
+                    <a:solidFill>
+                      <a:srgbClr val="000000">
+                        <a:alpha val="30196"/>
+                      </a:srgbClr>
+                    </a:solidFill>
+                  </a:tcPr>
+                </a:tc>
+                <a:tc>
+                  <a:txBody>
+                    <a:bodyPr/>
+                    <a:lstStyle/>
+                    <a:p>
+                      <a:pPr algn="ctr"/>
+                      <a:r>
+                        <a:rPr lang="es-ES" dirty="0">
+                          <a:solidFill>
+                            <a:srgbClr val="FFFF00"/>
+                          </a:solidFill>
+                        </a:rPr>
+                        <a:t>2</a:t>
+                      </a:r>
+                    </a:p>
+                  </a:txBody>
+                  <a:tcPr>
+                    <a:solidFill>
+                      <a:srgbClr val="000000">
+                        <a:alpha val="30196"/>
+                      </a:srgbClr>
+                    </a:solidFill>
+                  </a:tcPr>
+                </a:tc>
+                <a:tc>
+                  <a:txBody>
+                    <a:bodyPr/>
+                    <a:lstStyle/>
+                    <a:p>
+                      <a:pPr algn="ctr"/>
+                      <a:endParaRPr lang="es-ES" dirty="0">
+                        <a:solidFill>
+                          <a:srgbClr val="FFFF00"/>
+                        </a:solidFill>
+                      </a:endParaRPr>
+                    </a:p>
+                  </a:txBody>
+                  <a:tcPr>
+                    <a:solidFill>
+                      <a:srgbClr val="000000">
+                        <a:alpha val="30196"/>
+                      </a:srgbClr>
+                    </a:solidFill>
+                  </a:tcPr>
+                </a:tc>
+                <a:extLst>
+                  <a:ext uri="{0D108BD9-81ED-4DB2-BD59-A6C34878D82A}">
+                    <a16:rowId xmlns:a16="http://schemas.microsoft.com/office/drawing/2014/main" val="10010"/>
+                  </a:ext>
+                </a:extLst>
+              </a:tr>
+              <a:tr h="423765">
+                <a:tc>
+                  <a:txBody>
+                    <a:bodyPr/>
+                    <a:lstStyle/>
+                    <a:p>
+                      <a:pPr algn="ctr"/>
+                      <a:endParaRPr lang="es-ES" dirty="0">
+                        <a:solidFill>
+                          <a:srgbClr val="FFFF00"/>
+                        </a:solidFill>
+                      </a:endParaRPr>
+                    </a:p>
+                  </a:txBody>
+                  <a:tcPr>
+                    <a:solidFill>
+                      <a:srgbClr val="000000">
+                        <a:alpha val="30196"/>
+                      </a:srgbClr>
+                    </a:solidFill>
+                  </a:tcPr>
+                </a:tc>
+                <a:tc>
+                  <a:txBody>
+                    <a:bodyPr/>
+                    <a:lstStyle/>
+                    <a:p>
+                      <a:pPr algn="ctr"/>
+                      <a:endParaRPr lang="es-ES">
+                        <a:solidFill>
+                          <a:srgbClr val="FFFF00"/>
+                        </a:solidFill>
+                      </a:endParaRPr>
+                    </a:p>
+                  </a:txBody>
+                  <a:tcPr>
+                    <a:solidFill>
+                      <a:srgbClr val="000000">
+                        <a:alpha val="30196"/>
+                      </a:srgbClr>
+                    </a:solidFill>
+                  </a:tcPr>
+                </a:tc>
+                <a:tc>
+                  <a:txBody>
+                    <a:bodyPr/>
+                    <a:lstStyle/>
+                    <a:p>
+                      <a:pPr algn="ctr"/>
+                      <a:endParaRPr lang="es-ES" dirty="0">
+                        <a:solidFill>
+                          <a:srgbClr val="FFFF00"/>
+                        </a:solidFill>
+                      </a:endParaRPr>
+                    </a:p>
+                  </a:txBody>
+                  <a:tcPr>
+                    <a:solidFill>
+                      <a:srgbClr val="000000">
+                        <a:alpha val="30196"/>
+                      </a:srgbClr>
+                    </a:solidFill>
+                  </a:tcPr>
+                </a:tc>
+                <a:extLst>
+                  <a:ext uri="{0D108BD9-81ED-4DB2-BD59-A6C34878D82A}">
+                    <a16:rowId xmlns:a16="http://schemas.microsoft.com/office/drawing/2014/main" val="10011"/>
+                  </a:ext>
+                </a:extLst>
+              </a:tr>
+            </a:tbl>
+          </a:graphicData>
+        </a:graphic>
+      </p:graphicFrame>
+      <p:graphicFrame>
+        <p:nvGraphicFramePr>
+          <p:cNvPr id="11" name="Taula 12">
+            <a:extLst>
+              <a:ext uri="{FF2B5EF4-FFF2-40B4-BE49-F238E27FC236}">
+                <a16:creationId xmlns:a16="http://schemas.microsoft.com/office/drawing/2014/main" id="{8EE8A4DA-1679-452F-B02B-CA246BC38031}"/>
+              </a:ext>
+            </a:extLst>
+          </p:cNvPr>
+          <p:cNvGraphicFramePr>
+            <a:graphicFrameLocks noGrp="1"/>
+          </p:cNvGraphicFramePr>
+          <p:nvPr>
+            <p:extLst>
+              <p:ext uri="{D42A27DB-BD31-4B8C-83A1-F6EECF244321}">
+                <p14:modId xmlns:p14="http://schemas.microsoft.com/office/powerpoint/2010/main" val="3229032368"/>
+              </p:ext>
+            </p:extLst>
+          </p:nvPr>
+        </p:nvGraphicFramePr>
+        <p:xfrm>
+          <a:off x="-11622697" y="1272790"/>
+          <a:ext cx="2952327" cy="5085180"/>
+        </p:xfrm>
+        <a:graphic>
+          <a:graphicData uri="http://schemas.openxmlformats.org/drawingml/2006/table">
+            <a:tbl>
+              <a:tblPr firstRow="1" bandRow="1">
+                <a:tableStyleId>{5C22544A-7EE6-4342-B048-85BDC9FD1C3A}</a:tableStyleId>
+              </a:tblPr>
+              <a:tblGrid>
+                <a:gridCol w="984109">
+                  <a:extLst>
+                    <a:ext uri="{9D8B030D-6E8A-4147-A177-3AD203B41FA5}">
+                      <a16:colId xmlns:a16="http://schemas.microsoft.com/office/drawing/2014/main" val="20000"/>
+                    </a:ext>
+                  </a:extLst>
+                </a:gridCol>
+                <a:gridCol w="984109">
+                  <a:extLst>
+                    <a:ext uri="{9D8B030D-6E8A-4147-A177-3AD203B41FA5}">
+                      <a16:colId xmlns:a16="http://schemas.microsoft.com/office/drawing/2014/main" val="20001"/>
+                    </a:ext>
+                  </a:extLst>
+                </a:gridCol>
+                <a:gridCol w="984109">
+                  <a:extLst>
+                    <a:ext uri="{9D8B030D-6E8A-4147-A177-3AD203B41FA5}">
+                      <a16:colId xmlns:a16="http://schemas.microsoft.com/office/drawing/2014/main" val="20002"/>
+                    </a:ext>
+                  </a:extLst>
+                </a:gridCol>
+              </a:tblGrid>
+              <a:tr h="423765">
+                <a:tc>
+                  <a:txBody>
+                    <a:bodyPr/>
+                    <a:lstStyle/>
+                    <a:p>
+                      <a:pPr algn="ctr"/>
+                      <a:r>
+                        <a:rPr lang="es-ES" dirty="0">
+                          <a:solidFill>
+                            <a:srgbClr val="FFFF00"/>
+                          </a:solidFill>
+                        </a:rPr>
+                        <a:t>1</a:t>
+                      </a:r>
+                    </a:p>
+                  </a:txBody>
+                  <a:tcPr>
+                    <a:solidFill>
+                      <a:srgbClr val="000000">
+                        <a:alpha val="30196"/>
+                      </a:srgbClr>
+                    </a:solidFill>
+                  </a:tcPr>
+                </a:tc>
+                <a:tc>
+                  <a:txBody>
+                    <a:bodyPr/>
+                    <a:lstStyle/>
+                    <a:p>
+                      <a:pPr algn="ctr"/>
+                      <a:endParaRPr lang="es-ES" dirty="0">
+                        <a:solidFill>
+                          <a:srgbClr val="FFFF00"/>
+                        </a:solidFill>
+                      </a:endParaRPr>
+                    </a:p>
+                  </a:txBody>
+                  <a:tcPr>
+                    <a:solidFill>
+                      <a:srgbClr val="000000">
+                        <a:alpha val="30196"/>
+                      </a:srgbClr>
+                    </a:solidFill>
+                  </a:tcPr>
+                </a:tc>
+                <a:tc>
+                  <a:txBody>
+                    <a:bodyPr/>
+                    <a:lstStyle/>
+                    <a:p>
+                      <a:pPr algn="ctr"/>
+                      <a:r>
+                        <a:rPr lang="es-ES" dirty="0">
+                          <a:solidFill>
+                            <a:srgbClr val="FFFF00"/>
+                          </a:solidFill>
+                        </a:rPr>
+                        <a:t>1</a:t>
+                      </a:r>
+                    </a:p>
+                  </a:txBody>
+                  <a:tcPr>
+                    <a:solidFill>
+                      <a:srgbClr val="000000">
+                        <a:alpha val="30196"/>
+                      </a:srgbClr>
+                    </a:solidFill>
+                  </a:tcPr>
+                </a:tc>
+                <a:extLst>
+                  <a:ext uri="{0D108BD9-81ED-4DB2-BD59-A6C34878D82A}">
+                    <a16:rowId xmlns:a16="http://schemas.microsoft.com/office/drawing/2014/main" val="10000"/>
+                  </a:ext>
+                </a:extLst>
+              </a:tr>
+              <a:tr h="423765">
+                <a:tc>
+                  <a:txBody>
+                    <a:bodyPr/>
+                    <a:lstStyle/>
+                    <a:p>
+                      <a:pPr algn="ctr"/>
+                      <a:endParaRPr lang="es-ES">
+                        <a:solidFill>
+                          <a:srgbClr val="FFFF00"/>
+                        </a:solidFill>
+                      </a:endParaRPr>
+                    </a:p>
+                  </a:txBody>
+                  <a:tcPr>
+                    <a:solidFill>
+                      <a:srgbClr val="000000">
+                        <a:alpha val="30196"/>
+                      </a:srgbClr>
+                    </a:solidFill>
+                  </a:tcPr>
+                </a:tc>
+                <a:tc>
+                  <a:txBody>
+                    <a:bodyPr/>
+                    <a:lstStyle/>
+                    <a:p>
+                      <a:pPr algn="ctr"/>
+                      <a:endParaRPr lang="es-ES">
+                        <a:solidFill>
+                          <a:srgbClr val="FFFF00"/>
+                        </a:solidFill>
+                      </a:endParaRPr>
+                    </a:p>
+                  </a:txBody>
+                  <a:tcPr>
+                    <a:solidFill>
+                      <a:srgbClr val="000000">
+                        <a:alpha val="30196"/>
+                      </a:srgbClr>
+                    </a:solidFill>
+                  </a:tcPr>
+                </a:tc>
+                <a:tc>
+                  <a:txBody>
+                    <a:bodyPr/>
+                    <a:lstStyle/>
+                    <a:p>
+                      <a:pPr algn="ctr"/>
+                      <a:endParaRPr lang="es-ES">
+                        <a:solidFill>
+                          <a:srgbClr val="FFFF00"/>
+                        </a:solidFill>
+                      </a:endParaRPr>
+                    </a:p>
+                  </a:txBody>
+                  <a:tcPr>
+                    <a:solidFill>
+                      <a:srgbClr val="000000">
+                        <a:alpha val="30196"/>
+                      </a:srgbClr>
+                    </a:solidFill>
+                  </a:tcPr>
+                </a:tc>
+                <a:extLst>
+                  <a:ext uri="{0D108BD9-81ED-4DB2-BD59-A6C34878D82A}">
+                    <a16:rowId xmlns:a16="http://schemas.microsoft.com/office/drawing/2014/main" val="10001"/>
+                  </a:ext>
+                </a:extLst>
+              </a:tr>
+              <a:tr h="423765">
+                <a:tc>
+                  <a:txBody>
+                    <a:bodyPr/>
+                    <a:lstStyle/>
+                    <a:p>
+                      <a:pPr algn="ctr"/>
+                      <a:endParaRPr lang="es-ES">
+                        <a:solidFill>
+                          <a:srgbClr val="FFFF00"/>
+                        </a:solidFill>
+                      </a:endParaRPr>
+                    </a:p>
+                  </a:txBody>
+                  <a:tcPr>
+                    <a:solidFill>
+                      <a:srgbClr val="000000">
+                        <a:alpha val="30196"/>
+                      </a:srgbClr>
+                    </a:solidFill>
+                  </a:tcPr>
+                </a:tc>
+                <a:tc>
+                  <a:txBody>
+                    <a:bodyPr/>
+                    <a:lstStyle/>
+                    <a:p>
+                      <a:pPr algn="ctr"/>
+                      <a:endParaRPr lang="es-ES" dirty="0">
+                        <a:solidFill>
+                          <a:srgbClr val="FFFF00"/>
+                        </a:solidFill>
+                      </a:endParaRPr>
+                    </a:p>
+                  </a:txBody>
+                  <a:tcPr>
+                    <a:solidFill>
+                      <a:srgbClr val="000000">
+                        <a:alpha val="30196"/>
+                      </a:srgbClr>
+                    </a:solidFill>
+                  </a:tcPr>
+                </a:tc>
+                <a:tc>
+                  <a:txBody>
+                    <a:bodyPr/>
+                    <a:lstStyle/>
+                    <a:p>
+                      <a:pPr algn="ctr"/>
+                      <a:endParaRPr lang="es-ES">
+                        <a:solidFill>
+                          <a:srgbClr val="FFFF00"/>
+                        </a:solidFill>
+                      </a:endParaRPr>
+                    </a:p>
+                  </a:txBody>
+                  <a:tcPr>
+                    <a:solidFill>
+                      <a:srgbClr val="000000">
+                        <a:alpha val="30196"/>
+                      </a:srgbClr>
+                    </a:solidFill>
+                  </a:tcPr>
+                </a:tc>
+                <a:extLst>
+                  <a:ext uri="{0D108BD9-81ED-4DB2-BD59-A6C34878D82A}">
+                    <a16:rowId xmlns:a16="http://schemas.microsoft.com/office/drawing/2014/main" val="10002"/>
+                  </a:ext>
+                </a:extLst>
+              </a:tr>
+              <a:tr h="423765">
+                <a:tc>
+                  <a:txBody>
+                    <a:bodyPr/>
+                    <a:lstStyle/>
+                    <a:p>
+                      <a:pPr algn="ctr"/>
+                      <a:endParaRPr lang="es-ES">
+                        <a:solidFill>
+                          <a:srgbClr val="FFFF00"/>
+                        </a:solidFill>
+                      </a:endParaRPr>
+                    </a:p>
+                  </a:txBody>
+                  <a:tcPr>
+                    <a:solidFill>
+                      <a:srgbClr val="000000">
+                        <a:alpha val="30196"/>
+                      </a:srgbClr>
+                    </a:solidFill>
+                  </a:tcPr>
+                </a:tc>
+                <a:tc>
+                  <a:txBody>
+                    <a:bodyPr/>
+                    <a:lstStyle/>
+                    <a:p>
+                      <a:pPr algn="ctr"/>
+                      <a:endParaRPr lang="es-ES">
+                        <a:solidFill>
+                          <a:srgbClr val="FFFF00"/>
+                        </a:solidFill>
+                      </a:endParaRPr>
+                    </a:p>
+                  </a:txBody>
+                  <a:tcPr>
+                    <a:solidFill>
+                      <a:srgbClr val="000000">
+                        <a:alpha val="30196"/>
+                      </a:srgbClr>
+                    </a:solidFill>
+                  </a:tcPr>
+                </a:tc>
+                <a:tc>
+                  <a:txBody>
+                    <a:bodyPr/>
+                    <a:lstStyle/>
+                    <a:p>
+                      <a:pPr algn="ctr"/>
+                      <a:endParaRPr lang="es-ES">
+                        <a:solidFill>
+                          <a:srgbClr val="FFFF00"/>
+                        </a:solidFill>
+                      </a:endParaRPr>
+                    </a:p>
+                  </a:txBody>
+                  <a:tcPr>
+                    <a:solidFill>
+                      <a:srgbClr val="000000">
+                        <a:alpha val="30196"/>
+                      </a:srgbClr>
+                    </a:solidFill>
+                  </a:tcPr>
+                </a:tc>
+                <a:extLst>
+                  <a:ext uri="{0D108BD9-81ED-4DB2-BD59-A6C34878D82A}">
+                    <a16:rowId xmlns:a16="http://schemas.microsoft.com/office/drawing/2014/main" val="10003"/>
+                  </a:ext>
+                </a:extLst>
+              </a:tr>
+              <a:tr h="423765">
+                <a:tc>
+                  <a:txBody>
+                    <a:bodyPr/>
+                    <a:lstStyle/>
+                    <a:p>
+                      <a:pPr algn="ctr"/>
+                      <a:endParaRPr lang="es-ES" dirty="0">
+                        <a:solidFill>
+                          <a:srgbClr val="FFFF00"/>
+                        </a:solidFill>
+                      </a:endParaRPr>
+                    </a:p>
+                  </a:txBody>
+                  <a:tcPr>
+                    <a:solidFill>
+                      <a:srgbClr val="000000">
+                        <a:alpha val="30196"/>
+                      </a:srgbClr>
+                    </a:solidFill>
+                  </a:tcPr>
+                </a:tc>
+                <a:tc>
+                  <a:txBody>
+                    <a:bodyPr/>
+                    <a:lstStyle/>
+                    <a:p>
+                      <a:pPr algn="ctr"/>
+                      <a:endParaRPr lang="es-ES">
+                        <a:solidFill>
+                          <a:srgbClr val="FFFF00"/>
+                        </a:solidFill>
+                      </a:endParaRPr>
+                    </a:p>
+                  </a:txBody>
+                  <a:tcPr>
+                    <a:solidFill>
+                      <a:srgbClr val="000000">
+                        <a:alpha val="30196"/>
+                      </a:srgbClr>
+                    </a:solidFill>
+                  </a:tcPr>
+                </a:tc>
+                <a:tc>
+                  <a:txBody>
+                    <a:bodyPr/>
+                    <a:lstStyle/>
+                    <a:p>
+                      <a:pPr algn="ctr"/>
+                      <a:endParaRPr lang="es-ES" dirty="0">
+                        <a:solidFill>
+                          <a:srgbClr val="FFFF00"/>
+                        </a:solidFill>
+                      </a:endParaRPr>
+                    </a:p>
+                  </a:txBody>
+                  <a:tcPr>
+                    <a:solidFill>
+                      <a:srgbClr val="000000">
+                        <a:alpha val="30196"/>
+                      </a:srgbClr>
+                    </a:solidFill>
+                  </a:tcPr>
+                </a:tc>
+                <a:extLst>
+                  <a:ext uri="{0D108BD9-81ED-4DB2-BD59-A6C34878D82A}">
+                    <a16:rowId xmlns:a16="http://schemas.microsoft.com/office/drawing/2014/main" val="10004"/>
+                  </a:ext>
+                </a:extLst>
+              </a:tr>
+              <a:tr h="423765">
+                <a:tc>
+                  <a:txBody>
+                    <a:bodyPr/>
+                    <a:lstStyle/>
+                    <a:p>
+                      <a:pPr algn="ctr"/>
+                      <a:endParaRPr lang="es-ES" dirty="0">
+                        <a:solidFill>
+                          <a:srgbClr val="FFFF00"/>
+                        </a:solidFill>
+                      </a:endParaRPr>
+                    </a:p>
+                  </a:txBody>
+                  <a:tcPr>
+                    <a:solidFill>
+                      <a:srgbClr val="000000">
+                        <a:alpha val="30196"/>
+                      </a:srgbClr>
+                    </a:solidFill>
+                  </a:tcPr>
+                </a:tc>
+                <a:tc>
+                  <a:txBody>
+                    <a:bodyPr/>
+                    <a:lstStyle/>
+                    <a:p>
+                      <a:pPr algn="ctr"/>
+                      <a:endParaRPr lang="es-ES" dirty="0">
+                        <a:solidFill>
+                          <a:srgbClr val="FFFF00"/>
+                        </a:solidFill>
+                      </a:endParaRPr>
+                    </a:p>
+                  </a:txBody>
+                  <a:tcPr>
+                    <a:solidFill>
+                      <a:srgbClr val="000000">
+                        <a:alpha val="30196"/>
+                      </a:srgbClr>
+                    </a:solidFill>
+                  </a:tcPr>
+                </a:tc>
+                <a:tc>
+                  <a:txBody>
+                    <a:bodyPr/>
+                    <a:lstStyle/>
+                    <a:p>
+                      <a:pPr algn="ctr"/>
+                      <a:endParaRPr lang="es-ES" dirty="0">
+                        <a:solidFill>
+                          <a:srgbClr val="FFFF00"/>
+                        </a:solidFill>
+                      </a:endParaRPr>
+                    </a:p>
+                  </a:txBody>
+                  <a:tcPr>
+                    <a:solidFill>
+                      <a:srgbClr val="000000">
+                        <a:alpha val="30196"/>
+                      </a:srgbClr>
+                    </a:solidFill>
+                  </a:tcPr>
+                </a:tc>
+                <a:extLst>
+                  <a:ext uri="{0D108BD9-81ED-4DB2-BD59-A6C34878D82A}">
+                    <a16:rowId xmlns:a16="http://schemas.microsoft.com/office/drawing/2014/main" val="10005"/>
+                  </a:ext>
+                </a:extLst>
+              </a:tr>
+              <a:tr h="423765">
+                <a:tc>
+                  <a:txBody>
+                    <a:bodyPr/>
+                    <a:lstStyle/>
+                    <a:p>
+                      <a:pPr algn="ctr"/>
+                      <a:endParaRPr lang="es-ES">
+                        <a:solidFill>
+                          <a:srgbClr val="FFFF00"/>
+                        </a:solidFill>
+                      </a:endParaRPr>
+                    </a:p>
+                  </a:txBody>
+                  <a:tcPr>
+                    <a:solidFill>
+                      <a:srgbClr val="000000">
+                        <a:alpha val="30196"/>
+                      </a:srgbClr>
+                    </a:solidFill>
+                  </a:tcPr>
+                </a:tc>
+                <a:tc>
+                  <a:txBody>
+                    <a:bodyPr/>
+                    <a:lstStyle/>
+                    <a:p>
+                      <a:pPr algn="ctr"/>
+                      <a:endParaRPr lang="es-ES">
+                        <a:solidFill>
+                          <a:srgbClr val="FFFF00"/>
+                        </a:solidFill>
+                      </a:endParaRPr>
+                    </a:p>
+                  </a:txBody>
+                  <a:tcPr>
+                    <a:solidFill>
+                      <a:srgbClr val="000000">
+                        <a:alpha val="30196"/>
+                      </a:srgbClr>
+                    </a:solidFill>
+                  </a:tcPr>
+                </a:tc>
+                <a:tc>
+                  <a:txBody>
+                    <a:bodyPr/>
+                    <a:lstStyle/>
+                    <a:p>
+                      <a:pPr algn="ctr"/>
+                      <a:endParaRPr lang="es-ES">
+                        <a:solidFill>
+                          <a:srgbClr val="FFFF00"/>
+                        </a:solidFill>
+                      </a:endParaRPr>
+                    </a:p>
+                  </a:txBody>
+                  <a:tcPr>
+                    <a:solidFill>
+                      <a:srgbClr val="000000">
+                        <a:alpha val="30196"/>
+                      </a:srgbClr>
+                    </a:solidFill>
+                  </a:tcPr>
+                </a:tc>
+                <a:extLst>
+                  <a:ext uri="{0D108BD9-81ED-4DB2-BD59-A6C34878D82A}">
+                    <a16:rowId xmlns:a16="http://schemas.microsoft.com/office/drawing/2014/main" val="10006"/>
+                  </a:ext>
+                </a:extLst>
+              </a:tr>
+              <a:tr h="423765">
+                <a:tc>
+                  <a:txBody>
+                    <a:bodyPr/>
+                    <a:lstStyle/>
+                    <a:p>
+                      <a:pPr algn="ctr"/>
+                      <a:endParaRPr lang="es-ES" dirty="0">
+                        <a:solidFill>
+                          <a:srgbClr val="FFFF00"/>
+                        </a:solidFill>
+                      </a:endParaRPr>
+                    </a:p>
+                  </a:txBody>
+                  <a:tcPr>
+                    <a:solidFill>
+                      <a:srgbClr val="000000">
+                        <a:alpha val="30196"/>
+                      </a:srgbClr>
+                    </a:solidFill>
+                  </a:tcPr>
+                </a:tc>
+                <a:tc>
+                  <a:txBody>
+                    <a:bodyPr/>
+                    <a:lstStyle/>
+                    <a:p>
+                      <a:pPr algn="ctr"/>
+                      <a:endParaRPr lang="es-ES" dirty="0">
+                        <a:solidFill>
+                          <a:srgbClr val="FFFF00"/>
+                        </a:solidFill>
+                      </a:endParaRPr>
+                    </a:p>
+                  </a:txBody>
+                  <a:tcPr>
+                    <a:solidFill>
+                      <a:srgbClr val="000000">
+                        <a:alpha val="30196"/>
+                      </a:srgbClr>
+                    </a:solidFill>
+                  </a:tcPr>
+                </a:tc>
+                <a:tc>
+                  <a:txBody>
+                    <a:bodyPr/>
+                    <a:lstStyle/>
+                    <a:p>
+                      <a:pPr algn="ctr"/>
+                      <a:endParaRPr lang="es-ES" dirty="0">
+                        <a:solidFill>
+                          <a:srgbClr val="FFFF00"/>
+                        </a:solidFill>
+                      </a:endParaRPr>
+                    </a:p>
+                  </a:txBody>
+                  <a:tcPr>
+                    <a:solidFill>
+                      <a:srgbClr val="000000">
+                        <a:alpha val="30196"/>
+                      </a:srgbClr>
+                    </a:solidFill>
+                  </a:tcPr>
+                </a:tc>
+                <a:extLst>
+                  <a:ext uri="{0D108BD9-81ED-4DB2-BD59-A6C34878D82A}">
+                    <a16:rowId xmlns:a16="http://schemas.microsoft.com/office/drawing/2014/main" val="10007"/>
+                  </a:ext>
+                </a:extLst>
+              </a:tr>
+              <a:tr h="423765">
+                <a:tc>
+                  <a:txBody>
+                    <a:bodyPr/>
+                    <a:lstStyle/>
+                    <a:p>
+                      <a:pPr algn="ctr"/>
+                      <a:endParaRPr lang="es-ES">
+                        <a:solidFill>
+                          <a:srgbClr val="FFFF00"/>
+                        </a:solidFill>
+                      </a:endParaRPr>
+                    </a:p>
+                  </a:txBody>
+                  <a:tcPr>
+                    <a:solidFill>
+                      <a:srgbClr val="000000">
+                        <a:alpha val="30196"/>
+                      </a:srgbClr>
+                    </a:solidFill>
+                  </a:tcPr>
+                </a:tc>
+                <a:tc>
+                  <a:txBody>
+                    <a:bodyPr/>
+                    <a:lstStyle/>
+                    <a:p>
+                      <a:pPr algn="ctr"/>
+                      <a:endParaRPr lang="es-ES" dirty="0">
+                        <a:solidFill>
+                          <a:srgbClr val="FFFF00"/>
+                        </a:solidFill>
+                      </a:endParaRPr>
+                    </a:p>
+                  </a:txBody>
+                  <a:tcPr>
+                    <a:solidFill>
+                      <a:srgbClr val="000000">
+                        <a:alpha val="30196"/>
+                      </a:srgbClr>
+                    </a:solidFill>
+                  </a:tcPr>
+                </a:tc>
+                <a:tc>
+                  <a:txBody>
+                    <a:bodyPr/>
+                    <a:lstStyle/>
+                    <a:p>
+                      <a:pPr algn="ctr"/>
+                      <a:endParaRPr lang="es-ES">
+                        <a:solidFill>
+                          <a:srgbClr val="FFFF00"/>
+                        </a:solidFill>
+                      </a:endParaRPr>
+                    </a:p>
+                  </a:txBody>
+                  <a:tcPr>
+                    <a:solidFill>
+                      <a:srgbClr val="000000">
+                        <a:alpha val="30196"/>
+                      </a:srgbClr>
+                    </a:solidFill>
+                  </a:tcPr>
+                </a:tc>
+                <a:extLst>
+                  <a:ext uri="{0D108BD9-81ED-4DB2-BD59-A6C34878D82A}">
+                    <a16:rowId xmlns:a16="http://schemas.microsoft.com/office/drawing/2014/main" val="10008"/>
+                  </a:ext>
+                </a:extLst>
+              </a:tr>
+              <a:tr h="423765">
+                <a:tc>
+                  <a:txBody>
+                    <a:bodyPr/>
+                    <a:lstStyle/>
+                    <a:p>
+                      <a:pPr algn="ctr"/>
+                      <a:endParaRPr lang="es-ES" dirty="0">
+                        <a:solidFill>
+                          <a:srgbClr val="FFFF00"/>
+                        </a:solidFill>
+                      </a:endParaRPr>
+                    </a:p>
+                  </a:txBody>
+                  <a:tcPr>
+                    <a:solidFill>
+                      <a:srgbClr val="000000">
+                        <a:alpha val="30196"/>
+                      </a:srgbClr>
+                    </a:solidFill>
+                  </a:tcPr>
+                </a:tc>
+                <a:tc>
+                  <a:txBody>
+                    <a:bodyPr/>
+                    <a:lstStyle/>
+                    <a:p>
+                      <a:pPr algn="ctr"/>
+                      <a:endParaRPr lang="es-ES" dirty="0">
+                        <a:solidFill>
+                          <a:srgbClr val="FFFF00"/>
+                        </a:solidFill>
+                      </a:endParaRPr>
+                    </a:p>
+                  </a:txBody>
+                  <a:tcPr>
+                    <a:solidFill>
+                      <a:srgbClr val="000000">
+                        <a:alpha val="30196"/>
+                      </a:srgbClr>
+                    </a:solidFill>
+                  </a:tcPr>
+                </a:tc>
+                <a:tc>
+                  <a:txBody>
+                    <a:bodyPr/>
+                    <a:lstStyle/>
+                    <a:p>
+                      <a:pPr algn="ctr"/>
+                      <a:endParaRPr lang="es-ES">
+                        <a:solidFill>
+                          <a:srgbClr val="FFFF00"/>
+                        </a:solidFill>
+                      </a:endParaRPr>
+                    </a:p>
+                  </a:txBody>
+                  <a:tcPr>
+                    <a:solidFill>
+                      <a:srgbClr val="000000">
+                        <a:alpha val="30196"/>
+                      </a:srgbClr>
+                    </a:solidFill>
+                  </a:tcPr>
+                </a:tc>
+                <a:extLst>
+                  <a:ext uri="{0D108BD9-81ED-4DB2-BD59-A6C34878D82A}">
+                    <a16:rowId xmlns:a16="http://schemas.microsoft.com/office/drawing/2014/main" val="10009"/>
+                  </a:ext>
+                </a:extLst>
+              </a:tr>
+              <a:tr h="423765">
+                <a:tc>
+                  <a:txBody>
+                    <a:bodyPr/>
+                    <a:lstStyle/>
+                    <a:p>
+                      <a:pPr algn="ctr"/>
+                      <a:r>
+                        <a:rPr lang="es-ES" dirty="0">
+                          <a:solidFill>
+                            <a:srgbClr val="FFFF00"/>
+                          </a:solidFill>
+                        </a:rPr>
+                        <a:t>2</a:t>
+                      </a:r>
+                    </a:p>
+                  </a:txBody>
+                  <a:tcPr>
+                    <a:solidFill>
+                      <a:srgbClr val="000000">
+                        <a:alpha val="30196"/>
+                      </a:srgbClr>
+                    </a:solidFill>
+                  </a:tcPr>
+                </a:tc>
+                <a:tc>
+                  <a:txBody>
+                    <a:bodyPr/>
+                    <a:lstStyle/>
+                    <a:p>
+                      <a:pPr algn="ctr"/>
+                      <a:endParaRPr lang="es-ES" dirty="0">
+                        <a:solidFill>
+                          <a:srgbClr val="FFFF00"/>
+                        </a:solidFill>
+                      </a:endParaRPr>
+                    </a:p>
+                  </a:txBody>
+                  <a:tcPr>
+                    <a:solidFill>
+                      <a:srgbClr val="000000">
+                        <a:alpha val="30196"/>
+                      </a:srgbClr>
+                    </a:solidFill>
+                  </a:tcPr>
+                </a:tc>
+                <a:tc>
+                  <a:txBody>
+                    <a:bodyPr/>
+                    <a:lstStyle/>
+                    <a:p>
+                      <a:pPr algn="ctr"/>
+                      <a:r>
+                        <a:rPr lang="es-ES" dirty="0">
+                          <a:solidFill>
+                            <a:srgbClr val="FFFF00"/>
+                          </a:solidFill>
+                        </a:rPr>
+                        <a:t>2</a:t>
+                      </a:r>
+                    </a:p>
+                  </a:txBody>
+                  <a:tcPr>
+                    <a:solidFill>
+                      <a:srgbClr val="000000">
+                        <a:alpha val="30196"/>
+                      </a:srgbClr>
+                    </a:solidFill>
+                  </a:tcPr>
+                </a:tc>
+                <a:extLst>
+                  <a:ext uri="{0D108BD9-81ED-4DB2-BD59-A6C34878D82A}">
+                    <a16:rowId xmlns:a16="http://schemas.microsoft.com/office/drawing/2014/main" val="10010"/>
+                  </a:ext>
+                </a:extLst>
+              </a:tr>
+              <a:tr h="423765">
+                <a:tc>
+                  <a:txBody>
+                    <a:bodyPr/>
+                    <a:lstStyle/>
+                    <a:p>
+                      <a:pPr algn="ctr"/>
+                      <a:endParaRPr lang="es-ES" dirty="0">
+                        <a:solidFill>
+                          <a:srgbClr val="FFFF00"/>
+                        </a:solidFill>
+                      </a:endParaRPr>
+                    </a:p>
+                  </a:txBody>
+                  <a:tcPr>
+                    <a:solidFill>
+                      <a:srgbClr val="000000">
+                        <a:alpha val="30196"/>
+                      </a:srgbClr>
+                    </a:solidFill>
+                  </a:tcPr>
+                </a:tc>
+                <a:tc>
+                  <a:txBody>
+                    <a:bodyPr/>
+                    <a:lstStyle/>
+                    <a:p>
+                      <a:pPr algn="ctr"/>
+                      <a:endParaRPr lang="es-ES">
+                        <a:solidFill>
+                          <a:srgbClr val="FFFF00"/>
+                        </a:solidFill>
+                      </a:endParaRPr>
+                    </a:p>
+                  </a:txBody>
+                  <a:tcPr>
+                    <a:solidFill>
+                      <a:srgbClr val="000000">
+                        <a:alpha val="30196"/>
+                      </a:srgbClr>
+                    </a:solidFill>
+                  </a:tcPr>
+                </a:tc>
+                <a:tc>
+                  <a:txBody>
+                    <a:bodyPr/>
+                    <a:lstStyle/>
+                    <a:p>
+                      <a:pPr algn="ctr"/>
+                      <a:endParaRPr lang="es-ES" dirty="0">
+                        <a:solidFill>
+                          <a:srgbClr val="FFFF00"/>
+                        </a:solidFill>
+                      </a:endParaRPr>
+                    </a:p>
+                  </a:txBody>
+                  <a:tcPr>
+                    <a:solidFill>
+                      <a:srgbClr val="000000">
+                        <a:alpha val="30196"/>
+                      </a:srgbClr>
+                    </a:solidFill>
+                  </a:tcPr>
+                </a:tc>
+                <a:extLst>
+                  <a:ext uri="{0D108BD9-81ED-4DB2-BD59-A6C34878D82A}">
+                    <a16:rowId xmlns:a16="http://schemas.microsoft.com/office/drawing/2014/main" val="10011"/>
+                  </a:ext>
+                </a:extLst>
+              </a:tr>
+            </a:tbl>
+          </a:graphicData>
+        </a:graphic>
+      </p:graphicFrame>
+      <p:graphicFrame>
+        <p:nvGraphicFramePr>
+          <p:cNvPr id="12" name="Taula 12">
+            <a:extLst>
+              <a:ext uri="{FF2B5EF4-FFF2-40B4-BE49-F238E27FC236}">
+                <a16:creationId xmlns:a16="http://schemas.microsoft.com/office/drawing/2014/main" id="{B5FDF4FF-B463-43F1-AC8E-E7D279D83A88}"/>
+              </a:ext>
+            </a:extLst>
+          </p:cNvPr>
+          <p:cNvGraphicFramePr>
+            <a:graphicFrameLocks noGrp="1"/>
+          </p:cNvGraphicFramePr>
+          <p:nvPr>
+            <p:extLst>
+              <p:ext uri="{D42A27DB-BD31-4B8C-83A1-F6EECF244321}">
+                <p14:modId xmlns:p14="http://schemas.microsoft.com/office/powerpoint/2010/main" val="1599684374"/>
+              </p:ext>
+            </p:extLst>
+          </p:nvPr>
+        </p:nvGraphicFramePr>
+        <p:xfrm>
+          <a:off x="-7532446" y="1219596"/>
+          <a:ext cx="2952327" cy="5085180"/>
+        </p:xfrm>
+        <a:graphic>
+          <a:graphicData uri="http://schemas.openxmlformats.org/drawingml/2006/table">
+            <a:tbl>
+              <a:tblPr firstRow="1" bandRow="1">
+                <a:tableStyleId>{5C22544A-7EE6-4342-B048-85BDC9FD1C3A}</a:tableStyleId>
+              </a:tblPr>
+              <a:tblGrid>
+                <a:gridCol w="984109">
+                  <a:extLst>
+                    <a:ext uri="{9D8B030D-6E8A-4147-A177-3AD203B41FA5}">
+                      <a16:colId xmlns:a16="http://schemas.microsoft.com/office/drawing/2014/main" val="20000"/>
+                    </a:ext>
+                  </a:extLst>
+                </a:gridCol>
+                <a:gridCol w="984109">
+                  <a:extLst>
+                    <a:ext uri="{9D8B030D-6E8A-4147-A177-3AD203B41FA5}">
+                      <a16:colId xmlns:a16="http://schemas.microsoft.com/office/drawing/2014/main" val="20001"/>
+                    </a:ext>
+                  </a:extLst>
+                </a:gridCol>
+                <a:gridCol w="984109">
+                  <a:extLst>
+                    <a:ext uri="{9D8B030D-6E8A-4147-A177-3AD203B41FA5}">
+                      <a16:colId xmlns:a16="http://schemas.microsoft.com/office/drawing/2014/main" val="20002"/>
+                    </a:ext>
+                  </a:extLst>
+                </a:gridCol>
+              </a:tblGrid>
+              <a:tr h="423765">
+                <a:tc>
+                  <a:txBody>
+                    <a:bodyPr/>
+                    <a:lstStyle/>
+                    <a:p>
+                      <a:pPr algn="ctr"/>
+                      <a:r>
+                        <a:rPr lang="es-ES" dirty="0">
+                          <a:solidFill>
+                            <a:srgbClr val="FFFF00"/>
+                          </a:solidFill>
+                        </a:rPr>
+                        <a:t>1</a:t>
+                      </a:r>
+                    </a:p>
+                  </a:txBody>
+                  <a:tcPr>
+                    <a:solidFill>
+                      <a:srgbClr val="000000">
+                        <a:alpha val="30196"/>
+                      </a:srgbClr>
+                    </a:solidFill>
+                  </a:tcPr>
+                </a:tc>
+                <a:tc>
+                  <a:txBody>
+                    <a:bodyPr/>
+                    <a:lstStyle/>
+                    <a:p>
+                      <a:pPr algn="ctr"/>
+                      <a:endParaRPr lang="es-ES" dirty="0">
+                        <a:solidFill>
+                          <a:srgbClr val="FFFF00"/>
+                        </a:solidFill>
+                      </a:endParaRPr>
+                    </a:p>
+                  </a:txBody>
+                  <a:tcPr>
+                    <a:solidFill>
+                      <a:srgbClr val="000000">
+                        <a:alpha val="30196"/>
+                      </a:srgbClr>
+                    </a:solidFill>
+                  </a:tcPr>
+                </a:tc>
+                <a:tc>
+                  <a:txBody>
+                    <a:bodyPr/>
+                    <a:lstStyle/>
+                    <a:p>
+                      <a:pPr algn="ctr"/>
+                      <a:r>
+                        <a:rPr lang="es-ES" dirty="0">
+                          <a:solidFill>
+                            <a:srgbClr val="FFFF00"/>
+                          </a:solidFill>
+                        </a:rPr>
+                        <a:t>1</a:t>
+                      </a:r>
+                    </a:p>
+                  </a:txBody>
+                  <a:tcPr>
+                    <a:solidFill>
+                      <a:srgbClr val="000000">
+                        <a:alpha val="30196"/>
+                      </a:srgbClr>
+                    </a:solidFill>
+                  </a:tcPr>
+                </a:tc>
+                <a:extLst>
+                  <a:ext uri="{0D108BD9-81ED-4DB2-BD59-A6C34878D82A}">
+                    <a16:rowId xmlns:a16="http://schemas.microsoft.com/office/drawing/2014/main" val="10000"/>
+                  </a:ext>
+                </a:extLst>
+              </a:tr>
+              <a:tr h="423765">
+                <a:tc>
+                  <a:txBody>
+                    <a:bodyPr/>
+                    <a:lstStyle/>
+                    <a:p>
+                      <a:pPr algn="ctr"/>
+                      <a:endParaRPr lang="es-ES">
+                        <a:solidFill>
+                          <a:srgbClr val="FFFF00"/>
+                        </a:solidFill>
+                      </a:endParaRPr>
+                    </a:p>
+                  </a:txBody>
+                  <a:tcPr>
+                    <a:solidFill>
+                      <a:srgbClr val="000000">
+                        <a:alpha val="30196"/>
+                      </a:srgbClr>
+                    </a:solidFill>
+                  </a:tcPr>
+                </a:tc>
+                <a:tc>
+                  <a:txBody>
+                    <a:bodyPr/>
+                    <a:lstStyle/>
+                    <a:p>
+                      <a:pPr algn="ctr"/>
+                      <a:endParaRPr lang="es-ES">
+                        <a:solidFill>
+                          <a:srgbClr val="FFFF00"/>
+                        </a:solidFill>
+                      </a:endParaRPr>
+                    </a:p>
+                  </a:txBody>
+                  <a:tcPr>
+                    <a:solidFill>
+                      <a:srgbClr val="000000">
+                        <a:alpha val="30196"/>
+                      </a:srgbClr>
+                    </a:solidFill>
+                  </a:tcPr>
+                </a:tc>
+                <a:tc>
+                  <a:txBody>
+                    <a:bodyPr/>
+                    <a:lstStyle/>
+                    <a:p>
+                      <a:pPr algn="ctr"/>
+                      <a:endParaRPr lang="es-ES">
+                        <a:solidFill>
+                          <a:srgbClr val="FFFF00"/>
+                        </a:solidFill>
+                      </a:endParaRPr>
+                    </a:p>
+                  </a:txBody>
+                  <a:tcPr>
+                    <a:solidFill>
+                      <a:srgbClr val="000000">
+                        <a:alpha val="30196"/>
+                      </a:srgbClr>
+                    </a:solidFill>
+                  </a:tcPr>
+                </a:tc>
+                <a:extLst>
+                  <a:ext uri="{0D108BD9-81ED-4DB2-BD59-A6C34878D82A}">
+                    <a16:rowId xmlns:a16="http://schemas.microsoft.com/office/drawing/2014/main" val="10001"/>
+                  </a:ext>
+                </a:extLst>
+              </a:tr>
+              <a:tr h="423765">
+                <a:tc>
+                  <a:txBody>
+                    <a:bodyPr/>
+                    <a:lstStyle/>
+                    <a:p>
+                      <a:pPr algn="ctr"/>
+                      <a:endParaRPr lang="es-ES">
+                        <a:solidFill>
+                          <a:srgbClr val="FFFF00"/>
+                        </a:solidFill>
+                      </a:endParaRPr>
+                    </a:p>
+                  </a:txBody>
+                  <a:tcPr>
+                    <a:solidFill>
+                      <a:srgbClr val="000000">
+                        <a:alpha val="30196"/>
+                      </a:srgbClr>
+                    </a:solidFill>
+                  </a:tcPr>
+                </a:tc>
+                <a:tc>
+                  <a:txBody>
+                    <a:bodyPr/>
+                    <a:lstStyle/>
+                    <a:p>
+                      <a:pPr algn="ctr"/>
+                      <a:endParaRPr lang="es-ES" dirty="0">
+                        <a:solidFill>
+                          <a:srgbClr val="FFFF00"/>
+                        </a:solidFill>
+                      </a:endParaRPr>
+                    </a:p>
+                  </a:txBody>
+                  <a:tcPr>
+                    <a:solidFill>
+                      <a:srgbClr val="000000">
+                        <a:alpha val="30196"/>
+                      </a:srgbClr>
+                    </a:solidFill>
+                  </a:tcPr>
+                </a:tc>
+                <a:tc>
+                  <a:txBody>
+                    <a:bodyPr/>
+                    <a:lstStyle/>
+                    <a:p>
+                      <a:pPr algn="ctr"/>
+                      <a:endParaRPr lang="es-ES">
+                        <a:solidFill>
+                          <a:srgbClr val="FFFF00"/>
+                        </a:solidFill>
+                      </a:endParaRPr>
+                    </a:p>
+                  </a:txBody>
+                  <a:tcPr>
+                    <a:solidFill>
+                      <a:srgbClr val="000000">
+                        <a:alpha val="30196"/>
+                      </a:srgbClr>
+                    </a:solidFill>
+                  </a:tcPr>
+                </a:tc>
+                <a:extLst>
+                  <a:ext uri="{0D108BD9-81ED-4DB2-BD59-A6C34878D82A}">
+                    <a16:rowId xmlns:a16="http://schemas.microsoft.com/office/drawing/2014/main" val="10002"/>
+                  </a:ext>
+                </a:extLst>
+              </a:tr>
+              <a:tr h="423765">
+                <a:tc>
+                  <a:txBody>
+                    <a:bodyPr/>
+                    <a:lstStyle/>
+                    <a:p>
+                      <a:pPr algn="ctr"/>
+                      <a:endParaRPr lang="es-ES">
+                        <a:solidFill>
+                          <a:srgbClr val="FFFF00"/>
+                        </a:solidFill>
+                      </a:endParaRPr>
+                    </a:p>
+                  </a:txBody>
+                  <a:tcPr>
+                    <a:solidFill>
+                      <a:srgbClr val="000000">
+                        <a:alpha val="30196"/>
+                      </a:srgbClr>
+                    </a:solidFill>
+                  </a:tcPr>
+                </a:tc>
+                <a:tc>
+                  <a:txBody>
+                    <a:bodyPr/>
+                    <a:lstStyle/>
+                    <a:p>
+                      <a:pPr algn="ctr"/>
+                      <a:endParaRPr lang="es-ES">
+                        <a:solidFill>
+                          <a:srgbClr val="FFFF00"/>
+                        </a:solidFill>
+                      </a:endParaRPr>
+                    </a:p>
+                  </a:txBody>
+                  <a:tcPr>
+                    <a:solidFill>
+                      <a:srgbClr val="000000">
+                        <a:alpha val="30196"/>
+                      </a:srgbClr>
+                    </a:solidFill>
+                  </a:tcPr>
+                </a:tc>
+                <a:tc>
+                  <a:txBody>
+                    <a:bodyPr/>
+                    <a:lstStyle/>
+                    <a:p>
+                      <a:pPr algn="ctr"/>
+                      <a:endParaRPr lang="es-ES">
+                        <a:solidFill>
+                          <a:srgbClr val="FFFF00"/>
+                        </a:solidFill>
+                      </a:endParaRPr>
+                    </a:p>
+                  </a:txBody>
+                  <a:tcPr>
+                    <a:solidFill>
+                      <a:srgbClr val="000000">
+                        <a:alpha val="30196"/>
+                      </a:srgbClr>
+                    </a:solidFill>
+                  </a:tcPr>
+                </a:tc>
+                <a:extLst>
+                  <a:ext uri="{0D108BD9-81ED-4DB2-BD59-A6C34878D82A}">
+                    <a16:rowId xmlns:a16="http://schemas.microsoft.com/office/drawing/2014/main" val="10003"/>
+                  </a:ext>
+                </a:extLst>
+              </a:tr>
+              <a:tr h="423765">
+                <a:tc>
+                  <a:txBody>
+                    <a:bodyPr/>
+                    <a:lstStyle/>
+                    <a:p>
+                      <a:pPr algn="ctr"/>
+                      <a:endParaRPr lang="es-ES" dirty="0">
+                        <a:solidFill>
+                          <a:srgbClr val="FFFF00"/>
+                        </a:solidFill>
+                      </a:endParaRPr>
+                    </a:p>
+                  </a:txBody>
+                  <a:tcPr>
+                    <a:solidFill>
+                      <a:srgbClr val="000000">
+                        <a:alpha val="30196"/>
+                      </a:srgbClr>
+                    </a:solidFill>
+                  </a:tcPr>
+                </a:tc>
+                <a:tc>
+                  <a:txBody>
+                    <a:bodyPr/>
+                    <a:lstStyle/>
+                    <a:p>
+                      <a:pPr algn="ctr"/>
+                      <a:endParaRPr lang="es-ES">
+                        <a:solidFill>
+                          <a:srgbClr val="FFFF00"/>
+                        </a:solidFill>
+                      </a:endParaRPr>
+                    </a:p>
+                  </a:txBody>
+                  <a:tcPr>
+                    <a:solidFill>
+                      <a:srgbClr val="000000">
+                        <a:alpha val="30196"/>
+                      </a:srgbClr>
+                    </a:solidFill>
+                  </a:tcPr>
+                </a:tc>
+                <a:tc>
+                  <a:txBody>
+                    <a:bodyPr/>
+                    <a:lstStyle/>
+                    <a:p>
+                      <a:pPr algn="ctr"/>
+                      <a:endParaRPr lang="es-ES" dirty="0">
+                        <a:solidFill>
+                          <a:srgbClr val="FFFF00"/>
+                        </a:solidFill>
+                      </a:endParaRPr>
+                    </a:p>
+                  </a:txBody>
+                  <a:tcPr>
+                    <a:solidFill>
+                      <a:srgbClr val="000000">
+                        <a:alpha val="30196"/>
+                      </a:srgbClr>
+                    </a:solidFill>
+                  </a:tcPr>
+                </a:tc>
+                <a:extLst>
+                  <a:ext uri="{0D108BD9-81ED-4DB2-BD59-A6C34878D82A}">
+                    <a16:rowId xmlns:a16="http://schemas.microsoft.com/office/drawing/2014/main" val="10004"/>
+                  </a:ext>
+                </a:extLst>
+              </a:tr>
+              <a:tr h="423765">
+                <a:tc>
+                  <a:txBody>
+                    <a:bodyPr/>
+                    <a:lstStyle/>
+                    <a:p>
+                      <a:pPr algn="ctr"/>
+                      <a:endParaRPr lang="es-ES" dirty="0">
+                        <a:solidFill>
+                          <a:srgbClr val="FFFF00"/>
+                        </a:solidFill>
+                      </a:endParaRPr>
+                    </a:p>
+                  </a:txBody>
+                  <a:tcPr>
+                    <a:solidFill>
+                      <a:srgbClr val="000000">
+                        <a:alpha val="30196"/>
+                      </a:srgbClr>
+                    </a:solidFill>
+                  </a:tcPr>
+                </a:tc>
+                <a:tc>
+                  <a:txBody>
+                    <a:bodyPr/>
+                    <a:lstStyle/>
+                    <a:p>
+                      <a:pPr algn="ctr"/>
+                      <a:r>
+                        <a:rPr lang="es-ES" dirty="0">
+                          <a:solidFill>
+                            <a:srgbClr val="FFFF00"/>
+                          </a:solidFill>
+                        </a:rPr>
+                        <a:t>1</a:t>
+                      </a:r>
+                    </a:p>
+                  </a:txBody>
+                  <a:tcPr>
+                    <a:solidFill>
+                      <a:srgbClr val="000000">
+                        <a:alpha val="30196"/>
+                      </a:srgbClr>
+                    </a:solidFill>
+                  </a:tcPr>
+                </a:tc>
+                <a:tc>
+                  <a:txBody>
+                    <a:bodyPr/>
+                    <a:lstStyle/>
+                    <a:p>
+                      <a:pPr algn="ctr"/>
+                      <a:endParaRPr lang="es-ES" dirty="0">
+                        <a:solidFill>
+                          <a:srgbClr val="FFFF00"/>
+                        </a:solidFill>
+                      </a:endParaRPr>
+                    </a:p>
+                  </a:txBody>
+                  <a:tcPr>
+                    <a:solidFill>
+                      <a:srgbClr val="000000">
+                        <a:alpha val="30196"/>
+                      </a:srgbClr>
+                    </a:solidFill>
+                  </a:tcPr>
+                </a:tc>
+                <a:extLst>
+                  <a:ext uri="{0D108BD9-81ED-4DB2-BD59-A6C34878D82A}">
+                    <a16:rowId xmlns:a16="http://schemas.microsoft.com/office/drawing/2014/main" val="10005"/>
+                  </a:ext>
+                </a:extLst>
+              </a:tr>
+              <a:tr h="423765">
+                <a:tc>
+                  <a:txBody>
+                    <a:bodyPr/>
+                    <a:lstStyle/>
+                    <a:p>
+                      <a:pPr algn="ctr"/>
+                      <a:endParaRPr lang="es-ES">
+                        <a:solidFill>
+                          <a:srgbClr val="FFFF00"/>
+                        </a:solidFill>
+                      </a:endParaRPr>
+                    </a:p>
+                  </a:txBody>
+                  <a:tcPr>
+                    <a:solidFill>
+                      <a:srgbClr val="000000">
+                        <a:alpha val="30196"/>
+                      </a:srgbClr>
+                    </a:solidFill>
+                  </a:tcPr>
+                </a:tc>
+                <a:tc>
+                  <a:txBody>
+                    <a:bodyPr/>
+                    <a:lstStyle/>
+                    <a:p>
+                      <a:pPr algn="ctr"/>
+                      <a:endParaRPr lang="es-ES">
+                        <a:solidFill>
+                          <a:srgbClr val="FFFF00"/>
+                        </a:solidFill>
+                      </a:endParaRPr>
+                    </a:p>
+                  </a:txBody>
+                  <a:tcPr>
+                    <a:solidFill>
+                      <a:srgbClr val="000000">
+                        <a:alpha val="30196"/>
+                      </a:srgbClr>
+                    </a:solidFill>
+                  </a:tcPr>
+                </a:tc>
+                <a:tc>
+                  <a:txBody>
+                    <a:bodyPr/>
+                    <a:lstStyle/>
+                    <a:p>
+                      <a:pPr algn="ctr"/>
+                      <a:endParaRPr lang="es-ES">
+                        <a:solidFill>
+                          <a:srgbClr val="FFFF00"/>
+                        </a:solidFill>
+                      </a:endParaRPr>
+                    </a:p>
+                  </a:txBody>
+                  <a:tcPr>
+                    <a:solidFill>
+                      <a:srgbClr val="000000">
+                        <a:alpha val="30196"/>
+                      </a:srgbClr>
+                    </a:solidFill>
+                  </a:tcPr>
+                </a:tc>
+                <a:extLst>
+                  <a:ext uri="{0D108BD9-81ED-4DB2-BD59-A6C34878D82A}">
+                    <a16:rowId xmlns:a16="http://schemas.microsoft.com/office/drawing/2014/main" val="10006"/>
+                  </a:ext>
+                </a:extLst>
+              </a:tr>
+              <a:tr h="423765">
+                <a:tc>
+                  <a:txBody>
+                    <a:bodyPr/>
+                    <a:lstStyle/>
+                    <a:p>
+                      <a:pPr algn="ctr"/>
+                      <a:endParaRPr lang="es-ES" dirty="0">
+                        <a:solidFill>
+                          <a:srgbClr val="FFFF00"/>
+                        </a:solidFill>
+                      </a:endParaRPr>
+                    </a:p>
+                  </a:txBody>
+                  <a:tcPr>
+                    <a:solidFill>
+                      <a:srgbClr val="000000">
+                        <a:alpha val="30196"/>
+                      </a:srgbClr>
+                    </a:solidFill>
+                  </a:tcPr>
+                </a:tc>
+                <a:tc>
+                  <a:txBody>
+                    <a:bodyPr/>
+                    <a:lstStyle/>
+                    <a:p>
+                      <a:pPr algn="ctr"/>
+                      <a:endParaRPr lang="es-ES" dirty="0">
+                        <a:solidFill>
+                          <a:srgbClr val="FFFF00"/>
+                        </a:solidFill>
+                      </a:endParaRPr>
+                    </a:p>
+                  </a:txBody>
+                  <a:tcPr>
+                    <a:solidFill>
+                      <a:srgbClr val="000000">
+                        <a:alpha val="30196"/>
+                      </a:srgbClr>
+                    </a:solidFill>
+                  </a:tcPr>
+                </a:tc>
+                <a:tc>
+                  <a:txBody>
+                    <a:bodyPr/>
+                    <a:lstStyle/>
+                    <a:p>
+                      <a:pPr algn="ctr"/>
+                      <a:endParaRPr lang="es-ES" dirty="0">
+                        <a:solidFill>
+                          <a:srgbClr val="FFFF00"/>
+                        </a:solidFill>
+                      </a:endParaRPr>
+                    </a:p>
+                  </a:txBody>
+                  <a:tcPr>
+                    <a:solidFill>
+                      <a:srgbClr val="000000">
+                        <a:alpha val="30196"/>
+                      </a:srgbClr>
+                    </a:solidFill>
+                  </a:tcPr>
+                </a:tc>
+                <a:extLst>
+                  <a:ext uri="{0D108BD9-81ED-4DB2-BD59-A6C34878D82A}">
+                    <a16:rowId xmlns:a16="http://schemas.microsoft.com/office/drawing/2014/main" val="10007"/>
+                  </a:ext>
+                </a:extLst>
+              </a:tr>
+              <a:tr h="423765">
+                <a:tc>
+                  <a:txBody>
+                    <a:bodyPr/>
+                    <a:lstStyle/>
+                    <a:p>
+                      <a:pPr algn="ctr"/>
+                      <a:endParaRPr lang="es-ES">
+                        <a:solidFill>
+                          <a:srgbClr val="FFFF00"/>
+                        </a:solidFill>
+                      </a:endParaRPr>
+                    </a:p>
+                  </a:txBody>
+                  <a:tcPr>
+                    <a:solidFill>
+                      <a:srgbClr val="000000">
+                        <a:alpha val="30196"/>
+                      </a:srgbClr>
+                    </a:solidFill>
+                  </a:tcPr>
+                </a:tc>
+                <a:tc>
+                  <a:txBody>
+                    <a:bodyPr/>
+                    <a:lstStyle/>
+                    <a:p>
+                      <a:pPr algn="ctr"/>
+                      <a:endParaRPr lang="es-ES" dirty="0">
+                        <a:solidFill>
+                          <a:srgbClr val="FFFF00"/>
+                        </a:solidFill>
+                      </a:endParaRPr>
+                    </a:p>
+                  </a:txBody>
+                  <a:tcPr>
+                    <a:solidFill>
+                      <a:srgbClr val="000000">
+                        <a:alpha val="30196"/>
+                      </a:srgbClr>
+                    </a:solidFill>
+                  </a:tcPr>
+                </a:tc>
+                <a:tc>
+                  <a:txBody>
+                    <a:bodyPr/>
+                    <a:lstStyle/>
+                    <a:p>
+                      <a:pPr algn="ctr"/>
+                      <a:endParaRPr lang="es-ES">
+                        <a:solidFill>
+                          <a:srgbClr val="FFFF00"/>
+                        </a:solidFill>
+                      </a:endParaRPr>
+                    </a:p>
+                  </a:txBody>
+                  <a:tcPr>
+                    <a:solidFill>
+                      <a:srgbClr val="000000">
+                        <a:alpha val="30196"/>
+                      </a:srgbClr>
+                    </a:solidFill>
+                  </a:tcPr>
+                </a:tc>
+                <a:extLst>
+                  <a:ext uri="{0D108BD9-81ED-4DB2-BD59-A6C34878D82A}">
+                    <a16:rowId xmlns:a16="http://schemas.microsoft.com/office/drawing/2014/main" val="10008"/>
+                  </a:ext>
+                </a:extLst>
+              </a:tr>
+              <a:tr h="423765">
+                <a:tc>
+                  <a:txBody>
+                    <a:bodyPr/>
+                    <a:lstStyle/>
+                    <a:p>
+                      <a:pPr algn="ctr"/>
+                      <a:endParaRPr lang="es-ES" dirty="0">
+                        <a:solidFill>
+                          <a:srgbClr val="FFFF00"/>
+                        </a:solidFill>
+                      </a:endParaRPr>
+                    </a:p>
+                  </a:txBody>
+                  <a:tcPr>
+                    <a:solidFill>
+                      <a:srgbClr val="000000">
+                        <a:alpha val="30196"/>
+                      </a:srgbClr>
+                    </a:solidFill>
+                  </a:tcPr>
+                </a:tc>
+                <a:tc>
+                  <a:txBody>
+                    <a:bodyPr/>
+                    <a:lstStyle/>
+                    <a:p>
+                      <a:pPr algn="ctr"/>
+                      <a:endParaRPr lang="es-ES" dirty="0">
+                        <a:solidFill>
+                          <a:srgbClr val="FFFF00"/>
+                        </a:solidFill>
+                      </a:endParaRPr>
+                    </a:p>
+                  </a:txBody>
+                  <a:tcPr>
+                    <a:solidFill>
+                      <a:srgbClr val="000000">
+                        <a:alpha val="30196"/>
+                      </a:srgbClr>
+                    </a:solidFill>
+                  </a:tcPr>
+                </a:tc>
+                <a:tc>
+                  <a:txBody>
+                    <a:bodyPr/>
+                    <a:lstStyle/>
+                    <a:p>
+                      <a:pPr algn="ctr"/>
+                      <a:endParaRPr lang="es-ES">
+                        <a:solidFill>
+                          <a:srgbClr val="FFFF00"/>
+                        </a:solidFill>
+                      </a:endParaRPr>
+                    </a:p>
+                  </a:txBody>
+                  <a:tcPr>
+                    <a:solidFill>
+                      <a:srgbClr val="000000">
+                        <a:alpha val="30196"/>
+                      </a:srgbClr>
+                    </a:solidFill>
+                  </a:tcPr>
+                </a:tc>
+                <a:extLst>
+                  <a:ext uri="{0D108BD9-81ED-4DB2-BD59-A6C34878D82A}">
+                    <a16:rowId xmlns:a16="http://schemas.microsoft.com/office/drawing/2014/main" val="10009"/>
+                  </a:ext>
+                </a:extLst>
+              </a:tr>
+              <a:tr h="423765">
+                <a:tc>
+                  <a:txBody>
+                    <a:bodyPr/>
+                    <a:lstStyle/>
+                    <a:p>
+                      <a:pPr algn="ctr"/>
+                      <a:r>
+                        <a:rPr lang="es-ES" dirty="0">
+                          <a:solidFill>
+                            <a:srgbClr val="FFFF00"/>
+                          </a:solidFill>
+                        </a:rPr>
+                        <a:t>2</a:t>
+                      </a:r>
+                    </a:p>
+                  </a:txBody>
+                  <a:tcPr>
+                    <a:solidFill>
+                      <a:srgbClr val="000000">
+                        <a:alpha val="30196"/>
+                      </a:srgbClr>
+                    </a:solidFill>
+                  </a:tcPr>
+                </a:tc>
+                <a:tc>
+                  <a:txBody>
+                    <a:bodyPr/>
+                    <a:lstStyle/>
+                    <a:p>
+                      <a:pPr algn="ctr"/>
+                      <a:endParaRPr lang="es-ES" dirty="0">
+                        <a:solidFill>
+                          <a:srgbClr val="FFFF00"/>
+                        </a:solidFill>
+                      </a:endParaRPr>
+                    </a:p>
+                  </a:txBody>
+                  <a:tcPr>
+                    <a:solidFill>
+                      <a:srgbClr val="000000">
+                        <a:alpha val="30196"/>
+                      </a:srgbClr>
+                    </a:solidFill>
+                  </a:tcPr>
+                </a:tc>
+                <a:tc>
+                  <a:txBody>
+                    <a:bodyPr/>
+                    <a:lstStyle/>
+                    <a:p>
+                      <a:pPr algn="ctr"/>
+                      <a:r>
+                        <a:rPr lang="es-ES" dirty="0">
+                          <a:solidFill>
+                            <a:srgbClr val="FFFF00"/>
+                          </a:solidFill>
+                        </a:rPr>
+                        <a:t>2</a:t>
+                      </a:r>
+                    </a:p>
+                  </a:txBody>
+                  <a:tcPr>
+                    <a:solidFill>
+                      <a:srgbClr val="000000">
+                        <a:alpha val="30196"/>
+                      </a:srgbClr>
+                    </a:solidFill>
+                  </a:tcPr>
+                </a:tc>
+                <a:extLst>
+                  <a:ext uri="{0D108BD9-81ED-4DB2-BD59-A6C34878D82A}">
+                    <a16:rowId xmlns:a16="http://schemas.microsoft.com/office/drawing/2014/main" val="10010"/>
+                  </a:ext>
+                </a:extLst>
+              </a:tr>
+              <a:tr h="423765">
+                <a:tc>
+                  <a:txBody>
+                    <a:bodyPr/>
+                    <a:lstStyle/>
+                    <a:p>
+                      <a:pPr algn="ctr"/>
+                      <a:endParaRPr lang="es-ES" dirty="0">
+                        <a:solidFill>
+                          <a:srgbClr val="FFFF00"/>
+                        </a:solidFill>
+                      </a:endParaRPr>
+                    </a:p>
+                  </a:txBody>
+                  <a:tcPr>
+                    <a:solidFill>
+                      <a:srgbClr val="000000">
+                        <a:alpha val="30196"/>
+                      </a:srgbClr>
+                    </a:solidFill>
+                  </a:tcPr>
+                </a:tc>
+                <a:tc>
+                  <a:txBody>
+                    <a:bodyPr/>
+                    <a:lstStyle/>
+                    <a:p>
+                      <a:pPr algn="ctr"/>
+                      <a:endParaRPr lang="es-ES">
+                        <a:solidFill>
+                          <a:srgbClr val="FFFF00"/>
+                        </a:solidFill>
+                      </a:endParaRPr>
+                    </a:p>
+                  </a:txBody>
+                  <a:tcPr>
+                    <a:solidFill>
+                      <a:srgbClr val="000000">
+                        <a:alpha val="30196"/>
+                      </a:srgbClr>
+                    </a:solidFill>
+                  </a:tcPr>
+                </a:tc>
+                <a:tc>
+                  <a:txBody>
+                    <a:bodyPr/>
+                    <a:lstStyle/>
+                    <a:p>
+                      <a:pPr algn="ctr"/>
+                      <a:endParaRPr lang="es-ES" dirty="0">
+                        <a:solidFill>
+                          <a:srgbClr val="FFFF00"/>
+                        </a:solidFill>
+                      </a:endParaRPr>
+                    </a:p>
+                  </a:txBody>
+                  <a:tcPr>
+                    <a:solidFill>
+                      <a:srgbClr val="000000">
+                        <a:alpha val="30196"/>
+                      </a:srgbClr>
+                    </a:solidFill>
+                  </a:tcPr>
+                </a:tc>
+                <a:extLst>
+                  <a:ext uri="{0D108BD9-81ED-4DB2-BD59-A6C34878D82A}">
+                    <a16:rowId xmlns:a16="http://schemas.microsoft.com/office/drawing/2014/main" val="10011"/>
+                  </a:ext>
+                </a:extLst>
+              </a:tr>
+            </a:tbl>
+          </a:graphicData>
+        </a:graphic>
+      </p:graphicFrame>
+      <p:graphicFrame>
+        <p:nvGraphicFramePr>
+          <p:cNvPr id="15" name="Taula 12">
+            <a:extLst>
+              <a:ext uri="{FF2B5EF4-FFF2-40B4-BE49-F238E27FC236}">
+                <a16:creationId xmlns:a16="http://schemas.microsoft.com/office/drawing/2014/main" id="{E45679DD-7EB8-47B8-A404-380A133D0B1E}"/>
+              </a:ext>
+            </a:extLst>
+          </p:cNvPr>
+          <p:cNvGraphicFramePr>
+            <a:graphicFrameLocks noGrp="1"/>
+          </p:cNvGraphicFramePr>
+          <p:nvPr>
+            <p:extLst>
+              <p:ext uri="{D42A27DB-BD31-4B8C-83A1-F6EECF244321}">
+                <p14:modId xmlns:p14="http://schemas.microsoft.com/office/powerpoint/2010/main" val="3626553478"/>
+              </p:ext>
+            </p:extLst>
+          </p:nvPr>
+        </p:nvGraphicFramePr>
+        <p:xfrm>
+          <a:off x="901658" y="1219596"/>
+          <a:ext cx="2952327" cy="5085180"/>
+        </p:xfrm>
+        <a:graphic>
+          <a:graphicData uri="http://schemas.openxmlformats.org/drawingml/2006/table">
+            <a:tbl>
+              <a:tblPr firstRow="1" bandRow="1">
+                <a:tableStyleId>{5C22544A-7EE6-4342-B048-85BDC9FD1C3A}</a:tableStyleId>
+              </a:tblPr>
+              <a:tblGrid>
+                <a:gridCol w="984109">
+                  <a:extLst>
+                    <a:ext uri="{9D8B030D-6E8A-4147-A177-3AD203B41FA5}">
+                      <a16:colId xmlns:a16="http://schemas.microsoft.com/office/drawing/2014/main" val="20000"/>
+                    </a:ext>
+                  </a:extLst>
+                </a:gridCol>
+                <a:gridCol w="984109">
+                  <a:extLst>
+                    <a:ext uri="{9D8B030D-6E8A-4147-A177-3AD203B41FA5}">
+                      <a16:colId xmlns:a16="http://schemas.microsoft.com/office/drawing/2014/main" val="20001"/>
+                    </a:ext>
+                  </a:extLst>
+                </a:gridCol>
+                <a:gridCol w="984109">
+                  <a:extLst>
+                    <a:ext uri="{9D8B030D-6E8A-4147-A177-3AD203B41FA5}">
+                      <a16:colId xmlns:a16="http://schemas.microsoft.com/office/drawing/2014/main" val="20002"/>
+                    </a:ext>
+                  </a:extLst>
+                </a:gridCol>
+              </a:tblGrid>
+              <a:tr h="423765">
+                <a:tc>
+                  <a:txBody>
+                    <a:bodyPr/>
+                    <a:lstStyle/>
+                    <a:p>
+                      <a:pPr algn="ctr"/>
+                      <a:r>
+                        <a:rPr lang="es-ES" dirty="0">
+                          <a:solidFill>
+                            <a:srgbClr val="FFFF00"/>
+                          </a:solidFill>
+                        </a:rPr>
+                        <a:t>1</a:t>
+                      </a:r>
+                    </a:p>
+                  </a:txBody>
+                  <a:tcPr>
+                    <a:solidFill>
+                      <a:srgbClr val="000000">
+                        <a:alpha val="30196"/>
+                      </a:srgbClr>
+                    </a:solidFill>
+                  </a:tcPr>
+                </a:tc>
+                <a:tc>
+                  <a:txBody>
+                    <a:bodyPr/>
+                    <a:lstStyle/>
+                    <a:p>
+                      <a:pPr algn="ctr"/>
+                      <a:endParaRPr lang="es-ES" dirty="0">
+                        <a:solidFill>
+                          <a:srgbClr val="FFFF00"/>
+                        </a:solidFill>
+                      </a:endParaRPr>
+                    </a:p>
+                  </a:txBody>
+                  <a:tcPr>
+                    <a:solidFill>
+                      <a:srgbClr val="000000">
+                        <a:alpha val="30196"/>
+                      </a:srgbClr>
+                    </a:solidFill>
+                  </a:tcPr>
+                </a:tc>
+                <a:tc>
+                  <a:txBody>
+                    <a:bodyPr/>
+                    <a:lstStyle/>
+                    <a:p>
+                      <a:pPr algn="ctr"/>
+                      <a:r>
+                        <a:rPr lang="es-ES" dirty="0">
+                          <a:solidFill>
+                            <a:srgbClr val="FFFF00"/>
+                          </a:solidFill>
+                        </a:rPr>
+                        <a:t>1</a:t>
+                      </a:r>
+                    </a:p>
+                  </a:txBody>
+                  <a:tcPr>
+                    <a:solidFill>
+                      <a:srgbClr val="000000">
+                        <a:alpha val="30196"/>
+                      </a:srgbClr>
+                    </a:solidFill>
+                  </a:tcPr>
+                </a:tc>
+                <a:extLst>
+                  <a:ext uri="{0D108BD9-81ED-4DB2-BD59-A6C34878D82A}">
+                    <a16:rowId xmlns:a16="http://schemas.microsoft.com/office/drawing/2014/main" val="10000"/>
+                  </a:ext>
+                </a:extLst>
+              </a:tr>
+              <a:tr h="423765">
+                <a:tc>
+                  <a:txBody>
+                    <a:bodyPr/>
+                    <a:lstStyle/>
+                    <a:p>
+                      <a:pPr algn="ctr"/>
+                      <a:endParaRPr lang="es-ES">
+                        <a:solidFill>
+                          <a:srgbClr val="FFFF00"/>
+                        </a:solidFill>
+                      </a:endParaRPr>
+                    </a:p>
+                  </a:txBody>
+                  <a:tcPr>
+                    <a:solidFill>
+                      <a:srgbClr val="000000">
+                        <a:alpha val="30196"/>
+                      </a:srgbClr>
+                    </a:solidFill>
+                  </a:tcPr>
+                </a:tc>
+                <a:tc>
+                  <a:txBody>
+                    <a:bodyPr/>
+                    <a:lstStyle/>
+                    <a:p>
+                      <a:pPr algn="ctr"/>
+                      <a:endParaRPr lang="es-ES">
+                        <a:solidFill>
+                          <a:srgbClr val="FFFF00"/>
+                        </a:solidFill>
+                      </a:endParaRPr>
+                    </a:p>
+                  </a:txBody>
+                  <a:tcPr>
+                    <a:solidFill>
+                      <a:srgbClr val="000000">
+                        <a:alpha val="30196"/>
+                      </a:srgbClr>
+                    </a:solidFill>
+                  </a:tcPr>
+                </a:tc>
+                <a:tc>
+                  <a:txBody>
+                    <a:bodyPr/>
+                    <a:lstStyle/>
+                    <a:p>
+                      <a:pPr algn="ctr"/>
+                      <a:endParaRPr lang="es-ES">
+                        <a:solidFill>
+                          <a:srgbClr val="FFFF00"/>
+                        </a:solidFill>
+                      </a:endParaRPr>
+                    </a:p>
+                  </a:txBody>
+                  <a:tcPr>
+                    <a:solidFill>
+                      <a:srgbClr val="000000">
+                        <a:alpha val="30196"/>
+                      </a:srgbClr>
+                    </a:solidFill>
+                  </a:tcPr>
+                </a:tc>
+                <a:extLst>
+                  <a:ext uri="{0D108BD9-81ED-4DB2-BD59-A6C34878D82A}">
+                    <a16:rowId xmlns:a16="http://schemas.microsoft.com/office/drawing/2014/main" val="10001"/>
+                  </a:ext>
+                </a:extLst>
+              </a:tr>
+              <a:tr h="423765">
+                <a:tc>
+                  <a:txBody>
+                    <a:bodyPr/>
+                    <a:lstStyle/>
+                    <a:p>
+                      <a:pPr algn="ctr"/>
+                      <a:endParaRPr lang="es-ES">
+                        <a:solidFill>
+                          <a:srgbClr val="FFFF00"/>
+                        </a:solidFill>
+                      </a:endParaRPr>
+                    </a:p>
+                  </a:txBody>
+                  <a:tcPr>
+                    <a:solidFill>
+                      <a:srgbClr val="000000">
+                        <a:alpha val="30196"/>
+                      </a:srgbClr>
+                    </a:solidFill>
+                  </a:tcPr>
+                </a:tc>
+                <a:tc>
+                  <a:txBody>
+                    <a:bodyPr/>
+                    <a:lstStyle/>
+                    <a:p>
+                      <a:pPr algn="ctr"/>
+                      <a:endParaRPr lang="es-ES" dirty="0">
+                        <a:solidFill>
+                          <a:srgbClr val="FFFF00"/>
+                        </a:solidFill>
+                      </a:endParaRPr>
+                    </a:p>
+                  </a:txBody>
+                  <a:tcPr>
+                    <a:solidFill>
+                      <a:srgbClr val="000000">
+                        <a:alpha val="30196"/>
+                      </a:srgbClr>
+                    </a:solidFill>
+                  </a:tcPr>
+                </a:tc>
+                <a:tc>
+                  <a:txBody>
+                    <a:bodyPr/>
+                    <a:lstStyle/>
+                    <a:p>
+                      <a:pPr algn="ctr"/>
+                      <a:endParaRPr lang="es-ES">
+                        <a:solidFill>
+                          <a:srgbClr val="FFFF00"/>
+                        </a:solidFill>
+                      </a:endParaRPr>
+                    </a:p>
+                  </a:txBody>
+                  <a:tcPr>
+                    <a:solidFill>
+                      <a:srgbClr val="000000">
+                        <a:alpha val="30196"/>
+                      </a:srgbClr>
+                    </a:solidFill>
+                  </a:tcPr>
+                </a:tc>
+                <a:extLst>
+                  <a:ext uri="{0D108BD9-81ED-4DB2-BD59-A6C34878D82A}">
+                    <a16:rowId xmlns:a16="http://schemas.microsoft.com/office/drawing/2014/main" val="10002"/>
+                  </a:ext>
+                </a:extLst>
+              </a:tr>
+              <a:tr h="423765">
+                <a:tc>
+                  <a:txBody>
+                    <a:bodyPr/>
+                    <a:lstStyle/>
+                    <a:p>
+                      <a:pPr algn="ctr"/>
+                      <a:endParaRPr lang="es-ES">
+                        <a:solidFill>
+                          <a:srgbClr val="FFFF00"/>
+                        </a:solidFill>
+                      </a:endParaRPr>
+                    </a:p>
+                  </a:txBody>
+                  <a:tcPr>
+                    <a:solidFill>
+                      <a:srgbClr val="000000">
+                        <a:alpha val="30196"/>
+                      </a:srgbClr>
+                    </a:solidFill>
+                  </a:tcPr>
+                </a:tc>
+                <a:tc>
+                  <a:txBody>
+                    <a:bodyPr/>
+                    <a:lstStyle/>
+                    <a:p>
+                      <a:pPr algn="ctr"/>
+                      <a:r>
+                        <a:rPr lang="es-ES" dirty="0">
+                          <a:solidFill>
+                            <a:srgbClr val="FFFF00"/>
+                          </a:solidFill>
+                        </a:rPr>
+                        <a:t>1</a:t>
+                      </a:r>
+                    </a:p>
+                  </a:txBody>
+                  <a:tcPr>
+                    <a:solidFill>
+                      <a:srgbClr val="000000">
+                        <a:alpha val="30196"/>
+                      </a:srgbClr>
+                    </a:solidFill>
+                  </a:tcPr>
+                </a:tc>
+                <a:tc>
+                  <a:txBody>
+                    <a:bodyPr/>
+                    <a:lstStyle/>
+                    <a:p>
+                      <a:pPr algn="ctr"/>
+                      <a:endParaRPr lang="es-ES">
+                        <a:solidFill>
+                          <a:srgbClr val="FFFF00"/>
+                        </a:solidFill>
+                      </a:endParaRPr>
+                    </a:p>
+                  </a:txBody>
+                  <a:tcPr>
+                    <a:solidFill>
+                      <a:srgbClr val="000000">
+                        <a:alpha val="30196"/>
+                      </a:srgbClr>
+                    </a:solidFill>
+                  </a:tcPr>
+                </a:tc>
+                <a:extLst>
+                  <a:ext uri="{0D108BD9-81ED-4DB2-BD59-A6C34878D82A}">
+                    <a16:rowId xmlns:a16="http://schemas.microsoft.com/office/drawing/2014/main" val="10003"/>
+                  </a:ext>
+                </a:extLst>
+              </a:tr>
+              <a:tr h="423765">
+                <a:tc>
+                  <a:txBody>
+                    <a:bodyPr/>
+                    <a:lstStyle/>
+                    <a:p>
+                      <a:pPr algn="ctr"/>
+                      <a:endParaRPr lang="es-ES" dirty="0">
+                        <a:solidFill>
+                          <a:srgbClr val="FFFF00"/>
+                        </a:solidFill>
+                      </a:endParaRPr>
+                    </a:p>
+                  </a:txBody>
+                  <a:tcPr>
+                    <a:solidFill>
+                      <a:srgbClr val="000000">
+                        <a:alpha val="30196"/>
+                      </a:srgbClr>
+                    </a:solidFill>
+                  </a:tcPr>
+                </a:tc>
+                <a:tc>
+                  <a:txBody>
+                    <a:bodyPr/>
+                    <a:lstStyle/>
+                    <a:p>
+                      <a:pPr algn="ctr"/>
+                      <a:endParaRPr lang="es-ES">
+                        <a:solidFill>
+                          <a:srgbClr val="FFFF00"/>
+                        </a:solidFill>
+                      </a:endParaRPr>
+                    </a:p>
+                  </a:txBody>
+                  <a:tcPr>
+                    <a:solidFill>
+                      <a:srgbClr val="000000">
+                        <a:alpha val="30196"/>
+                      </a:srgbClr>
+                    </a:solidFill>
+                  </a:tcPr>
+                </a:tc>
+                <a:tc>
+                  <a:txBody>
+                    <a:bodyPr/>
+                    <a:lstStyle/>
+                    <a:p>
+                      <a:pPr algn="ctr"/>
+                      <a:endParaRPr lang="es-ES" dirty="0">
+                        <a:solidFill>
+                          <a:srgbClr val="FFFF00"/>
+                        </a:solidFill>
+                      </a:endParaRPr>
+                    </a:p>
+                  </a:txBody>
+                  <a:tcPr>
+                    <a:solidFill>
+                      <a:srgbClr val="000000">
+                        <a:alpha val="30196"/>
+                      </a:srgbClr>
+                    </a:solidFill>
+                  </a:tcPr>
+                </a:tc>
+                <a:extLst>
+                  <a:ext uri="{0D108BD9-81ED-4DB2-BD59-A6C34878D82A}">
+                    <a16:rowId xmlns:a16="http://schemas.microsoft.com/office/drawing/2014/main" val="10004"/>
+                  </a:ext>
+                </a:extLst>
+              </a:tr>
+              <a:tr h="423765">
+                <a:tc>
+                  <a:txBody>
+                    <a:bodyPr/>
+                    <a:lstStyle/>
+                    <a:p>
+                      <a:pPr algn="ctr"/>
+                      <a:r>
+                        <a:rPr lang="es-ES" dirty="0">
+                          <a:solidFill>
+                            <a:srgbClr val="FFFF00"/>
+                          </a:solidFill>
+                        </a:rPr>
+                        <a:t>1</a:t>
+                      </a:r>
+                    </a:p>
+                  </a:txBody>
+                  <a:tcPr>
+                    <a:solidFill>
+                      <a:srgbClr val="000000">
+                        <a:alpha val="30196"/>
+                      </a:srgbClr>
+                    </a:solidFill>
+                  </a:tcPr>
+                </a:tc>
+                <a:tc>
+                  <a:txBody>
+                    <a:bodyPr/>
+                    <a:lstStyle/>
+                    <a:p>
+                      <a:pPr algn="ctr"/>
+                      <a:endParaRPr lang="es-ES" dirty="0">
+                        <a:solidFill>
+                          <a:srgbClr val="FFFF00"/>
+                        </a:solidFill>
+                      </a:endParaRPr>
+                    </a:p>
+                  </a:txBody>
+                  <a:tcPr>
+                    <a:solidFill>
+                      <a:srgbClr val="000000">
+                        <a:alpha val="30196"/>
+                      </a:srgbClr>
+                    </a:solidFill>
+                  </a:tcPr>
+                </a:tc>
+                <a:tc>
+                  <a:txBody>
+                    <a:bodyPr/>
+                    <a:lstStyle/>
+                    <a:p>
+                      <a:pPr algn="ctr"/>
+                      <a:r>
+                        <a:rPr lang="es-ES" dirty="0">
+                          <a:solidFill>
+                            <a:srgbClr val="FFFF00"/>
+                          </a:solidFill>
+                        </a:rPr>
+                        <a:t>1</a:t>
+                      </a:r>
+                    </a:p>
+                  </a:txBody>
+                  <a:tcPr>
+                    <a:solidFill>
+                      <a:srgbClr val="000000">
+                        <a:alpha val="30196"/>
+                      </a:srgbClr>
+                    </a:solidFill>
+                  </a:tcPr>
+                </a:tc>
+                <a:extLst>
+                  <a:ext uri="{0D108BD9-81ED-4DB2-BD59-A6C34878D82A}">
+                    <a16:rowId xmlns:a16="http://schemas.microsoft.com/office/drawing/2014/main" val="10005"/>
+                  </a:ext>
+                </a:extLst>
+              </a:tr>
+              <a:tr h="423765">
+                <a:tc>
+                  <a:txBody>
+                    <a:bodyPr/>
+                    <a:lstStyle/>
+                    <a:p>
+                      <a:pPr algn="ctr"/>
+                      <a:endParaRPr lang="es-ES">
+                        <a:solidFill>
+                          <a:srgbClr val="FFFF00"/>
+                        </a:solidFill>
+                      </a:endParaRPr>
+                    </a:p>
+                  </a:txBody>
+                  <a:tcPr>
+                    <a:solidFill>
+                      <a:srgbClr val="000000">
+                        <a:alpha val="30196"/>
+                      </a:srgbClr>
+                    </a:solidFill>
+                  </a:tcPr>
+                </a:tc>
+                <a:tc>
+                  <a:txBody>
+                    <a:bodyPr/>
+                    <a:lstStyle/>
+                    <a:p>
+                      <a:pPr algn="ctr"/>
+                      <a:endParaRPr lang="es-ES">
+                        <a:solidFill>
+                          <a:srgbClr val="FFFF00"/>
+                        </a:solidFill>
+                      </a:endParaRPr>
+                    </a:p>
+                  </a:txBody>
+                  <a:tcPr>
+                    <a:solidFill>
+                      <a:srgbClr val="000000">
+                        <a:alpha val="30196"/>
+                      </a:srgbClr>
+                    </a:solidFill>
+                  </a:tcPr>
+                </a:tc>
+                <a:tc>
+                  <a:txBody>
+                    <a:bodyPr/>
+                    <a:lstStyle/>
+                    <a:p>
+                      <a:pPr algn="ctr"/>
+                      <a:endParaRPr lang="es-ES">
+                        <a:solidFill>
+                          <a:srgbClr val="FFFF00"/>
+                        </a:solidFill>
+                      </a:endParaRPr>
+                    </a:p>
+                  </a:txBody>
+                  <a:tcPr>
+                    <a:solidFill>
+                      <a:srgbClr val="000000">
+                        <a:alpha val="30196"/>
+                      </a:srgbClr>
+                    </a:solidFill>
+                  </a:tcPr>
+                </a:tc>
+                <a:extLst>
+                  <a:ext uri="{0D108BD9-81ED-4DB2-BD59-A6C34878D82A}">
+                    <a16:rowId xmlns:a16="http://schemas.microsoft.com/office/drawing/2014/main" val="10006"/>
+                  </a:ext>
+                </a:extLst>
+              </a:tr>
+              <a:tr h="423765">
+                <a:tc>
+                  <a:txBody>
+                    <a:bodyPr/>
+                    <a:lstStyle/>
+                    <a:p>
+                      <a:pPr algn="ctr"/>
+                      <a:endParaRPr lang="es-ES" dirty="0">
+                        <a:solidFill>
+                          <a:srgbClr val="FFFF00"/>
+                        </a:solidFill>
+                      </a:endParaRPr>
+                    </a:p>
+                  </a:txBody>
+                  <a:tcPr>
+                    <a:solidFill>
+                      <a:srgbClr val="000000">
+                        <a:alpha val="30196"/>
+                      </a:srgbClr>
+                    </a:solidFill>
+                  </a:tcPr>
+                </a:tc>
+                <a:tc>
+                  <a:txBody>
+                    <a:bodyPr/>
+                    <a:lstStyle/>
+                    <a:p>
+                      <a:pPr algn="ctr"/>
+                      <a:endParaRPr lang="es-ES" dirty="0">
+                        <a:solidFill>
+                          <a:srgbClr val="FFFF00"/>
+                        </a:solidFill>
+                      </a:endParaRPr>
+                    </a:p>
+                  </a:txBody>
+                  <a:tcPr>
+                    <a:solidFill>
+                      <a:srgbClr val="000000">
+                        <a:alpha val="30196"/>
+                      </a:srgbClr>
+                    </a:solidFill>
+                  </a:tcPr>
+                </a:tc>
+                <a:tc>
+                  <a:txBody>
+                    <a:bodyPr/>
+                    <a:lstStyle/>
+                    <a:p>
+                      <a:pPr algn="ctr"/>
+                      <a:endParaRPr lang="es-ES" dirty="0">
+                        <a:solidFill>
+                          <a:srgbClr val="FFFF00"/>
+                        </a:solidFill>
+                      </a:endParaRPr>
+                    </a:p>
+                  </a:txBody>
+                  <a:tcPr>
+                    <a:solidFill>
+                      <a:srgbClr val="000000">
+                        <a:alpha val="30196"/>
+                      </a:srgbClr>
+                    </a:solidFill>
+                  </a:tcPr>
+                </a:tc>
+                <a:extLst>
+                  <a:ext uri="{0D108BD9-81ED-4DB2-BD59-A6C34878D82A}">
+                    <a16:rowId xmlns:a16="http://schemas.microsoft.com/office/drawing/2014/main" val="10007"/>
+                  </a:ext>
+                </a:extLst>
+              </a:tr>
+              <a:tr h="423765">
+                <a:tc>
+                  <a:txBody>
+                    <a:bodyPr/>
+                    <a:lstStyle/>
+                    <a:p>
+                      <a:pPr algn="ctr"/>
+                      <a:endParaRPr lang="es-ES">
+                        <a:solidFill>
+                          <a:srgbClr val="FFFF00"/>
+                        </a:solidFill>
+                      </a:endParaRPr>
+                    </a:p>
+                  </a:txBody>
+                  <a:tcPr>
+                    <a:solidFill>
+                      <a:srgbClr val="000000">
+                        <a:alpha val="30196"/>
+                      </a:srgbClr>
+                    </a:solidFill>
+                  </a:tcPr>
+                </a:tc>
+                <a:tc>
+                  <a:txBody>
+                    <a:bodyPr/>
+                    <a:lstStyle/>
+                    <a:p>
+                      <a:pPr algn="ctr"/>
+                      <a:endParaRPr lang="es-ES" dirty="0">
+                        <a:solidFill>
+                          <a:srgbClr val="FFFF00"/>
+                        </a:solidFill>
+                      </a:endParaRPr>
+                    </a:p>
+                  </a:txBody>
+                  <a:tcPr>
+                    <a:solidFill>
+                      <a:srgbClr val="000000">
+                        <a:alpha val="30196"/>
+                      </a:srgbClr>
+                    </a:solidFill>
+                  </a:tcPr>
+                </a:tc>
+                <a:tc>
+                  <a:txBody>
+                    <a:bodyPr/>
+                    <a:lstStyle/>
+                    <a:p>
+                      <a:pPr algn="ctr"/>
+                      <a:endParaRPr lang="es-ES">
+                        <a:solidFill>
+                          <a:srgbClr val="FFFF00"/>
+                        </a:solidFill>
+                      </a:endParaRPr>
+                    </a:p>
+                  </a:txBody>
+                  <a:tcPr>
+                    <a:solidFill>
+                      <a:srgbClr val="000000">
+                        <a:alpha val="30196"/>
+                      </a:srgbClr>
+                    </a:solidFill>
+                  </a:tcPr>
+                </a:tc>
+                <a:extLst>
+                  <a:ext uri="{0D108BD9-81ED-4DB2-BD59-A6C34878D82A}">
+                    <a16:rowId xmlns:a16="http://schemas.microsoft.com/office/drawing/2014/main" val="10008"/>
+                  </a:ext>
+                </a:extLst>
+              </a:tr>
+              <a:tr h="423765">
+                <a:tc>
+                  <a:txBody>
+                    <a:bodyPr/>
+                    <a:lstStyle/>
+                    <a:p>
+                      <a:pPr algn="ctr"/>
+                      <a:endParaRPr lang="es-ES" dirty="0">
+                        <a:solidFill>
+                          <a:srgbClr val="FFFF00"/>
+                        </a:solidFill>
+                      </a:endParaRPr>
+                    </a:p>
+                  </a:txBody>
+                  <a:tcPr>
+                    <a:solidFill>
+                      <a:srgbClr val="000000">
+                        <a:alpha val="30196"/>
+                      </a:srgbClr>
+                    </a:solidFill>
+                  </a:tcPr>
+                </a:tc>
+                <a:tc>
+                  <a:txBody>
+                    <a:bodyPr/>
+                    <a:lstStyle/>
+                    <a:p>
+                      <a:pPr algn="ctr"/>
+                      <a:endParaRPr lang="es-ES" dirty="0">
+                        <a:solidFill>
+                          <a:srgbClr val="FFFF00"/>
+                        </a:solidFill>
+                      </a:endParaRPr>
+                    </a:p>
+                  </a:txBody>
+                  <a:tcPr>
+                    <a:solidFill>
+                      <a:srgbClr val="000000">
+                        <a:alpha val="30196"/>
+                      </a:srgbClr>
+                    </a:solidFill>
+                  </a:tcPr>
+                </a:tc>
+                <a:tc>
+                  <a:txBody>
+                    <a:bodyPr/>
+                    <a:lstStyle/>
+                    <a:p>
+                      <a:pPr algn="ctr"/>
+                      <a:endParaRPr lang="es-ES">
+                        <a:solidFill>
+                          <a:srgbClr val="FFFF00"/>
+                        </a:solidFill>
+                      </a:endParaRPr>
+                    </a:p>
+                  </a:txBody>
+                  <a:tcPr>
+                    <a:solidFill>
+                      <a:srgbClr val="000000">
+                        <a:alpha val="30196"/>
+                      </a:srgbClr>
+                    </a:solidFill>
+                  </a:tcPr>
+                </a:tc>
+                <a:extLst>
+                  <a:ext uri="{0D108BD9-81ED-4DB2-BD59-A6C34878D82A}">
+                    <a16:rowId xmlns:a16="http://schemas.microsoft.com/office/drawing/2014/main" val="10009"/>
+                  </a:ext>
+                </a:extLst>
+              </a:tr>
+              <a:tr h="423765">
+                <a:tc>
+                  <a:txBody>
+                    <a:bodyPr/>
+                    <a:lstStyle/>
+                    <a:p>
+                      <a:pPr algn="ctr"/>
+                      <a:r>
+                        <a:rPr lang="es-ES" dirty="0">
+                          <a:solidFill>
+                            <a:srgbClr val="FFFF00"/>
+                          </a:solidFill>
+                        </a:rPr>
+                        <a:t>2</a:t>
+                      </a:r>
+                    </a:p>
+                  </a:txBody>
+                  <a:tcPr>
+                    <a:solidFill>
+                      <a:srgbClr val="000000">
+                        <a:alpha val="30196"/>
+                      </a:srgbClr>
+                    </a:solidFill>
+                  </a:tcPr>
+                </a:tc>
+                <a:tc>
+                  <a:txBody>
+                    <a:bodyPr/>
+                    <a:lstStyle/>
+                    <a:p>
+                      <a:pPr algn="ctr"/>
+                      <a:endParaRPr lang="es-ES" dirty="0">
+                        <a:solidFill>
+                          <a:srgbClr val="FFFF00"/>
+                        </a:solidFill>
+                      </a:endParaRPr>
+                    </a:p>
+                  </a:txBody>
+                  <a:tcPr>
+                    <a:solidFill>
+                      <a:srgbClr val="000000">
+                        <a:alpha val="30196"/>
+                      </a:srgbClr>
+                    </a:solidFill>
+                  </a:tcPr>
+                </a:tc>
+                <a:tc>
+                  <a:txBody>
+                    <a:bodyPr/>
+                    <a:lstStyle/>
+                    <a:p>
+                      <a:pPr algn="ctr"/>
+                      <a:r>
+                        <a:rPr lang="es-ES" dirty="0">
+                          <a:solidFill>
+                            <a:srgbClr val="FFFF00"/>
+                          </a:solidFill>
+                        </a:rPr>
+                        <a:t>2</a:t>
+                      </a:r>
+                    </a:p>
+                  </a:txBody>
+                  <a:tcPr>
+                    <a:solidFill>
+                      <a:srgbClr val="000000">
+                        <a:alpha val="30196"/>
+                      </a:srgbClr>
+                    </a:solidFill>
+                  </a:tcPr>
+                </a:tc>
+                <a:extLst>
+                  <a:ext uri="{0D108BD9-81ED-4DB2-BD59-A6C34878D82A}">
+                    <a16:rowId xmlns:a16="http://schemas.microsoft.com/office/drawing/2014/main" val="10010"/>
+                  </a:ext>
+                </a:extLst>
+              </a:tr>
+              <a:tr h="423765">
+                <a:tc>
+                  <a:txBody>
+                    <a:bodyPr/>
+                    <a:lstStyle/>
+                    <a:p>
+                      <a:pPr algn="ctr"/>
+                      <a:endParaRPr lang="es-ES" dirty="0">
+                        <a:solidFill>
+                          <a:srgbClr val="FFFF00"/>
+                        </a:solidFill>
+                      </a:endParaRPr>
+                    </a:p>
+                  </a:txBody>
+                  <a:tcPr>
+                    <a:solidFill>
+                      <a:srgbClr val="000000">
+                        <a:alpha val="30196"/>
+                      </a:srgbClr>
+                    </a:solidFill>
+                  </a:tcPr>
+                </a:tc>
+                <a:tc>
+                  <a:txBody>
+                    <a:bodyPr/>
+                    <a:lstStyle/>
+                    <a:p>
+                      <a:pPr algn="ctr"/>
+                      <a:endParaRPr lang="es-ES">
+                        <a:solidFill>
+                          <a:srgbClr val="FFFF00"/>
+                        </a:solidFill>
+                      </a:endParaRPr>
+                    </a:p>
+                  </a:txBody>
+                  <a:tcPr>
+                    <a:solidFill>
+                      <a:srgbClr val="000000">
+                        <a:alpha val="30196"/>
+                      </a:srgbClr>
+                    </a:solidFill>
+                  </a:tcPr>
+                </a:tc>
+                <a:tc>
+                  <a:txBody>
+                    <a:bodyPr/>
+                    <a:lstStyle/>
+                    <a:p>
+                      <a:pPr algn="ctr"/>
+                      <a:endParaRPr lang="es-ES" dirty="0">
+                        <a:solidFill>
+                          <a:srgbClr val="FFFF00"/>
+                        </a:solidFill>
+                      </a:endParaRPr>
+                    </a:p>
+                  </a:txBody>
+                  <a:tcPr>
+                    <a:solidFill>
+                      <a:srgbClr val="000000">
+                        <a:alpha val="30196"/>
+                      </a:srgbClr>
+                    </a:solidFill>
+                  </a:tcPr>
+                </a:tc>
+                <a:extLst>
+                  <a:ext uri="{0D108BD9-81ED-4DB2-BD59-A6C34878D82A}">
+                    <a16:rowId xmlns:a16="http://schemas.microsoft.com/office/drawing/2014/main" val="10011"/>
+                  </a:ext>
+                </a:extLst>
+              </a:tr>
+            </a:tbl>
+          </a:graphicData>
+        </a:graphic>
+      </p:graphicFrame>
+      <p:graphicFrame>
+        <p:nvGraphicFramePr>
+          <p:cNvPr id="16" name="Taula 12">
+            <a:extLst>
+              <a:ext uri="{FF2B5EF4-FFF2-40B4-BE49-F238E27FC236}">
+                <a16:creationId xmlns:a16="http://schemas.microsoft.com/office/drawing/2014/main" id="{BF087C1D-1D8E-4BE0-9C1D-CE5C7E9E9B65}"/>
+              </a:ext>
+            </a:extLst>
+          </p:cNvPr>
+          <p:cNvGraphicFramePr>
+            <a:graphicFrameLocks noGrp="1"/>
+          </p:cNvGraphicFramePr>
+          <p:nvPr>
+            <p:extLst>
+              <p:ext uri="{D42A27DB-BD31-4B8C-83A1-F6EECF244321}">
+                <p14:modId xmlns:p14="http://schemas.microsoft.com/office/powerpoint/2010/main" val="1547858599"/>
+              </p:ext>
+            </p:extLst>
+          </p:nvPr>
+        </p:nvGraphicFramePr>
+        <p:xfrm>
+          <a:off x="-3297389" y="1280790"/>
+          <a:ext cx="2952327" cy="5085180"/>
+        </p:xfrm>
+        <a:graphic>
+          <a:graphicData uri="http://schemas.openxmlformats.org/drawingml/2006/table">
+            <a:tbl>
+              <a:tblPr firstRow="1" bandRow="1">
+                <a:tableStyleId>{5C22544A-7EE6-4342-B048-85BDC9FD1C3A}</a:tableStyleId>
+              </a:tblPr>
+              <a:tblGrid>
+                <a:gridCol w="984109">
+                  <a:extLst>
+                    <a:ext uri="{9D8B030D-6E8A-4147-A177-3AD203B41FA5}">
+                      <a16:colId xmlns:a16="http://schemas.microsoft.com/office/drawing/2014/main" val="20000"/>
+                    </a:ext>
+                  </a:extLst>
+                </a:gridCol>
+                <a:gridCol w="984109">
+                  <a:extLst>
+                    <a:ext uri="{9D8B030D-6E8A-4147-A177-3AD203B41FA5}">
+                      <a16:colId xmlns:a16="http://schemas.microsoft.com/office/drawing/2014/main" val="20001"/>
+                    </a:ext>
+                  </a:extLst>
+                </a:gridCol>
+                <a:gridCol w="984109">
+                  <a:extLst>
+                    <a:ext uri="{9D8B030D-6E8A-4147-A177-3AD203B41FA5}">
+                      <a16:colId xmlns:a16="http://schemas.microsoft.com/office/drawing/2014/main" val="20002"/>
+                    </a:ext>
+                  </a:extLst>
+                </a:gridCol>
+              </a:tblGrid>
+              <a:tr h="423765">
+                <a:tc>
+                  <a:txBody>
+                    <a:bodyPr/>
+                    <a:lstStyle/>
+                    <a:p>
+                      <a:pPr algn="ctr"/>
+                      <a:r>
+                        <a:rPr lang="es-ES" dirty="0">
+                          <a:solidFill>
+                            <a:srgbClr val="FFFF00"/>
+                          </a:solidFill>
+                        </a:rPr>
+                        <a:t>1</a:t>
+                      </a:r>
+                    </a:p>
+                  </a:txBody>
+                  <a:tcPr>
+                    <a:solidFill>
+                      <a:srgbClr val="000000">
+                        <a:alpha val="30196"/>
+                      </a:srgbClr>
+                    </a:solidFill>
+                  </a:tcPr>
+                </a:tc>
+                <a:tc>
+                  <a:txBody>
+                    <a:bodyPr/>
+                    <a:lstStyle/>
+                    <a:p>
+                      <a:pPr algn="ctr"/>
+                      <a:endParaRPr lang="es-ES" dirty="0">
+                        <a:solidFill>
+                          <a:srgbClr val="FFFF00"/>
+                        </a:solidFill>
+                      </a:endParaRPr>
+                    </a:p>
+                  </a:txBody>
+                  <a:tcPr>
+                    <a:solidFill>
+                      <a:srgbClr val="000000">
+                        <a:alpha val="30196"/>
+                      </a:srgbClr>
+                    </a:solidFill>
+                  </a:tcPr>
+                </a:tc>
+                <a:tc>
+                  <a:txBody>
+                    <a:bodyPr/>
+                    <a:lstStyle/>
+                    <a:p>
+                      <a:pPr algn="ctr"/>
+                      <a:r>
+                        <a:rPr lang="es-ES" dirty="0">
+                          <a:solidFill>
+                            <a:srgbClr val="FFFF00"/>
+                          </a:solidFill>
+                        </a:rPr>
+                        <a:t>1</a:t>
+                      </a:r>
+                    </a:p>
+                  </a:txBody>
+                  <a:tcPr>
+                    <a:solidFill>
+                      <a:srgbClr val="000000">
+                        <a:alpha val="30196"/>
+                      </a:srgbClr>
+                    </a:solidFill>
+                  </a:tcPr>
+                </a:tc>
+                <a:extLst>
+                  <a:ext uri="{0D108BD9-81ED-4DB2-BD59-A6C34878D82A}">
+                    <a16:rowId xmlns:a16="http://schemas.microsoft.com/office/drawing/2014/main" val="10000"/>
+                  </a:ext>
+                </a:extLst>
+              </a:tr>
+              <a:tr h="423765">
+                <a:tc>
+                  <a:txBody>
+                    <a:bodyPr/>
+                    <a:lstStyle/>
+                    <a:p>
+                      <a:pPr algn="ctr"/>
+                      <a:endParaRPr lang="es-ES">
+                        <a:solidFill>
+                          <a:srgbClr val="FFFF00"/>
+                        </a:solidFill>
+                      </a:endParaRPr>
+                    </a:p>
+                  </a:txBody>
+                  <a:tcPr>
+                    <a:solidFill>
+                      <a:srgbClr val="000000">
+                        <a:alpha val="30196"/>
+                      </a:srgbClr>
+                    </a:solidFill>
+                  </a:tcPr>
+                </a:tc>
+                <a:tc>
+                  <a:txBody>
+                    <a:bodyPr/>
+                    <a:lstStyle/>
+                    <a:p>
+                      <a:pPr algn="ctr"/>
+                      <a:endParaRPr lang="es-ES">
+                        <a:solidFill>
+                          <a:srgbClr val="FFFF00"/>
+                        </a:solidFill>
+                      </a:endParaRPr>
+                    </a:p>
+                  </a:txBody>
+                  <a:tcPr>
+                    <a:solidFill>
+                      <a:srgbClr val="000000">
+                        <a:alpha val="30196"/>
+                      </a:srgbClr>
+                    </a:solidFill>
+                  </a:tcPr>
+                </a:tc>
+                <a:tc>
+                  <a:txBody>
+                    <a:bodyPr/>
+                    <a:lstStyle/>
+                    <a:p>
+                      <a:pPr algn="ctr"/>
+                      <a:endParaRPr lang="es-ES">
+                        <a:solidFill>
+                          <a:srgbClr val="FFFF00"/>
+                        </a:solidFill>
+                      </a:endParaRPr>
+                    </a:p>
+                  </a:txBody>
+                  <a:tcPr>
+                    <a:solidFill>
+                      <a:srgbClr val="000000">
+                        <a:alpha val="30196"/>
+                      </a:srgbClr>
+                    </a:solidFill>
+                  </a:tcPr>
+                </a:tc>
+                <a:extLst>
+                  <a:ext uri="{0D108BD9-81ED-4DB2-BD59-A6C34878D82A}">
+                    <a16:rowId xmlns:a16="http://schemas.microsoft.com/office/drawing/2014/main" val="10001"/>
+                  </a:ext>
+                </a:extLst>
+              </a:tr>
+              <a:tr h="423765">
+                <a:tc>
+                  <a:txBody>
+                    <a:bodyPr/>
+                    <a:lstStyle/>
+                    <a:p>
+                      <a:pPr algn="ctr"/>
+                      <a:endParaRPr lang="es-ES">
+                        <a:solidFill>
+                          <a:srgbClr val="FFFF00"/>
+                        </a:solidFill>
+                      </a:endParaRPr>
+                    </a:p>
+                  </a:txBody>
+                  <a:tcPr>
+                    <a:solidFill>
+                      <a:srgbClr val="000000">
+                        <a:alpha val="30196"/>
+                      </a:srgbClr>
+                    </a:solidFill>
+                  </a:tcPr>
+                </a:tc>
+                <a:tc>
+                  <a:txBody>
+                    <a:bodyPr/>
+                    <a:lstStyle/>
+                    <a:p>
+                      <a:pPr algn="ctr"/>
+                      <a:endParaRPr lang="es-ES" dirty="0">
+                        <a:solidFill>
+                          <a:srgbClr val="FFFF00"/>
+                        </a:solidFill>
+                      </a:endParaRPr>
+                    </a:p>
+                  </a:txBody>
+                  <a:tcPr>
+                    <a:solidFill>
+                      <a:srgbClr val="000000">
+                        <a:alpha val="30196"/>
+                      </a:srgbClr>
+                    </a:solidFill>
+                  </a:tcPr>
+                </a:tc>
+                <a:tc>
+                  <a:txBody>
+                    <a:bodyPr/>
+                    <a:lstStyle/>
+                    <a:p>
+                      <a:pPr algn="ctr"/>
+                      <a:endParaRPr lang="es-ES">
+                        <a:solidFill>
+                          <a:srgbClr val="FFFF00"/>
+                        </a:solidFill>
+                      </a:endParaRPr>
+                    </a:p>
+                  </a:txBody>
+                  <a:tcPr>
+                    <a:solidFill>
+                      <a:srgbClr val="000000">
+                        <a:alpha val="30196"/>
+                      </a:srgbClr>
+                    </a:solidFill>
+                  </a:tcPr>
+                </a:tc>
+                <a:extLst>
+                  <a:ext uri="{0D108BD9-81ED-4DB2-BD59-A6C34878D82A}">
+                    <a16:rowId xmlns:a16="http://schemas.microsoft.com/office/drawing/2014/main" val="10002"/>
+                  </a:ext>
+                </a:extLst>
+              </a:tr>
+              <a:tr h="423765">
+                <a:tc>
+                  <a:txBody>
+                    <a:bodyPr/>
+                    <a:lstStyle/>
+                    <a:p>
+                      <a:pPr algn="ctr"/>
+                      <a:endParaRPr lang="es-ES">
+                        <a:solidFill>
+                          <a:srgbClr val="FFFF00"/>
+                        </a:solidFill>
+                      </a:endParaRPr>
+                    </a:p>
+                  </a:txBody>
+                  <a:tcPr>
+                    <a:solidFill>
+                      <a:srgbClr val="000000">
+                        <a:alpha val="30196"/>
+                      </a:srgbClr>
+                    </a:solidFill>
+                  </a:tcPr>
+                </a:tc>
+                <a:tc>
+                  <a:txBody>
+                    <a:bodyPr/>
+                    <a:lstStyle/>
+                    <a:p>
+                      <a:pPr algn="ctr"/>
+                      <a:endParaRPr lang="es-ES">
+                        <a:solidFill>
+                          <a:srgbClr val="FFFF00"/>
+                        </a:solidFill>
+                      </a:endParaRPr>
+                    </a:p>
+                  </a:txBody>
+                  <a:tcPr>
+                    <a:solidFill>
+                      <a:srgbClr val="000000">
+                        <a:alpha val="30196"/>
+                      </a:srgbClr>
+                    </a:solidFill>
+                  </a:tcPr>
+                </a:tc>
+                <a:tc>
+                  <a:txBody>
+                    <a:bodyPr/>
+                    <a:lstStyle/>
+                    <a:p>
+                      <a:pPr algn="ctr"/>
+                      <a:endParaRPr lang="es-ES">
+                        <a:solidFill>
+                          <a:srgbClr val="FFFF00"/>
+                        </a:solidFill>
+                      </a:endParaRPr>
+                    </a:p>
+                  </a:txBody>
+                  <a:tcPr>
+                    <a:solidFill>
+                      <a:srgbClr val="000000">
+                        <a:alpha val="30196"/>
+                      </a:srgbClr>
+                    </a:solidFill>
+                  </a:tcPr>
+                </a:tc>
+                <a:extLst>
+                  <a:ext uri="{0D108BD9-81ED-4DB2-BD59-A6C34878D82A}">
+                    <a16:rowId xmlns:a16="http://schemas.microsoft.com/office/drawing/2014/main" val="10003"/>
+                  </a:ext>
+                </a:extLst>
+              </a:tr>
+              <a:tr h="423765">
+                <a:tc>
+                  <a:txBody>
+                    <a:bodyPr/>
+                    <a:lstStyle/>
+                    <a:p>
+                      <a:pPr algn="ctr"/>
+                      <a:endParaRPr lang="es-ES" dirty="0">
+                        <a:solidFill>
+                          <a:srgbClr val="FFFF00"/>
+                        </a:solidFill>
+                      </a:endParaRPr>
+                    </a:p>
+                  </a:txBody>
+                  <a:tcPr>
+                    <a:solidFill>
+                      <a:srgbClr val="000000">
+                        <a:alpha val="30196"/>
+                      </a:srgbClr>
+                    </a:solidFill>
+                  </a:tcPr>
+                </a:tc>
+                <a:tc>
+                  <a:txBody>
+                    <a:bodyPr/>
+                    <a:lstStyle/>
+                    <a:p>
+                      <a:pPr algn="ctr"/>
+                      <a:endParaRPr lang="es-ES">
+                        <a:solidFill>
+                          <a:srgbClr val="FFFF00"/>
+                        </a:solidFill>
+                      </a:endParaRPr>
+                    </a:p>
+                  </a:txBody>
+                  <a:tcPr>
+                    <a:solidFill>
+                      <a:srgbClr val="000000">
+                        <a:alpha val="30196"/>
+                      </a:srgbClr>
+                    </a:solidFill>
+                  </a:tcPr>
+                </a:tc>
+                <a:tc>
+                  <a:txBody>
+                    <a:bodyPr/>
+                    <a:lstStyle/>
+                    <a:p>
+                      <a:pPr algn="ctr"/>
+                      <a:endParaRPr lang="es-ES" dirty="0">
+                        <a:solidFill>
+                          <a:srgbClr val="FFFF00"/>
+                        </a:solidFill>
+                      </a:endParaRPr>
+                    </a:p>
+                  </a:txBody>
+                  <a:tcPr>
+                    <a:solidFill>
+                      <a:srgbClr val="000000">
+                        <a:alpha val="30196"/>
+                      </a:srgbClr>
+                    </a:solidFill>
+                  </a:tcPr>
+                </a:tc>
+                <a:extLst>
+                  <a:ext uri="{0D108BD9-81ED-4DB2-BD59-A6C34878D82A}">
+                    <a16:rowId xmlns:a16="http://schemas.microsoft.com/office/drawing/2014/main" val="10004"/>
+                  </a:ext>
+                </a:extLst>
+              </a:tr>
+              <a:tr h="423765">
+                <a:tc>
+                  <a:txBody>
+                    <a:bodyPr/>
+                    <a:lstStyle/>
+                    <a:p>
+                      <a:pPr algn="ctr"/>
+                      <a:r>
+                        <a:rPr lang="es-ES" dirty="0">
+                          <a:solidFill>
+                            <a:srgbClr val="FFFF00"/>
+                          </a:solidFill>
+                        </a:rPr>
+                        <a:t>1</a:t>
+                      </a:r>
+                    </a:p>
+                  </a:txBody>
+                  <a:tcPr>
+                    <a:solidFill>
+                      <a:srgbClr val="000000">
+                        <a:alpha val="30196"/>
+                      </a:srgbClr>
+                    </a:solidFill>
+                  </a:tcPr>
+                </a:tc>
+                <a:tc>
+                  <a:txBody>
+                    <a:bodyPr/>
+                    <a:lstStyle/>
+                    <a:p>
+                      <a:pPr algn="ctr"/>
+                      <a:endParaRPr lang="es-ES" dirty="0">
+                        <a:solidFill>
+                          <a:srgbClr val="FFFF00"/>
+                        </a:solidFill>
+                      </a:endParaRPr>
+                    </a:p>
+                  </a:txBody>
+                  <a:tcPr>
+                    <a:solidFill>
+                      <a:srgbClr val="000000">
+                        <a:alpha val="30196"/>
+                      </a:srgbClr>
+                    </a:solidFill>
+                  </a:tcPr>
+                </a:tc>
+                <a:tc>
+                  <a:txBody>
+                    <a:bodyPr/>
+                    <a:lstStyle/>
+                    <a:p>
+                      <a:pPr algn="ctr"/>
+                      <a:r>
+                        <a:rPr lang="es-ES" dirty="0">
+                          <a:solidFill>
+                            <a:srgbClr val="FFFF00"/>
+                          </a:solidFill>
+                        </a:rPr>
+                        <a:t>1</a:t>
+                      </a:r>
+                    </a:p>
+                  </a:txBody>
+                  <a:tcPr>
+                    <a:solidFill>
+                      <a:srgbClr val="000000">
+                        <a:alpha val="30196"/>
+                      </a:srgbClr>
+                    </a:solidFill>
+                  </a:tcPr>
+                </a:tc>
+                <a:extLst>
+                  <a:ext uri="{0D108BD9-81ED-4DB2-BD59-A6C34878D82A}">
+                    <a16:rowId xmlns:a16="http://schemas.microsoft.com/office/drawing/2014/main" val="10005"/>
+                  </a:ext>
+                </a:extLst>
+              </a:tr>
+              <a:tr h="423765">
+                <a:tc>
+                  <a:txBody>
+                    <a:bodyPr/>
+                    <a:lstStyle/>
+                    <a:p>
+                      <a:pPr algn="ctr"/>
+                      <a:endParaRPr lang="es-ES">
+                        <a:solidFill>
+                          <a:srgbClr val="FFFF00"/>
+                        </a:solidFill>
+                      </a:endParaRPr>
+                    </a:p>
+                  </a:txBody>
+                  <a:tcPr>
+                    <a:solidFill>
+                      <a:srgbClr val="000000">
+                        <a:alpha val="30196"/>
+                      </a:srgbClr>
+                    </a:solidFill>
+                  </a:tcPr>
+                </a:tc>
+                <a:tc>
+                  <a:txBody>
+                    <a:bodyPr/>
+                    <a:lstStyle/>
+                    <a:p>
+                      <a:pPr algn="ctr"/>
+                      <a:endParaRPr lang="es-ES">
+                        <a:solidFill>
+                          <a:srgbClr val="FFFF00"/>
+                        </a:solidFill>
+                      </a:endParaRPr>
+                    </a:p>
+                  </a:txBody>
+                  <a:tcPr>
+                    <a:solidFill>
+                      <a:srgbClr val="000000">
+                        <a:alpha val="30196"/>
+                      </a:srgbClr>
+                    </a:solidFill>
+                  </a:tcPr>
+                </a:tc>
+                <a:tc>
+                  <a:txBody>
+                    <a:bodyPr/>
+                    <a:lstStyle/>
+                    <a:p>
+                      <a:pPr algn="ctr"/>
+                      <a:endParaRPr lang="es-ES">
+                        <a:solidFill>
+                          <a:srgbClr val="FFFF00"/>
+                        </a:solidFill>
+                      </a:endParaRPr>
+                    </a:p>
+                  </a:txBody>
+                  <a:tcPr>
+                    <a:solidFill>
+                      <a:srgbClr val="000000">
+                        <a:alpha val="30196"/>
+                      </a:srgbClr>
+                    </a:solidFill>
+                  </a:tcPr>
+                </a:tc>
+                <a:extLst>
+                  <a:ext uri="{0D108BD9-81ED-4DB2-BD59-A6C34878D82A}">
+                    <a16:rowId xmlns:a16="http://schemas.microsoft.com/office/drawing/2014/main" val="10006"/>
+                  </a:ext>
+                </a:extLst>
+              </a:tr>
+              <a:tr h="423765">
+                <a:tc>
+                  <a:txBody>
+                    <a:bodyPr/>
+                    <a:lstStyle/>
+                    <a:p>
+                      <a:pPr algn="ctr"/>
+                      <a:endParaRPr lang="es-ES" dirty="0">
+                        <a:solidFill>
+                          <a:srgbClr val="FFFF00"/>
+                        </a:solidFill>
+                      </a:endParaRPr>
+                    </a:p>
+                  </a:txBody>
+                  <a:tcPr>
+                    <a:solidFill>
+                      <a:srgbClr val="000000">
+                        <a:alpha val="30196"/>
+                      </a:srgbClr>
+                    </a:solidFill>
+                  </a:tcPr>
+                </a:tc>
+                <a:tc>
+                  <a:txBody>
+                    <a:bodyPr/>
+                    <a:lstStyle/>
+                    <a:p>
+                      <a:pPr algn="ctr"/>
+                      <a:endParaRPr lang="es-ES" dirty="0">
+                        <a:solidFill>
+                          <a:srgbClr val="FFFF00"/>
+                        </a:solidFill>
+                      </a:endParaRPr>
+                    </a:p>
+                  </a:txBody>
+                  <a:tcPr>
+                    <a:solidFill>
+                      <a:srgbClr val="000000">
+                        <a:alpha val="30196"/>
+                      </a:srgbClr>
+                    </a:solidFill>
+                  </a:tcPr>
+                </a:tc>
+                <a:tc>
+                  <a:txBody>
+                    <a:bodyPr/>
+                    <a:lstStyle/>
+                    <a:p>
+                      <a:pPr algn="ctr"/>
+                      <a:endParaRPr lang="es-ES" dirty="0">
+                        <a:solidFill>
+                          <a:srgbClr val="FFFF00"/>
+                        </a:solidFill>
+                      </a:endParaRPr>
+                    </a:p>
+                  </a:txBody>
+                  <a:tcPr>
+                    <a:solidFill>
+                      <a:srgbClr val="000000">
+                        <a:alpha val="30196"/>
+                      </a:srgbClr>
+                    </a:solidFill>
+                  </a:tcPr>
+                </a:tc>
+                <a:extLst>
+                  <a:ext uri="{0D108BD9-81ED-4DB2-BD59-A6C34878D82A}">
+                    <a16:rowId xmlns:a16="http://schemas.microsoft.com/office/drawing/2014/main" val="10007"/>
+                  </a:ext>
+                </a:extLst>
+              </a:tr>
+              <a:tr h="423765">
+                <a:tc>
+                  <a:txBody>
+                    <a:bodyPr/>
+                    <a:lstStyle/>
+                    <a:p>
+                      <a:pPr algn="ctr"/>
+                      <a:endParaRPr lang="es-ES">
+                        <a:solidFill>
+                          <a:srgbClr val="FFFF00"/>
+                        </a:solidFill>
+                      </a:endParaRPr>
+                    </a:p>
+                  </a:txBody>
+                  <a:tcPr>
+                    <a:solidFill>
+                      <a:srgbClr val="000000">
+                        <a:alpha val="30196"/>
+                      </a:srgbClr>
+                    </a:solidFill>
+                  </a:tcPr>
+                </a:tc>
+                <a:tc>
+                  <a:txBody>
+                    <a:bodyPr/>
+                    <a:lstStyle/>
+                    <a:p>
+                      <a:pPr algn="ctr"/>
+                      <a:endParaRPr lang="es-ES" dirty="0">
+                        <a:solidFill>
+                          <a:srgbClr val="FFFF00"/>
+                        </a:solidFill>
+                      </a:endParaRPr>
+                    </a:p>
+                  </a:txBody>
+                  <a:tcPr>
+                    <a:solidFill>
+                      <a:srgbClr val="000000">
+                        <a:alpha val="30196"/>
+                      </a:srgbClr>
+                    </a:solidFill>
+                  </a:tcPr>
+                </a:tc>
+                <a:tc>
+                  <a:txBody>
+                    <a:bodyPr/>
+                    <a:lstStyle/>
+                    <a:p>
+                      <a:pPr algn="ctr"/>
+                      <a:endParaRPr lang="es-ES">
+                        <a:solidFill>
+                          <a:srgbClr val="FFFF00"/>
+                        </a:solidFill>
+                      </a:endParaRPr>
+                    </a:p>
+                  </a:txBody>
+                  <a:tcPr>
+                    <a:solidFill>
+                      <a:srgbClr val="000000">
+                        <a:alpha val="30196"/>
+                      </a:srgbClr>
+                    </a:solidFill>
+                  </a:tcPr>
+                </a:tc>
+                <a:extLst>
+                  <a:ext uri="{0D108BD9-81ED-4DB2-BD59-A6C34878D82A}">
+                    <a16:rowId xmlns:a16="http://schemas.microsoft.com/office/drawing/2014/main" val="10008"/>
+                  </a:ext>
+                </a:extLst>
+              </a:tr>
+              <a:tr h="423765">
+                <a:tc>
+                  <a:txBody>
+                    <a:bodyPr/>
+                    <a:lstStyle/>
+                    <a:p>
+                      <a:pPr algn="ctr"/>
+                      <a:endParaRPr lang="es-ES" dirty="0">
+                        <a:solidFill>
+                          <a:srgbClr val="FFFF00"/>
+                        </a:solidFill>
+                      </a:endParaRPr>
+                    </a:p>
+                  </a:txBody>
+                  <a:tcPr>
+                    <a:solidFill>
+                      <a:srgbClr val="000000">
+                        <a:alpha val="30196"/>
+                      </a:srgbClr>
+                    </a:solidFill>
+                  </a:tcPr>
+                </a:tc>
+                <a:tc>
+                  <a:txBody>
+                    <a:bodyPr/>
+                    <a:lstStyle/>
+                    <a:p>
+                      <a:pPr algn="ctr"/>
+                      <a:endParaRPr lang="es-ES" dirty="0">
+                        <a:solidFill>
+                          <a:srgbClr val="FFFF00"/>
+                        </a:solidFill>
+                      </a:endParaRPr>
+                    </a:p>
+                  </a:txBody>
+                  <a:tcPr>
+                    <a:solidFill>
+                      <a:srgbClr val="000000">
+                        <a:alpha val="30196"/>
+                      </a:srgbClr>
+                    </a:solidFill>
+                  </a:tcPr>
+                </a:tc>
+                <a:tc>
+                  <a:txBody>
+                    <a:bodyPr/>
+                    <a:lstStyle/>
+                    <a:p>
+                      <a:pPr algn="ctr"/>
+                      <a:endParaRPr lang="es-ES">
+                        <a:solidFill>
+                          <a:srgbClr val="FFFF00"/>
+                        </a:solidFill>
+                      </a:endParaRPr>
+                    </a:p>
+                  </a:txBody>
+                  <a:tcPr>
+                    <a:solidFill>
+                      <a:srgbClr val="000000">
+                        <a:alpha val="30196"/>
+                      </a:srgbClr>
+                    </a:solidFill>
+                  </a:tcPr>
+                </a:tc>
+                <a:extLst>
+                  <a:ext uri="{0D108BD9-81ED-4DB2-BD59-A6C34878D82A}">
+                    <a16:rowId xmlns:a16="http://schemas.microsoft.com/office/drawing/2014/main" val="10009"/>
+                  </a:ext>
+                </a:extLst>
+              </a:tr>
+              <a:tr h="423765">
+                <a:tc>
+                  <a:txBody>
+                    <a:bodyPr/>
+                    <a:lstStyle/>
+                    <a:p>
+                      <a:pPr algn="ctr"/>
+                      <a:r>
+                        <a:rPr lang="es-ES" dirty="0">
+                          <a:solidFill>
+                            <a:srgbClr val="FFFF00"/>
+                          </a:solidFill>
+                        </a:rPr>
+                        <a:t>2</a:t>
+                      </a:r>
+                    </a:p>
+                  </a:txBody>
+                  <a:tcPr>
+                    <a:solidFill>
+                      <a:srgbClr val="000000">
+                        <a:alpha val="30196"/>
+                      </a:srgbClr>
+                    </a:solidFill>
+                  </a:tcPr>
+                </a:tc>
+                <a:tc>
+                  <a:txBody>
+                    <a:bodyPr/>
+                    <a:lstStyle/>
+                    <a:p>
+                      <a:pPr algn="ctr"/>
+                      <a:endParaRPr lang="es-ES" dirty="0">
+                        <a:solidFill>
+                          <a:srgbClr val="FFFF00"/>
+                        </a:solidFill>
+                      </a:endParaRPr>
+                    </a:p>
+                  </a:txBody>
+                  <a:tcPr>
+                    <a:solidFill>
+                      <a:srgbClr val="000000">
+                        <a:alpha val="30196"/>
+                      </a:srgbClr>
+                    </a:solidFill>
+                  </a:tcPr>
+                </a:tc>
+                <a:tc>
+                  <a:txBody>
+                    <a:bodyPr/>
+                    <a:lstStyle/>
+                    <a:p>
+                      <a:pPr algn="ctr"/>
+                      <a:r>
+                        <a:rPr lang="es-ES" dirty="0">
+                          <a:solidFill>
+                            <a:srgbClr val="FFFF00"/>
+                          </a:solidFill>
+                        </a:rPr>
+                        <a:t>2</a:t>
+                      </a:r>
                     </a:p>
                   </a:txBody>
                   <a:tcPr>
